--- a/Project1/Presentation1.pptx
+++ b/Project1/Presentation1.pptx
@@ -19,24 +19,26 @@
     <p:sldId id="283" r:id="rId13"/>
     <p:sldId id="267" r:id="rId14"/>
     <p:sldId id="268" r:id="rId15"/>
-    <p:sldId id="284" r:id="rId16"/>
-    <p:sldId id="285" r:id="rId17"/>
-    <p:sldId id="286" r:id="rId18"/>
-    <p:sldId id="287" r:id="rId19"/>
-    <p:sldId id="288" r:id="rId20"/>
-    <p:sldId id="289" r:id="rId21"/>
-    <p:sldId id="269" r:id="rId22"/>
-    <p:sldId id="270" r:id="rId23"/>
-    <p:sldId id="272" r:id="rId24"/>
-    <p:sldId id="273" r:id="rId25"/>
-    <p:sldId id="292" r:id="rId26"/>
-    <p:sldId id="274" r:id="rId27"/>
-    <p:sldId id="271" r:id="rId28"/>
-    <p:sldId id="290" r:id="rId29"/>
-    <p:sldId id="291" r:id="rId30"/>
-    <p:sldId id="275" r:id="rId31"/>
-    <p:sldId id="276" r:id="rId32"/>
-    <p:sldId id="278" r:id="rId33"/>
+    <p:sldId id="293" r:id="rId16"/>
+    <p:sldId id="284" r:id="rId17"/>
+    <p:sldId id="285" r:id="rId18"/>
+    <p:sldId id="286" r:id="rId19"/>
+    <p:sldId id="287" r:id="rId20"/>
+    <p:sldId id="288" r:id="rId21"/>
+    <p:sldId id="289" r:id="rId22"/>
+    <p:sldId id="269" r:id="rId23"/>
+    <p:sldId id="270" r:id="rId24"/>
+    <p:sldId id="294" r:id="rId25"/>
+    <p:sldId id="295" r:id="rId26"/>
+    <p:sldId id="296" r:id="rId27"/>
+    <p:sldId id="272" r:id="rId28"/>
+    <p:sldId id="292" r:id="rId29"/>
+    <p:sldId id="297" r:id="rId30"/>
+    <p:sldId id="274" r:id="rId31"/>
+    <p:sldId id="271" r:id="rId32"/>
+    <p:sldId id="290" r:id="rId33"/>
+    <p:sldId id="275" r:id="rId34"/>
+    <p:sldId id="278" r:id="rId35"/>
   </p:sldIdLst>
   <p:sldSz cx="12192000" cy="6858000"/>
   <p:notesSz cx="6858000" cy="9144000"/>
@@ -170,6 +172,7 @@
           <p14:sldIdLst>
             <p14:sldId id="267"/>
             <p14:sldId id="268"/>
+            <p14:sldId id="293"/>
             <p14:sldId id="284"/>
             <p14:sldId id="285"/>
             <p14:sldId id="286"/>
@@ -182,19 +185,20 @@
           <p14:sldIdLst>
             <p14:sldId id="269"/>
             <p14:sldId id="270"/>
+            <p14:sldId id="294"/>
+            <p14:sldId id="295"/>
+            <p14:sldId id="296"/>
             <p14:sldId id="272"/>
-            <p14:sldId id="273"/>
             <p14:sldId id="292"/>
+            <p14:sldId id="297"/>
             <p14:sldId id="274"/>
             <p14:sldId id="271"/>
             <p14:sldId id="290"/>
-            <p14:sldId id="291"/>
           </p14:sldIdLst>
         </p14:section>
         <p14:section name="End Section" id="{E1BD1089-7951-4C6D-A36E-CE353DCE8327}">
           <p14:sldIdLst>
             <p14:sldId id="275"/>
-            <p14:sldId id="276"/>
             <p14:sldId id="278"/>
           </p14:sldIdLst>
         </p14:section>
@@ -362,7 +366,7 @@
           <a:p>
             <a:fld id="{5DC5528E-2842-4867-9C93-41C9BBDFC53C}" type="datetimeFigureOut">
               <a:rPr lang="en-US" smtClean="0"/>
-              <a:t>11/2/2025</a:t>
+              <a:t>11/3/2025</a:t>
             </a:fld>
             <a:endParaRPr lang="en-US"/>
           </a:p>
@@ -560,7 +564,7 @@
           <a:p>
             <a:fld id="{5DC5528E-2842-4867-9C93-41C9BBDFC53C}" type="datetimeFigureOut">
               <a:rPr lang="en-US" smtClean="0"/>
-              <a:t>11/2/2025</a:t>
+              <a:t>11/3/2025</a:t>
             </a:fld>
             <a:endParaRPr lang="en-US"/>
           </a:p>
@@ -768,7 +772,7 @@
           <a:p>
             <a:fld id="{5DC5528E-2842-4867-9C93-41C9BBDFC53C}" type="datetimeFigureOut">
               <a:rPr lang="en-US" smtClean="0"/>
-              <a:t>11/2/2025</a:t>
+              <a:t>11/3/2025</a:t>
             </a:fld>
             <a:endParaRPr lang="en-US"/>
           </a:p>
@@ -966,7 +970,7 @@
           <a:p>
             <a:fld id="{5DC5528E-2842-4867-9C93-41C9BBDFC53C}" type="datetimeFigureOut">
               <a:rPr lang="en-US" smtClean="0"/>
-              <a:t>11/2/2025</a:t>
+              <a:t>11/3/2025</a:t>
             </a:fld>
             <a:endParaRPr lang="en-US"/>
           </a:p>
@@ -1241,7 +1245,7 @@
           <a:p>
             <a:fld id="{5DC5528E-2842-4867-9C93-41C9BBDFC53C}" type="datetimeFigureOut">
               <a:rPr lang="en-US" smtClean="0"/>
-              <a:t>11/2/2025</a:t>
+              <a:t>11/3/2025</a:t>
             </a:fld>
             <a:endParaRPr lang="en-US"/>
           </a:p>
@@ -1506,7 +1510,7 @@
           <a:p>
             <a:fld id="{5DC5528E-2842-4867-9C93-41C9BBDFC53C}" type="datetimeFigureOut">
               <a:rPr lang="en-US" smtClean="0"/>
-              <a:t>11/2/2025</a:t>
+              <a:t>11/3/2025</a:t>
             </a:fld>
             <a:endParaRPr lang="en-US"/>
           </a:p>
@@ -1918,7 +1922,7 @@
           <a:p>
             <a:fld id="{5DC5528E-2842-4867-9C93-41C9BBDFC53C}" type="datetimeFigureOut">
               <a:rPr lang="en-US" smtClean="0"/>
-              <a:t>11/2/2025</a:t>
+              <a:t>11/3/2025</a:t>
             </a:fld>
             <a:endParaRPr lang="en-US"/>
           </a:p>
@@ -2059,7 +2063,7 @@
           <a:p>
             <a:fld id="{5DC5528E-2842-4867-9C93-41C9BBDFC53C}" type="datetimeFigureOut">
               <a:rPr lang="en-US" smtClean="0"/>
-              <a:t>11/2/2025</a:t>
+              <a:t>11/3/2025</a:t>
             </a:fld>
             <a:endParaRPr lang="en-US"/>
           </a:p>
@@ -2172,7 +2176,7 @@
           <a:p>
             <a:fld id="{5DC5528E-2842-4867-9C93-41C9BBDFC53C}" type="datetimeFigureOut">
               <a:rPr lang="en-US" smtClean="0"/>
-              <a:t>11/2/2025</a:t>
+              <a:t>11/3/2025</a:t>
             </a:fld>
             <a:endParaRPr lang="en-US"/>
           </a:p>
@@ -2483,7 +2487,7 @@
           <a:p>
             <a:fld id="{5DC5528E-2842-4867-9C93-41C9BBDFC53C}" type="datetimeFigureOut">
               <a:rPr lang="en-US" smtClean="0"/>
-              <a:t>11/2/2025</a:t>
+              <a:t>11/3/2025</a:t>
             </a:fld>
             <a:endParaRPr lang="en-US"/>
           </a:p>
@@ -2771,7 +2775,7 @@
           <a:p>
             <a:fld id="{5DC5528E-2842-4867-9C93-41C9BBDFC53C}" type="datetimeFigureOut">
               <a:rPr lang="en-US" smtClean="0"/>
-              <a:t>11/2/2025</a:t>
+              <a:t>11/3/2025</a:t>
             </a:fld>
             <a:endParaRPr lang="en-US"/>
           </a:p>
@@ -3012,7 +3016,7 @@
           <a:p>
             <a:fld id="{5DC5528E-2842-4867-9C93-41C9BBDFC53C}" type="datetimeFigureOut">
               <a:rPr lang="en-US" smtClean="0"/>
-              <a:t>11/2/2025</a:t>
+              <a:t>11/3/2025</a:t>
             </a:fld>
             <a:endParaRPr lang="en-US"/>
           </a:p>
@@ -4384,8 +4388,8 @@
         </p:nvSpPr>
         <p:spPr>
           <a:xfrm>
-            <a:off x="2125844" y="978570"/>
-            <a:ext cx="7940314" cy="1323439"/>
+            <a:off x="2398898" y="978570"/>
+            <a:ext cx="7394204" cy="1323439"/>
           </a:xfrm>
           <a:prstGeom prst="rect">
             <a:avLst/>
@@ -4404,15 +4408,13 @@
                 <a:solidFill>
                   <a:schemeClr val="bg1"/>
                 </a:solidFill>
-                <a:latin typeface="Abadi" panose="020F0502020204030204" pitchFamily="34" charset="0"/>
               </a:rPr>
-              <a:t>The Impact of Screen Time and </a:t>
+              <a:t>Why Do People Spend So Much</a:t>
             </a:r>
             <a:endParaRPr lang="ar-OM" sz="4000" b="1" dirty="0">
               <a:solidFill>
                 <a:schemeClr val="bg1"/>
               </a:solidFill>
-              <a:latin typeface="Abadi" panose="020F0502020204030204" pitchFamily="34" charset="0"/>
             </a:endParaRPr>
           </a:p>
           <a:p>
@@ -4422,10 +4424,14 @@
                 <a:solidFill>
                   <a:schemeClr val="bg1"/>
                 </a:solidFill>
-                <a:latin typeface="Abadi" panose="020F0502020204030204" pitchFamily="34" charset="0"/>
               </a:rPr>
-              <a:t>Technology Use on Mental Health</a:t>
-            </a:r>
+              <a:t> Time on Their Screens?</a:t>
+            </a:r>
+            <a:endParaRPr lang="en-US" sz="4000" dirty="0">
+              <a:solidFill>
+                <a:schemeClr val="bg1"/>
+              </a:solidFill>
+            </a:endParaRPr>
           </a:p>
         </p:txBody>
       </p:sp>
@@ -5197,7 +5203,7 @@
           </a:bodyPr>
           <a:lstStyle/>
           <a:p>
-            <a:pPr algn="just"/>
+            <a:pPr algn="ctr"/>
             <a:r>
               <a:rPr lang="en-US" dirty="0">
                 <a:solidFill>
@@ -5206,16 +5212,57 @@
                 <a:latin typeface="Abadi" panose="020B0604020104020204" pitchFamily="34" charset="0"/>
               </a:rPr>
               <a:t>Drop unnecessary or extra columns from the dataset</a:t>
+            </a:r>
+          </a:p>
+        </p:txBody>
+      </p:sp>
+      <p:sp>
+        <p:nvSpPr>
+          <p:cNvPr id="15" name="TextBox 14">
+            <a:extLst>
+              <a:ext uri="{FF2B5EF4-FFF2-40B4-BE49-F238E27FC236}">
+                <a16:creationId xmlns:a16="http://schemas.microsoft.com/office/drawing/2014/main" id="{04FD5CF7-3C0B-7BC0-A8E7-DE5B7A2F4A68}"/>
+              </a:ext>
+            </a:extLst>
+          </p:cNvPr>
+          <p:cNvSpPr txBox="1"/>
+          <p:nvPr/>
+        </p:nvSpPr>
+        <p:spPr>
+          <a:xfrm>
+            <a:off x="6341382" y="5012722"/>
+            <a:ext cx="3598485" cy="646331"/>
+          </a:xfrm>
+          <a:prstGeom prst="rect">
+            <a:avLst/>
+          </a:prstGeom>
+          <a:noFill/>
+        </p:spPr>
+        <p:txBody>
+          <a:bodyPr wrap="square">
+            <a:spAutoFit/>
+          </a:bodyPr>
+          <a:lstStyle/>
+          <a:p>
+            <a:pPr algn="ctr"/>
+            <a:r>
+              <a:rPr lang="en-US" dirty="0">
+                <a:solidFill>
+                  <a:schemeClr val="bg1"/>
+                </a:solidFill>
+                <a:latin typeface="Abadi" panose="020B0604020104020204" pitchFamily="34" charset="0"/>
+              </a:rPr>
+              <a:t>After data cleaning the dataset has 2,545 rows and 16 columns</a:t>
             </a:r>
           </a:p>
         </p:txBody>
       </p:sp>
       <p:pic>
         <p:nvPicPr>
-          <p:cNvPr id="7" name="Picture 6">
-            <a:extLst>
-              <a:ext uri="{FF2B5EF4-FFF2-40B4-BE49-F238E27FC236}">
-                <a16:creationId xmlns:a16="http://schemas.microsoft.com/office/drawing/2014/main" id="{33FB7180-5BF6-7508-3720-D866D5A314E2}"/>
+          <p:cNvPr id="6" name="Picture 5">
+            <a:extLst>
+              <a:ext uri="{FF2B5EF4-FFF2-40B4-BE49-F238E27FC236}">
+                <a16:creationId xmlns:a16="http://schemas.microsoft.com/office/drawing/2014/main" id="{EC1795F5-6392-19EE-4290-7D3EEFA11F2B}"/>
               </a:ext>
             </a:extLst>
           </p:cNvPr>
@@ -5232,8 +5279,8 @@
         </p:blipFill>
         <p:spPr>
           <a:xfrm>
-            <a:off x="477933" y="3579075"/>
-            <a:ext cx="5407304" cy="2195244"/>
+            <a:off x="548434" y="3529039"/>
+            <a:ext cx="5355082" cy="2351703"/>
           </a:xfrm>
           <a:prstGeom prst="rect">
             <a:avLst/>
@@ -5242,10 +5289,10 @@
       </p:pic>
       <p:pic>
         <p:nvPicPr>
-          <p:cNvPr id="13" name="Picture 12">
-            <a:extLst>
-              <a:ext uri="{FF2B5EF4-FFF2-40B4-BE49-F238E27FC236}">
-                <a16:creationId xmlns:a16="http://schemas.microsoft.com/office/drawing/2014/main" id="{E90B27D7-82C9-8680-76CD-805FB0939D86}"/>
+          <p:cNvPr id="11" name="Picture 10">
+            <a:extLst>
+              <a:ext uri="{FF2B5EF4-FFF2-40B4-BE49-F238E27FC236}">
+                <a16:creationId xmlns:a16="http://schemas.microsoft.com/office/drawing/2014/main" id="{B800EB23-FA5C-4F69-B115-7BDA9691E495}"/>
               </a:ext>
             </a:extLst>
           </p:cNvPr>
@@ -5262,55 +5309,14 @@
         </p:blipFill>
         <p:spPr>
           <a:xfrm>
-            <a:off x="6833349" y="3813775"/>
-            <a:ext cx="2614549" cy="1008152"/>
+            <a:off x="6710132" y="3813775"/>
+            <a:ext cx="2860984" cy="1034810"/>
           </a:xfrm>
           <a:prstGeom prst="rect">
             <a:avLst/>
           </a:prstGeom>
         </p:spPr>
       </p:pic>
-      <p:sp>
-        <p:nvSpPr>
-          <p:cNvPr id="15" name="TextBox 14">
-            <a:extLst>
-              <a:ext uri="{FF2B5EF4-FFF2-40B4-BE49-F238E27FC236}">
-                <a16:creationId xmlns:a16="http://schemas.microsoft.com/office/drawing/2014/main" id="{04FD5CF7-3C0B-7BC0-A8E7-DE5B7A2F4A68}"/>
-              </a:ext>
-            </a:extLst>
-          </p:cNvPr>
-          <p:cNvSpPr txBox="1"/>
-          <p:nvPr/>
-        </p:nvSpPr>
-        <p:spPr>
-          <a:xfrm>
-            <a:off x="6341382" y="5012722"/>
-            <a:ext cx="3598485" cy="646331"/>
-          </a:xfrm>
-          <a:prstGeom prst="rect">
-            <a:avLst/>
-          </a:prstGeom>
-          <a:noFill/>
-        </p:spPr>
-        <p:txBody>
-          <a:bodyPr wrap="square">
-            <a:spAutoFit/>
-          </a:bodyPr>
-          <a:lstStyle/>
-          <a:p>
-            <a:pPr algn="just"/>
-            <a:r>
-              <a:rPr lang="en-US" dirty="0">
-                <a:solidFill>
-                  <a:schemeClr val="bg1"/>
-                </a:solidFill>
-                <a:latin typeface="Abadi" panose="020B0604020104020204" pitchFamily="34" charset="0"/>
-              </a:rPr>
-              <a:t>After data cleaning the dataset has 2,545 rows and 20 columns</a:t>
-            </a:r>
-          </a:p>
-        </p:txBody>
-      </p:sp>
     </p:spTree>
     <p:extLst>
       <p:ext uri="{BB962C8B-B14F-4D97-AF65-F5344CB8AC3E}">
@@ -5582,7 +5588,7 @@
         </p:nvSpPr>
         <p:spPr>
           <a:xfrm>
-            <a:off x="757233" y="5927078"/>
+            <a:off x="893421" y="5810346"/>
             <a:ext cx="4806987" cy="646331"/>
           </a:xfrm>
           <a:prstGeom prst="rect">
@@ -5596,7 +5602,7 @@
           </a:bodyPr>
           <a:lstStyle/>
           <a:p>
-            <a:pPr algn="just"/>
+            <a:pPr algn="ctr"/>
             <a:r>
               <a:rPr lang="en-US" dirty="0">
                 <a:solidFill>
@@ -5644,17 +5650,17 @@
                   <a:schemeClr val="bg1"/>
                 </a:solidFill>
               </a:rPr>
-              <a:t>Shape after cleaning: (1000, 20)</a:t>
+              <a:t>Shape after cleaning: (1000, 16)</a:t>
             </a:r>
           </a:p>
         </p:txBody>
       </p:sp>
       <p:pic>
         <p:nvPicPr>
-          <p:cNvPr id="6" name="Picture 5">
-            <a:extLst>
-              <a:ext uri="{FF2B5EF4-FFF2-40B4-BE49-F238E27FC236}">
-                <a16:creationId xmlns:a16="http://schemas.microsoft.com/office/drawing/2014/main" id="{6E6D731D-B937-FE82-8C95-0E270C26E7CC}"/>
+          <p:cNvPr id="7" name="Picture 6">
+            <a:extLst>
+              <a:ext uri="{FF2B5EF4-FFF2-40B4-BE49-F238E27FC236}">
+                <a16:creationId xmlns:a16="http://schemas.microsoft.com/office/drawing/2014/main" id="{4A3F1711-A15B-9073-E641-88AA0CC648CE}"/>
               </a:ext>
             </a:extLst>
           </p:cNvPr>
@@ -5671,8 +5677,8 @@
         </p:blipFill>
         <p:spPr>
           <a:xfrm>
-            <a:off x="451450" y="3587394"/>
-            <a:ext cx="5909388" cy="2171379"/>
+            <a:off x="596630" y="3699680"/>
+            <a:ext cx="5619028" cy="1958404"/>
           </a:xfrm>
           <a:prstGeom prst="rect">
             <a:avLst/>
@@ -5681,10 +5687,10 @@
       </p:pic>
       <p:pic>
         <p:nvPicPr>
-          <p:cNvPr id="11" name="Picture 10">
-            <a:extLst>
-              <a:ext uri="{FF2B5EF4-FFF2-40B4-BE49-F238E27FC236}">
-                <a16:creationId xmlns:a16="http://schemas.microsoft.com/office/drawing/2014/main" id="{49755531-9E48-3883-FCEC-ED049D0AFFE9}"/>
+          <p:cNvPr id="12" name="Picture 11">
+            <a:extLst>
+              <a:ext uri="{FF2B5EF4-FFF2-40B4-BE49-F238E27FC236}">
+                <a16:creationId xmlns:a16="http://schemas.microsoft.com/office/drawing/2014/main" id="{7D2CBE6E-0781-1128-E676-F921CDCA74EC}"/>
               </a:ext>
             </a:extLst>
           </p:cNvPr>
@@ -5701,8 +5707,8 @@
         </p:blipFill>
         <p:spPr>
           <a:xfrm>
-            <a:off x="6812288" y="3547712"/>
-            <a:ext cx="4783082" cy="1464456"/>
+            <a:off x="6812288" y="4136972"/>
+            <a:ext cx="4472060" cy="1083820"/>
           </a:xfrm>
           <a:prstGeom prst="rect">
             <a:avLst/>
@@ -6514,12 +6520,53 @@
           </a:prstGeom>
         </p:spPr>
       </p:pic>
+      <p:sp>
+        <p:nvSpPr>
+          <p:cNvPr id="7" name="TextBox 6">
+            <a:extLst>
+              <a:ext uri="{FF2B5EF4-FFF2-40B4-BE49-F238E27FC236}">
+                <a16:creationId xmlns:a16="http://schemas.microsoft.com/office/drawing/2014/main" id="{F225DF6D-7FA6-F250-0F23-FB547DEEBFD4}"/>
+              </a:ext>
+            </a:extLst>
+          </p:cNvPr>
+          <p:cNvSpPr txBox="1"/>
+          <p:nvPr/>
+        </p:nvSpPr>
+        <p:spPr>
+          <a:xfrm>
+            <a:off x="5245608" y="6084090"/>
+            <a:ext cx="6866436" cy="369332"/>
+          </a:xfrm>
+          <a:prstGeom prst="rect">
+            <a:avLst/>
+          </a:prstGeom>
+          <a:noFill/>
+        </p:spPr>
+        <p:txBody>
+          <a:bodyPr wrap="square">
+            <a:spAutoFit/>
+          </a:bodyPr>
+          <a:lstStyle/>
+          <a:p>
+            <a:pPr algn="just"/>
+            <a:r>
+              <a:rPr lang="en-US" dirty="0">
+                <a:solidFill>
+                  <a:schemeClr val="bg1"/>
+                </a:solidFill>
+                <a:latin typeface="Abadi" panose="020B0604020104020204" pitchFamily="34" charset="0"/>
+              </a:rPr>
+              <a:t>Show the first 5 rows of the dataset to preview data after cleaning.</a:t>
+            </a:r>
+          </a:p>
+        </p:txBody>
+      </p:sp>
       <p:pic>
         <p:nvPicPr>
-          <p:cNvPr id="6" name="Picture 5">
-            <a:extLst>
-              <a:ext uri="{FF2B5EF4-FFF2-40B4-BE49-F238E27FC236}">
-                <a16:creationId xmlns:a16="http://schemas.microsoft.com/office/drawing/2014/main" id="{43F45636-15BD-084C-D024-C71054E19A10}"/>
+          <p:cNvPr id="9" name="Picture 8">
+            <a:extLst>
+              <a:ext uri="{FF2B5EF4-FFF2-40B4-BE49-F238E27FC236}">
+                <a16:creationId xmlns:a16="http://schemas.microsoft.com/office/drawing/2014/main" id="{F6142E0E-2FE9-212C-A368-17023DB22804}"/>
               </a:ext>
             </a:extLst>
           </p:cNvPr>
@@ -6536,55 +6583,14 @@
         </p:blipFill>
         <p:spPr>
           <a:xfrm>
-            <a:off x="5245608" y="3547712"/>
-            <a:ext cx="6757445" cy="2501132"/>
+            <a:off x="5151120" y="3416588"/>
+            <a:ext cx="6614160" cy="2438611"/>
           </a:xfrm>
           <a:prstGeom prst="rect">
             <a:avLst/>
           </a:prstGeom>
         </p:spPr>
       </p:pic>
-      <p:sp>
-        <p:nvSpPr>
-          <p:cNvPr id="7" name="TextBox 6">
-            <a:extLst>
-              <a:ext uri="{FF2B5EF4-FFF2-40B4-BE49-F238E27FC236}">
-                <a16:creationId xmlns:a16="http://schemas.microsoft.com/office/drawing/2014/main" id="{F225DF6D-7FA6-F250-0F23-FB547DEEBFD4}"/>
-              </a:ext>
-            </a:extLst>
-          </p:cNvPr>
-          <p:cNvSpPr txBox="1"/>
-          <p:nvPr/>
-        </p:nvSpPr>
-        <p:spPr>
-          <a:xfrm>
-            <a:off x="5245608" y="6084090"/>
-            <a:ext cx="6866436" cy="369332"/>
-          </a:xfrm>
-          <a:prstGeom prst="rect">
-            <a:avLst/>
-          </a:prstGeom>
-          <a:noFill/>
-        </p:spPr>
-        <p:txBody>
-          <a:bodyPr wrap="square">
-            <a:spAutoFit/>
-          </a:bodyPr>
-          <a:lstStyle/>
-          <a:p>
-            <a:pPr algn="just"/>
-            <a:r>
-              <a:rPr lang="en-US" dirty="0">
-                <a:solidFill>
-                  <a:schemeClr val="bg1"/>
-                </a:solidFill>
-                <a:latin typeface="Abadi" panose="020B0604020104020204" pitchFamily="34" charset="0"/>
-              </a:rPr>
-              <a:t>Show the first 5 rows of the dataset to preview data after cleaning.</a:t>
-            </a:r>
-          </a:p>
-        </p:txBody>
-      </p:sp>
     </p:spTree>
     <p:extLst>
       <p:ext uri="{BB962C8B-B14F-4D97-AF65-F5344CB8AC3E}">
@@ -6618,7 +6624,7 @@
         <p:cNvPr id="1" name="">
           <a:extLst>
             <a:ext uri="{FF2B5EF4-FFF2-40B4-BE49-F238E27FC236}">
-              <a16:creationId xmlns:a16="http://schemas.microsoft.com/office/drawing/2014/main" id="{E1EFADB0-289C-76CC-2A4F-17F79DD1908B}"/>
+              <a16:creationId xmlns:a16="http://schemas.microsoft.com/office/drawing/2014/main" id="{FAEE4274-DE84-F7B9-A0E9-727B3E6C8074}"/>
             </a:ext>
           </a:extLst>
         </p:cNvPr>
@@ -6638,7 +6644,7 @@
           <p:cNvPr id="8" name="Picture 7" descr="A close up of a network&#10;&#10;AI-generated content may be incorrect.">
             <a:extLst>
               <a:ext uri="{FF2B5EF4-FFF2-40B4-BE49-F238E27FC236}">
-                <a16:creationId xmlns:a16="http://schemas.microsoft.com/office/drawing/2014/main" id="{92341A8E-7537-3FCE-CB5A-27F2E7CD48F2}"/>
+                <a16:creationId xmlns:a16="http://schemas.microsoft.com/office/drawing/2014/main" id="{C36DDF17-CFC3-ECD5-8020-E3F362AB260F}"/>
               </a:ext>
             </a:extLst>
           </p:cNvPr>
@@ -6684,7 +6690,7 @@
           <p:cNvPr id="4" name="Oval 3">
             <a:extLst>
               <a:ext uri="{FF2B5EF4-FFF2-40B4-BE49-F238E27FC236}">
-                <a16:creationId xmlns:a16="http://schemas.microsoft.com/office/drawing/2014/main" id="{C2CD250E-7686-837A-841A-9477FE4F41F5}"/>
+                <a16:creationId xmlns:a16="http://schemas.microsoft.com/office/drawing/2014/main" id="{0F798428-F221-ECC7-24AC-5098E54C4AD3}"/>
               </a:ext>
             </a:extLst>
           </p:cNvPr>
@@ -6769,7 +6775,7 @@
           <p:cNvPr id="5" name="TextBox 4">
             <a:extLst>
               <a:ext uri="{FF2B5EF4-FFF2-40B4-BE49-F238E27FC236}">
-                <a16:creationId xmlns:a16="http://schemas.microsoft.com/office/drawing/2014/main" id="{0EC77CA9-9802-9438-FF84-2EB8EEDDEA1E}"/>
+                <a16:creationId xmlns:a16="http://schemas.microsoft.com/office/drawing/2014/main" id="{AE3CA753-A2A2-37E6-5179-2ABC3895F608}"/>
               </a:ext>
             </a:extLst>
           </p:cNvPr>
@@ -6820,7 +6826,7 @@
           <p:cNvPr id="2" name="Picture 1">
             <a:extLst>
               <a:ext uri="{FF2B5EF4-FFF2-40B4-BE49-F238E27FC236}">
-                <a16:creationId xmlns:a16="http://schemas.microsoft.com/office/drawing/2014/main" id="{EF3EABF9-8CDB-A769-1728-5414A1CD1ECA}"/>
+                <a16:creationId xmlns:a16="http://schemas.microsoft.com/office/drawing/2014/main" id="{CFDC282D-FEE6-8AB5-197E-E2D0C5B04B34}"/>
               </a:ext>
             </a:extLst>
           </p:cNvPr>
@@ -6845,12 +6851,53 @@
           </a:prstGeom>
         </p:spPr>
       </p:pic>
+      <p:sp>
+        <p:nvSpPr>
+          <p:cNvPr id="7" name="TextBox 6">
+            <a:extLst>
+              <a:ext uri="{FF2B5EF4-FFF2-40B4-BE49-F238E27FC236}">
+                <a16:creationId xmlns:a16="http://schemas.microsoft.com/office/drawing/2014/main" id="{C181FA2E-5A0E-35EB-EC6D-2EBE6276B57D}"/>
+              </a:ext>
+            </a:extLst>
+          </p:cNvPr>
+          <p:cNvSpPr txBox="1"/>
+          <p:nvPr/>
+        </p:nvSpPr>
+        <p:spPr>
+          <a:xfrm>
+            <a:off x="5245608" y="4522222"/>
+            <a:ext cx="4681786" cy="646331"/>
+          </a:xfrm>
+          <a:prstGeom prst="rect">
+            <a:avLst/>
+          </a:prstGeom>
+          <a:noFill/>
+        </p:spPr>
+        <p:txBody>
+          <a:bodyPr wrap="square">
+            <a:spAutoFit/>
+          </a:bodyPr>
+          <a:lstStyle/>
+          <a:p>
+            <a:pPr algn="ctr"/>
+            <a:r>
+              <a:rPr lang="en-US" dirty="0">
+                <a:solidFill>
+                  <a:schemeClr val="bg1"/>
+                </a:solidFill>
+                <a:latin typeface="Abadi" panose="020B0604020104020204" pitchFamily="34" charset="0"/>
+              </a:rPr>
+              <a:t>Display detailed info about columns, data types, non-null counts, and memory usage</a:t>
+            </a:r>
+          </a:p>
+        </p:txBody>
+      </p:sp>
       <p:pic>
         <p:nvPicPr>
-          <p:cNvPr id="6" name="Picture 5">
-            <a:extLst>
-              <a:ext uri="{FF2B5EF4-FFF2-40B4-BE49-F238E27FC236}">
-                <a16:creationId xmlns:a16="http://schemas.microsoft.com/office/drawing/2014/main" id="{BEF4A70F-1E92-DB23-0531-F34464E90594}"/>
+          <p:cNvPr id="9" name="Picture 8">
+            <a:extLst>
+              <a:ext uri="{FF2B5EF4-FFF2-40B4-BE49-F238E27FC236}">
+                <a16:creationId xmlns:a16="http://schemas.microsoft.com/office/drawing/2014/main" id="{62DC2A2D-0439-5C06-BAF9-9AFD87F00F33}"/>
               </a:ext>
             </a:extLst>
           </p:cNvPr>
@@ -6867,198 +6914,8 @@
         </p:blipFill>
         <p:spPr>
           <a:xfrm>
-            <a:off x="1174277" y="3283469"/>
-            <a:ext cx="2998890" cy="3045687"/>
-          </a:xfrm>
-          <a:prstGeom prst="rect">
-            <a:avLst/>
-          </a:prstGeom>
-        </p:spPr>
-      </p:pic>
-      <p:sp>
-        <p:nvSpPr>
-          <p:cNvPr id="7" name="TextBox 6">
-            <a:extLst>
-              <a:ext uri="{FF2B5EF4-FFF2-40B4-BE49-F238E27FC236}">
-                <a16:creationId xmlns:a16="http://schemas.microsoft.com/office/drawing/2014/main" id="{32E219EE-8A61-CAE8-B255-9C19DA20F857}"/>
-              </a:ext>
-            </a:extLst>
-          </p:cNvPr>
-          <p:cNvSpPr txBox="1"/>
-          <p:nvPr/>
-        </p:nvSpPr>
-        <p:spPr>
-          <a:xfrm>
-            <a:off x="347414" y="6329156"/>
-            <a:ext cx="4681786" cy="369332"/>
-          </a:xfrm>
-          <a:prstGeom prst="rect">
-            <a:avLst/>
-          </a:prstGeom>
-          <a:noFill/>
-        </p:spPr>
-        <p:txBody>
-          <a:bodyPr wrap="square">
-            <a:spAutoFit/>
-          </a:bodyPr>
-          <a:lstStyle/>
-          <a:p>
-            <a:pPr algn="just"/>
-            <a:r>
-              <a:rPr lang="en-US" dirty="0">
-                <a:solidFill>
-                  <a:schemeClr val="bg1"/>
-                </a:solidFill>
-                <a:latin typeface="Abadi" panose="020B0604020104020204" pitchFamily="34" charset="0"/>
-              </a:rPr>
-              <a:t>Count </a:t>
-            </a:r>
-            <a:r>
-              <a:rPr lang="en-US" dirty="0" err="1">
-                <a:solidFill>
-                  <a:schemeClr val="bg1"/>
-                </a:solidFill>
-                <a:latin typeface="Abadi" panose="020B0604020104020204" pitchFamily="34" charset="0"/>
-              </a:rPr>
-              <a:t>nunique</a:t>
-            </a:r>
-            <a:r>
-              <a:rPr lang="en-US" dirty="0">
-                <a:solidFill>
-                  <a:schemeClr val="bg1"/>
-                </a:solidFill>
-                <a:latin typeface="Abadi" panose="020B0604020104020204" pitchFamily="34" charset="0"/>
-              </a:rPr>
-              <a:t> values in categorical columns.</a:t>
-            </a:r>
-          </a:p>
-        </p:txBody>
-      </p:sp>
-      <p:sp>
-        <p:nvSpPr>
-          <p:cNvPr id="14" name="TextBox 13">
-            <a:extLst>
-              <a:ext uri="{FF2B5EF4-FFF2-40B4-BE49-F238E27FC236}">
-                <a16:creationId xmlns:a16="http://schemas.microsoft.com/office/drawing/2014/main" id="{4104EFE5-62D0-49CF-2A75-AE94806CA554}"/>
-              </a:ext>
-            </a:extLst>
-          </p:cNvPr>
-          <p:cNvSpPr txBox="1"/>
-          <p:nvPr/>
-        </p:nvSpPr>
-        <p:spPr>
-          <a:xfrm>
-            <a:off x="8927684" y="3978402"/>
-            <a:ext cx="3047065" cy="1754326"/>
-          </a:xfrm>
-          <a:prstGeom prst="rect">
-            <a:avLst/>
-          </a:prstGeom>
-          <a:noFill/>
-        </p:spPr>
-        <p:txBody>
-          <a:bodyPr wrap="square">
-            <a:spAutoFit/>
-          </a:bodyPr>
-          <a:lstStyle/>
-          <a:p>
-            <a:pPr algn="just"/>
-            <a:r>
-              <a:rPr lang="en-US" dirty="0">
-                <a:solidFill>
-                  <a:schemeClr val="bg1"/>
-                </a:solidFill>
-                <a:latin typeface="Abadi" panose="020B0604020104020204" pitchFamily="34" charset="0"/>
-              </a:rPr>
-              <a:t>maximums,</a:t>
-            </a:r>
-            <a:r>
-              <a:rPr lang="ar-OM" dirty="0">
-                <a:solidFill>
-                  <a:schemeClr val="bg1"/>
-                </a:solidFill>
-                <a:latin typeface="Abadi" panose="020B0604020104020204" pitchFamily="34" charset="0"/>
-              </a:rPr>
-              <a:t> </a:t>
-            </a:r>
-            <a:r>
-              <a:rPr lang="en-US" dirty="0">
-                <a:solidFill>
-                  <a:schemeClr val="bg1"/>
-                </a:solidFill>
-                <a:latin typeface="Abadi" panose="020B0604020104020204" pitchFamily="34" charset="0"/>
-              </a:rPr>
-              <a:t>numeric columns.</a:t>
-            </a:r>
-          </a:p>
-          <a:p>
-            <a:pPr algn="just"/>
-            <a:r>
-              <a:rPr lang="en-US" dirty="0">
-                <a:solidFill>
-                  <a:schemeClr val="bg1"/>
-                </a:solidFill>
-                <a:latin typeface="Abadi" panose="020B0604020104020204" pitchFamily="34" charset="0"/>
-              </a:rPr>
-              <a:t>- </a:t>
-            </a:r>
-            <a:r>
-              <a:rPr lang="en-US" dirty="0">
-                <a:solidFill>
-                  <a:schemeClr val="bg1"/>
-                </a:solidFill>
-              </a:rPr>
-              <a:t>One column shows True, which means it is a </a:t>
-            </a:r>
-            <a:r>
-              <a:rPr lang="en-US" b="1" dirty="0">
-                <a:solidFill>
-                  <a:schemeClr val="bg1"/>
-                </a:solidFill>
-              </a:rPr>
-              <a:t>Boolean column</a:t>
-            </a:r>
-            <a:r>
-              <a:rPr lang="en-US" dirty="0">
-                <a:solidFill>
-                  <a:schemeClr val="bg1"/>
-                </a:solidFill>
-              </a:rPr>
-              <a:t> that contains only True or False values instead of numbers.</a:t>
-            </a:r>
-            <a:endParaRPr lang="en-US" dirty="0">
-              <a:solidFill>
-                <a:schemeClr val="bg1"/>
-              </a:solidFill>
-              <a:latin typeface="Abadi" panose="020B0604020104020204" pitchFamily="34" charset="0"/>
-            </a:endParaRPr>
-          </a:p>
-        </p:txBody>
-      </p:sp>
-      <p:pic>
-        <p:nvPicPr>
-          <p:cNvPr id="17" name="Picture 16">
-            <a:extLst>
-              <a:ext uri="{FF2B5EF4-FFF2-40B4-BE49-F238E27FC236}">
-                <a16:creationId xmlns:a16="http://schemas.microsoft.com/office/drawing/2014/main" id="{74DFD423-38FB-4678-386E-5C9F8AA1A516}"/>
-              </a:ext>
-            </a:extLst>
-          </p:cNvPr>
-          <p:cNvPicPr>
-            <a:picLocks noChangeAspect="1"/>
-          </p:cNvPicPr>
-          <p:nvPr/>
-        </p:nvPicPr>
-        <p:blipFill>
-          <a:blip r:embed="rId6"/>
-          <a:stretch>
-            <a:fillRect/>
-          </a:stretch>
-        </p:blipFill>
-        <p:spPr>
-          <a:xfrm>
-            <a:off x="5768287" y="3547712"/>
-            <a:ext cx="2854598" cy="3067628"/>
+            <a:off x="1237080" y="3261527"/>
+            <a:ext cx="3918580" cy="3445281"/>
           </a:xfrm>
           <a:prstGeom prst="rect">
             <a:avLst/>
@@ -7068,7 +6925,7 @@
     </p:spTree>
     <p:extLst>
       <p:ext uri="{BB962C8B-B14F-4D97-AF65-F5344CB8AC3E}">
-        <p14:creationId xmlns:p14="http://schemas.microsoft.com/office/powerpoint/2010/main" val="2902817684"/>
+        <p14:creationId xmlns:p14="http://schemas.microsoft.com/office/powerpoint/2010/main" val="1889994117"/>
       </p:ext>
     </p:extLst>
   </p:cSld>
@@ -7098,7 +6955,7 @@
         <p:cNvPr id="1" name="">
           <a:extLst>
             <a:ext uri="{FF2B5EF4-FFF2-40B4-BE49-F238E27FC236}">
-              <a16:creationId xmlns:a16="http://schemas.microsoft.com/office/drawing/2014/main" id="{90D9ECB8-3325-5E60-16F5-2D367820E416}"/>
+              <a16:creationId xmlns:a16="http://schemas.microsoft.com/office/drawing/2014/main" id="{E1EFADB0-289C-76CC-2A4F-17F79DD1908B}"/>
             </a:ext>
           </a:extLst>
         </p:cNvPr>
@@ -7118,7 +6975,7 @@
           <p:cNvPr id="8" name="Picture 7" descr="A close up of a network&#10;&#10;AI-generated content may be incorrect.">
             <a:extLst>
               <a:ext uri="{FF2B5EF4-FFF2-40B4-BE49-F238E27FC236}">
-                <a16:creationId xmlns:a16="http://schemas.microsoft.com/office/drawing/2014/main" id="{3E4BC2F6-6C6E-6153-87C5-6608ACC4970B}"/>
+                <a16:creationId xmlns:a16="http://schemas.microsoft.com/office/drawing/2014/main" id="{92341A8E-7537-3FCE-CB5A-27F2E7CD48F2}"/>
               </a:ext>
             </a:extLst>
           </p:cNvPr>
@@ -7164,7 +7021,7 @@
           <p:cNvPr id="4" name="Oval 3">
             <a:extLst>
               <a:ext uri="{FF2B5EF4-FFF2-40B4-BE49-F238E27FC236}">
-                <a16:creationId xmlns:a16="http://schemas.microsoft.com/office/drawing/2014/main" id="{D574A6C0-7CB6-0020-490F-36E85FAE55A9}"/>
+                <a16:creationId xmlns:a16="http://schemas.microsoft.com/office/drawing/2014/main" id="{C2CD250E-7686-837A-841A-9477FE4F41F5}"/>
               </a:ext>
             </a:extLst>
           </p:cNvPr>
@@ -7249,7 +7106,7 @@
           <p:cNvPr id="5" name="TextBox 4">
             <a:extLst>
               <a:ext uri="{FF2B5EF4-FFF2-40B4-BE49-F238E27FC236}">
-                <a16:creationId xmlns:a16="http://schemas.microsoft.com/office/drawing/2014/main" id="{C0201FFF-BE34-6EFB-17DD-EB7719AFBC25}"/>
+                <a16:creationId xmlns:a16="http://schemas.microsoft.com/office/drawing/2014/main" id="{0EC77CA9-9802-9438-FF84-2EB8EEDDEA1E}"/>
               </a:ext>
             </a:extLst>
           </p:cNvPr>
@@ -7300,7 +7157,7 @@
           <p:cNvPr id="2" name="Picture 1">
             <a:extLst>
               <a:ext uri="{FF2B5EF4-FFF2-40B4-BE49-F238E27FC236}">
-                <a16:creationId xmlns:a16="http://schemas.microsoft.com/office/drawing/2014/main" id="{84113A5C-5657-C7BC-8B68-88AEA4005A64}"/>
+                <a16:creationId xmlns:a16="http://schemas.microsoft.com/office/drawing/2014/main" id="{EF3EABF9-8CDB-A769-1728-5414A1CD1ECA}"/>
               </a:ext>
             </a:extLst>
           </p:cNvPr>
@@ -7330,7 +7187,7 @@
           <p:cNvPr id="7" name="TextBox 6">
             <a:extLst>
               <a:ext uri="{FF2B5EF4-FFF2-40B4-BE49-F238E27FC236}">
-                <a16:creationId xmlns:a16="http://schemas.microsoft.com/office/drawing/2014/main" id="{6EDE8ED9-D27D-8257-CA8F-A8467AED2C8C}"/>
+                <a16:creationId xmlns:a16="http://schemas.microsoft.com/office/drawing/2014/main" id="{32E219EE-8A61-CAE8-B255-9C19DA20F857}"/>
               </a:ext>
             </a:extLst>
           </p:cNvPr>
@@ -7339,8 +7196,8 @@
         </p:nvSpPr>
         <p:spPr>
           <a:xfrm>
-            <a:off x="1250721" y="4364405"/>
-            <a:ext cx="4681786" cy="646331"/>
+            <a:off x="347414" y="6280516"/>
+            <a:ext cx="4681786" cy="584775"/>
           </a:xfrm>
           <a:prstGeom prst="rect">
             <a:avLst/>
@@ -7353,26 +7210,61 @@
           </a:bodyPr>
           <a:lstStyle/>
           <a:p>
-            <a:pPr algn="just"/>
-            <a:r>
-              <a:rPr lang="en-US" dirty="0">
+            <a:pPr algn="ctr"/>
+            <a:r>
+              <a:rPr lang="en-US" sz="1600" dirty="0">
                 <a:solidFill>
                   <a:schemeClr val="bg1"/>
                 </a:solidFill>
                 <a:latin typeface="Abadi" panose="020B0604020104020204" pitchFamily="34" charset="0"/>
               </a:rPr>
-              <a:t>Filter rows using conditions</a:t>
-            </a:r>
-            <a:r>
-              <a:rPr lang="ar-OM" dirty="0">
+              <a:t>Returns the number of unique values in each column of the </a:t>
+            </a:r>
+            <a:r>
+              <a:rPr lang="en-US" sz="1600" dirty="0" err="1">
                 <a:solidFill>
                   <a:schemeClr val="bg1"/>
                 </a:solidFill>
                 <a:latin typeface="Abadi" panose="020B0604020104020204" pitchFamily="34" charset="0"/>
               </a:rPr>
-              <a:t>:</a:t>
-            </a:r>
-          </a:p>
+              <a:t>DataFrame</a:t>
+            </a:r>
+            <a:endParaRPr lang="en-US" sz="1600" dirty="0">
+              <a:solidFill>
+                <a:schemeClr val="bg1"/>
+              </a:solidFill>
+              <a:latin typeface="Abadi" panose="020B0604020104020204" pitchFamily="34" charset="0"/>
+            </a:endParaRPr>
+          </a:p>
+        </p:txBody>
+      </p:sp>
+      <p:sp>
+        <p:nvSpPr>
+          <p:cNvPr id="14" name="TextBox 13">
+            <a:extLst>
+              <a:ext uri="{FF2B5EF4-FFF2-40B4-BE49-F238E27FC236}">
+                <a16:creationId xmlns:a16="http://schemas.microsoft.com/office/drawing/2014/main" id="{4104EFE5-62D0-49CF-2A75-AE94806CA554}"/>
+              </a:ext>
+            </a:extLst>
+          </p:cNvPr>
+          <p:cNvSpPr txBox="1"/>
+          <p:nvPr/>
+        </p:nvSpPr>
+        <p:spPr>
+          <a:xfrm>
+            <a:off x="8927684" y="3978402"/>
+            <a:ext cx="3047065" cy="1754326"/>
+          </a:xfrm>
+          <a:prstGeom prst="rect">
+            <a:avLst/>
+          </a:prstGeom>
+          <a:noFill/>
+        </p:spPr>
+        <p:txBody>
+          <a:bodyPr wrap="square">
+            <a:spAutoFit/>
+          </a:bodyPr>
+          <a:lstStyle/>
           <a:p>
             <a:pPr algn="just"/>
             <a:r>
@@ -7382,17 +7274,77 @@
                 </a:solidFill>
                 <a:latin typeface="Abadi" panose="020B0604020104020204" pitchFamily="34" charset="0"/>
               </a:rPr>
-              <a:t>- only Social or Games category</a:t>
-            </a:r>
+              <a:t>maximums,</a:t>
+            </a:r>
+            <a:r>
+              <a:rPr lang="ar-OM" dirty="0">
+                <a:solidFill>
+                  <a:schemeClr val="bg1"/>
+                </a:solidFill>
+                <a:latin typeface="Abadi" panose="020B0604020104020204" pitchFamily="34" charset="0"/>
+              </a:rPr>
+              <a:t> </a:t>
+            </a:r>
+            <a:r>
+              <a:rPr lang="en-US" dirty="0">
+                <a:solidFill>
+                  <a:schemeClr val="bg1"/>
+                </a:solidFill>
+                <a:latin typeface="Abadi" panose="020B0604020104020204" pitchFamily="34" charset="0"/>
+              </a:rPr>
+              <a:t>numeric columns.</a:t>
+            </a:r>
+          </a:p>
+          <a:p>
+            <a:pPr algn="just"/>
+            <a:r>
+              <a:rPr lang="en-US" dirty="0">
+                <a:solidFill>
+                  <a:schemeClr val="bg1"/>
+                </a:solidFill>
+                <a:latin typeface="Abadi" panose="020B0604020104020204" pitchFamily="34" charset="0"/>
+              </a:rPr>
+              <a:t>- </a:t>
+            </a:r>
+            <a:r>
+              <a:rPr lang="en-US" dirty="0">
+                <a:solidFill>
+                  <a:schemeClr val="bg1"/>
+                </a:solidFill>
+              </a:rPr>
+              <a:t>One column shows True, which means it is a </a:t>
+            </a:r>
+            <a:r>
+              <a:rPr lang="en-US" b="1" dirty="0">
+                <a:solidFill>
+                  <a:schemeClr val="bg1"/>
+                </a:solidFill>
+              </a:rPr>
+              <a:t>Boolean column</a:t>
+            </a:r>
+            <a:r>
+              <a:rPr lang="en-US" dirty="0">
+                <a:solidFill>
+                  <a:schemeClr val="bg1"/>
+                </a:solidFill>
+              </a:rPr>
+              <a:t> that contains only True or False values instead of numbers.</a:t>
+            </a:r>
+            <a:endParaRPr lang="en-US" dirty="0">
+              <a:solidFill>
+                <a:schemeClr val="bg1"/>
+              </a:solidFill>
+              <a:latin typeface="Abadi" panose="020B0604020104020204" pitchFamily="34" charset="0"/>
+            </a:endParaRPr>
           </a:p>
         </p:txBody>
       </p:sp>
       <p:pic>
         <p:nvPicPr>
-          <p:cNvPr id="15" name="Picture 14">
-            <a:extLst>
-              <a:ext uri="{FF2B5EF4-FFF2-40B4-BE49-F238E27FC236}">
-                <a16:creationId xmlns:a16="http://schemas.microsoft.com/office/drawing/2014/main" id="{582E7137-5A8F-CEDA-9079-B5832D99A4E7}"/>
+          <p:cNvPr id="9" name="Picture 8">
+            <a:extLst>
+              <a:ext uri="{FF2B5EF4-FFF2-40B4-BE49-F238E27FC236}">
+                <a16:creationId xmlns:a16="http://schemas.microsoft.com/office/drawing/2014/main" id="{8276D053-1B11-5E10-2F0F-754CC661AB41}"/>
               </a:ext>
             </a:extLst>
           </p:cNvPr>
@@ -7409,8 +7361,8 @@
         </p:blipFill>
         <p:spPr>
           <a:xfrm>
-            <a:off x="568483" y="4996792"/>
-            <a:ext cx="4820642" cy="684761"/>
+            <a:off x="1115860" y="3325526"/>
+            <a:ext cx="2855256" cy="2939615"/>
           </a:xfrm>
           <a:prstGeom prst="rect">
             <a:avLst/>
@@ -7419,10 +7371,10 @@
       </p:pic>
       <p:pic>
         <p:nvPicPr>
-          <p:cNvPr id="17" name="Picture 16">
-            <a:extLst>
-              <a:ext uri="{FF2B5EF4-FFF2-40B4-BE49-F238E27FC236}">
-                <a16:creationId xmlns:a16="http://schemas.microsoft.com/office/drawing/2014/main" id="{20994B2A-4C5D-01CB-6098-E6FD746A4A10}"/>
+          <p:cNvPr id="13" name="Picture 12">
+            <a:extLst>
+              <a:ext uri="{FF2B5EF4-FFF2-40B4-BE49-F238E27FC236}">
+                <a16:creationId xmlns:a16="http://schemas.microsoft.com/office/drawing/2014/main" id="{15FB4EC4-48F5-C22E-857F-2B062A67C937}"/>
               </a:ext>
             </a:extLst>
           </p:cNvPr>
@@ -7439,8 +7391,8 @@
         </p:blipFill>
         <p:spPr>
           <a:xfrm>
-            <a:off x="5668744" y="3479326"/>
-            <a:ext cx="5700254" cy="3055885"/>
+            <a:off x="5543886" y="3547712"/>
+            <a:ext cx="3048264" cy="2717429"/>
           </a:xfrm>
           <a:prstGeom prst="rect">
             <a:avLst/>
@@ -7450,7 +7402,7 @@
     </p:spTree>
     <p:extLst>
       <p:ext uri="{BB962C8B-B14F-4D97-AF65-F5344CB8AC3E}">
-        <p14:creationId xmlns:p14="http://schemas.microsoft.com/office/powerpoint/2010/main" val="464258218"/>
+        <p14:creationId xmlns:p14="http://schemas.microsoft.com/office/powerpoint/2010/main" val="2902817684"/>
       </p:ext>
     </p:extLst>
   </p:cSld>
@@ -7480,7 +7432,7 @@
         <p:cNvPr id="1" name="">
           <a:extLst>
             <a:ext uri="{FF2B5EF4-FFF2-40B4-BE49-F238E27FC236}">
-              <a16:creationId xmlns:a16="http://schemas.microsoft.com/office/drawing/2014/main" id="{867952F4-3683-1B84-48B5-8328A6D7FD61}"/>
+              <a16:creationId xmlns:a16="http://schemas.microsoft.com/office/drawing/2014/main" id="{90D9ECB8-3325-5E60-16F5-2D367820E416}"/>
             </a:ext>
           </a:extLst>
         </p:cNvPr>
@@ -7500,7 +7452,7 @@
           <p:cNvPr id="8" name="Picture 7" descr="A close up of a network&#10;&#10;AI-generated content may be incorrect.">
             <a:extLst>
               <a:ext uri="{FF2B5EF4-FFF2-40B4-BE49-F238E27FC236}">
-                <a16:creationId xmlns:a16="http://schemas.microsoft.com/office/drawing/2014/main" id="{64AC31DD-DD5B-15AB-399C-EF69D4B40417}"/>
+                <a16:creationId xmlns:a16="http://schemas.microsoft.com/office/drawing/2014/main" id="{3E4BC2F6-6C6E-6153-87C5-6608ACC4970B}"/>
               </a:ext>
             </a:extLst>
           </p:cNvPr>
@@ -7546,7 +7498,7 @@
           <p:cNvPr id="4" name="Oval 3">
             <a:extLst>
               <a:ext uri="{FF2B5EF4-FFF2-40B4-BE49-F238E27FC236}">
-                <a16:creationId xmlns:a16="http://schemas.microsoft.com/office/drawing/2014/main" id="{045837C7-F2F7-0E61-E2F4-9D750CA18DF1}"/>
+                <a16:creationId xmlns:a16="http://schemas.microsoft.com/office/drawing/2014/main" id="{D574A6C0-7CB6-0020-490F-36E85FAE55A9}"/>
               </a:ext>
             </a:extLst>
           </p:cNvPr>
@@ -7631,7 +7583,7 @@
           <p:cNvPr id="5" name="TextBox 4">
             <a:extLst>
               <a:ext uri="{FF2B5EF4-FFF2-40B4-BE49-F238E27FC236}">
-                <a16:creationId xmlns:a16="http://schemas.microsoft.com/office/drawing/2014/main" id="{EE14D39B-043B-B30B-0924-088728D5DAA0}"/>
+                <a16:creationId xmlns:a16="http://schemas.microsoft.com/office/drawing/2014/main" id="{C0201FFF-BE34-6EFB-17DD-EB7719AFBC25}"/>
               </a:ext>
             </a:extLst>
           </p:cNvPr>
@@ -7682,7 +7634,7 @@
           <p:cNvPr id="2" name="Picture 1">
             <a:extLst>
               <a:ext uri="{FF2B5EF4-FFF2-40B4-BE49-F238E27FC236}">
-                <a16:creationId xmlns:a16="http://schemas.microsoft.com/office/drawing/2014/main" id="{ADBADE76-33F1-8D66-491A-EF55169E448A}"/>
+                <a16:creationId xmlns:a16="http://schemas.microsoft.com/office/drawing/2014/main" id="{84113A5C-5657-C7BC-8B68-88AEA4005A64}"/>
               </a:ext>
             </a:extLst>
           </p:cNvPr>
@@ -7707,12 +7659,74 @@
           </a:prstGeom>
         </p:spPr>
       </p:pic>
+      <p:sp>
+        <p:nvSpPr>
+          <p:cNvPr id="7" name="TextBox 6">
+            <a:extLst>
+              <a:ext uri="{FF2B5EF4-FFF2-40B4-BE49-F238E27FC236}">
+                <a16:creationId xmlns:a16="http://schemas.microsoft.com/office/drawing/2014/main" id="{6EDE8ED9-D27D-8257-CA8F-A8467AED2C8C}"/>
+              </a:ext>
+            </a:extLst>
+          </p:cNvPr>
+          <p:cNvSpPr txBox="1"/>
+          <p:nvPr/>
+        </p:nvSpPr>
+        <p:spPr>
+          <a:xfrm>
+            <a:off x="1250721" y="4364405"/>
+            <a:ext cx="4681786" cy="646331"/>
+          </a:xfrm>
+          <a:prstGeom prst="rect">
+            <a:avLst/>
+          </a:prstGeom>
+          <a:noFill/>
+        </p:spPr>
+        <p:txBody>
+          <a:bodyPr wrap="square">
+            <a:spAutoFit/>
+          </a:bodyPr>
+          <a:lstStyle/>
+          <a:p>
+            <a:pPr algn="just"/>
+            <a:r>
+              <a:rPr lang="en-US" dirty="0">
+                <a:solidFill>
+                  <a:schemeClr val="bg1"/>
+                </a:solidFill>
+                <a:latin typeface="Abadi" panose="020B0604020104020204" pitchFamily="34" charset="0"/>
+              </a:rPr>
+              <a:t>Filter rows using conditions</a:t>
+            </a:r>
+            <a:r>
+              <a:rPr lang="ar-OM" dirty="0">
+                <a:solidFill>
+                  <a:schemeClr val="bg1"/>
+                </a:solidFill>
+                <a:latin typeface="Abadi" panose="020B0604020104020204" pitchFamily="34" charset="0"/>
+              </a:rPr>
+              <a:t>:</a:t>
+            </a:r>
+          </a:p>
+          <a:p>
+            <a:pPr algn="just"/>
+            <a:r>
+              <a:rPr lang="en-US" dirty="0">
+                <a:solidFill>
+                  <a:schemeClr val="bg1"/>
+                </a:solidFill>
+                <a:latin typeface="Abadi" panose="020B0604020104020204" pitchFamily="34" charset="0"/>
+              </a:rPr>
+              <a:t>- only Social or Games category</a:t>
+            </a:r>
+          </a:p>
+        </p:txBody>
+      </p:sp>
       <p:pic>
         <p:nvPicPr>
-          <p:cNvPr id="6" name="Picture 5">
-            <a:extLst>
-              <a:ext uri="{FF2B5EF4-FFF2-40B4-BE49-F238E27FC236}">
-                <a16:creationId xmlns:a16="http://schemas.microsoft.com/office/drawing/2014/main" id="{C70142E0-65AD-0AE6-BEBC-5F670FA3C40B}"/>
+          <p:cNvPr id="15" name="Picture 14">
+            <a:extLst>
+              <a:ext uri="{FF2B5EF4-FFF2-40B4-BE49-F238E27FC236}">
+                <a16:creationId xmlns:a16="http://schemas.microsoft.com/office/drawing/2014/main" id="{582E7137-5A8F-CEDA-9079-B5832D99A4E7}"/>
               </a:ext>
             </a:extLst>
           </p:cNvPr>
@@ -7729,82 +7743,20 @@
         </p:blipFill>
         <p:spPr>
           <a:xfrm>
-            <a:off x="261709" y="5057539"/>
-            <a:ext cx="5145327" cy="655377"/>
+            <a:off x="568483" y="4996792"/>
+            <a:ext cx="4820642" cy="684761"/>
           </a:xfrm>
           <a:prstGeom prst="rect">
             <a:avLst/>
           </a:prstGeom>
         </p:spPr>
       </p:pic>
-      <p:sp>
-        <p:nvSpPr>
-          <p:cNvPr id="9" name="TextBox 8">
-            <a:extLst>
-              <a:ext uri="{FF2B5EF4-FFF2-40B4-BE49-F238E27FC236}">
-                <a16:creationId xmlns:a16="http://schemas.microsoft.com/office/drawing/2014/main" id="{6B687322-318E-5FD6-BA10-B66E8A3FF46C}"/>
-              </a:ext>
-            </a:extLst>
-          </p:cNvPr>
-          <p:cNvSpPr txBox="1"/>
-          <p:nvPr/>
-        </p:nvSpPr>
-        <p:spPr>
-          <a:xfrm>
-            <a:off x="823002" y="4360937"/>
-            <a:ext cx="4681786" cy="646331"/>
-          </a:xfrm>
-          <a:prstGeom prst="rect">
-            <a:avLst/>
-          </a:prstGeom>
-          <a:noFill/>
-        </p:spPr>
-        <p:txBody>
-          <a:bodyPr wrap="square">
-            <a:spAutoFit/>
-          </a:bodyPr>
-          <a:lstStyle/>
-          <a:p>
-            <a:pPr algn="just"/>
-            <a:r>
-              <a:rPr lang="en-US" dirty="0">
-                <a:solidFill>
-                  <a:schemeClr val="bg1"/>
-                </a:solidFill>
-                <a:latin typeface="Abadi" panose="020B0604020104020204" pitchFamily="34" charset="0"/>
-              </a:rPr>
-              <a:t>Filter rows using conditions</a:t>
-            </a:r>
-            <a:r>
-              <a:rPr lang="ar-OM" dirty="0">
-                <a:solidFill>
-                  <a:schemeClr val="bg1"/>
-                </a:solidFill>
-                <a:latin typeface="Abadi" panose="020B0604020104020204" pitchFamily="34" charset="0"/>
-              </a:rPr>
-              <a:t>:</a:t>
-            </a:r>
-          </a:p>
-          <a:p>
-            <a:pPr algn="just"/>
-            <a:r>
-              <a:rPr lang="en-US" dirty="0">
-                <a:solidFill>
-                  <a:schemeClr val="bg1"/>
-                </a:solidFill>
-                <a:latin typeface="Abadi" panose="020B0604020104020204" pitchFamily="34" charset="0"/>
-              </a:rPr>
-              <a:t>- users with more than 2h screen time</a:t>
-            </a:r>
-          </a:p>
-        </p:txBody>
-      </p:sp>
       <p:pic>
         <p:nvPicPr>
-          <p:cNvPr id="11" name="Picture 10">
-            <a:extLst>
-              <a:ext uri="{FF2B5EF4-FFF2-40B4-BE49-F238E27FC236}">
-                <a16:creationId xmlns:a16="http://schemas.microsoft.com/office/drawing/2014/main" id="{E42CE0FA-AA1D-866B-F9C8-1508C3BB371B}"/>
+          <p:cNvPr id="6" name="Picture 5">
+            <a:extLst>
+              <a:ext uri="{FF2B5EF4-FFF2-40B4-BE49-F238E27FC236}">
+                <a16:creationId xmlns:a16="http://schemas.microsoft.com/office/drawing/2014/main" id="{534F17F7-5857-B8CE-2C4E-BDC4386CA31E}"/>
               </a:ext>
             </a:extLst>
           </p:cNvPr>
@@ -7821,8 +7773,8 @@
         </p:blipFill>
         <p:spPr>
           <a:xfrm>
-            <a:off x="5668745" y="3288780"/>
-            <a:ext cx="6067634" cy="3298158"/>
+            <a:off x="5632314" y="3547712"/>
+            <a:ext cx="6429983" cy="3125462"/>
           </a:xfrm>
           <a:prstGeom prst="rect">
             <a:avLst/>
@@ -7832,7 +7784,7 @@
     </p:spTree>
     <p:extLst>
       <p:ext uri="{BB962C8B-B14F-4D97-AF65-F5344CB8AC3E}">
-        <p14:creationId xmlns:p14="http://schemas.microsoft.com/office/powerpoint/2010/main" val="3692960535"/>
+        <p14:creationId xmlns:p14="http://schemas.microsoft.com/office/powerpoint/2010/main" val="464258218"/>
       </p:ext>
     </p:extLst>
   </p:cSld>
@@ -7862,7 +7814,7 @@
         <p:cNvPr id="1" name="">
           <a:extLst>
             <a:ext uri="{FF2B5EF4-FFF2-40B4-BE49-F238E27FC236}">
-              <a16:creationId xmlns:a16="http://schemas.microsoft.com/office/drawing/2014/main" id="{70758843-1928-B213-09B2-C59CCC701741}"/>
+              <a16:creationId xmlns:a16="http://schemas.microsoft.com/office/drawing/2014/main" id="{867952F4-3683-1B84-48B5-8328A6D7FD61}"/>
             </a:ext>
           </a:extLst>
         </p:cNvPr>
@@ -7882,7 +7834,7 @@
           <p:cNvPr id="8" name="Picture 7" descr="A close up of a network&#10;&#10;AI-generated content may be incorrect.">
             <a:extLst>
               <a:ext uri="{FF2B5EF4-FFF2-40B4-BE49-F238E27FC236}">
-                <a16:creationId xmlns:a16="http://schemas.microsoft.com/office/drawing/2014/main" id="{3C7B427E-137F-FE79-6638-0A569A111E51}"/>
+                <a16:creationId xmlns:a16="http://schemas.microsoft.com/office/drawing/2014/main" id="{64AC31DD-DD5B-15AB-399C-EF69D4B40417}"/>
               </a:ext>
             </a:extLst>
           </p:cNvPr>
@@ -7928,7 +7880,7 @@
           <p:cNvPr id="4" name="Oval 3">
             <a:extLst>
               <a:ext uri="{FF2B5EF4-FFF2-40B4-BE49-F238E27FC236}">
-                <a16:creationId xmlns:a16="http://schemas.microsoft.com/office/drawing/2014/main" id="{6E27FC21-092D-15A5-02DD-B36362B65DD3}"/>
+                <a16:creationId xmlns:a16="http://schemas.microsoft.com/office/drawing/2014/main" id="{045837C7-F2F7-0E61-E2F4-9D750CA18DF1}"/>
               </a:ext>
             </a:extLst>
           </p:cNvPr>
@@ -8013,7 +7965,7 @@
           <p:cNvPr id="5" name="TextBox 4">
             <a:extLst>
               <a:ext uri="{FF2B5EF4-FFF2-40B4-BE49-F238E27FC236}">
-                <a16:creationId xmlns:a16="http://schemas.microsoft.com/office/drawing/2014/main" id="{86B0523C-1371-7C9D-EC28-5B10F94F22F3}"/>
+                <a16:creationId xmlns:a16="http://schemas.microsoft.com/office/drawing/2014/main" id="{EE14D39B-043B-B30B-0924-088728D5DAA0}"/>
               </a:ext>
             </a:extLst>
           </p:cNvPr>
@@ -8064,7 +8016,7 @@
           <p:cNvPr id="2" name="Picture 1">
             <a:extLst>
               <a:ext uri="{FF2B5EF4-FFF2-40B4-BE49-F238E27FC236}">
-                <a16:creationId xmlns:a16="http://schemas.microsoft.com/office/drawing/2014/main" id="{C20B94C7-BEEC-9E34-F319-E8FB024059E4}"/>
+                <a16:creationId xmlns:a16="http://schemas.microsoft.com/office/drawing/2014/main" id="{ADBADE76-33F1-8D66-491A-EF55169E448A}"/>
               </a:ext>
             </a:extLst>
           </p:cNvPr>
@@ -8089,74 +8041,12 @@
           </a:prstGeom>
         </p:spPr>
       </p:pic>
-      <p:sp>
-        <p:nvSpPr>
-          <p:cNvPr id="9" name="TextBox 8">
-            <a:extLst>
-              <a:ext uri="{FF2B5EF4-FFF2-40B4-BE49-F238E27FC236}">
-                <a16:creationId xmlns:a16="http://schemas.microsoft.com/office/drawing/2014/main" id="{69C5E031-E5DD-7B95-90FD-890E3E503C30}"/>
-              </a:ext>
-            </a:extLst>
-          </p:cNvPr>
-          <p:cNvSpPr txBox="1"/>
-          <p:nvPr/>
-        </p:nvSpPr>
-        <p:spPr>
-          <a:xfrm>
-            <a:off x="823002" y="4360937"/>
-            <a:ext cx="4681786" cy="646331"/>
-          </a:xfrm>
-          <a:prstGeom prst="rect">
-            <a:avLst/>
-          </a:prstGeom>
-          <a:noFill/>
-        </p:spPr>
-        <p:txBody>
-          <a:bodyPr wrap="square">
-            <a:spAutoFit/>
-          </a:bodyPr>
-          <a:lstStyle/>
-          <a:p>
-            <a:pPr algn="just"/>
-            <a:r>
-              <a:rPr lang="en-US" dirty="0">
-                <a:solidFill>
-                  <a:schemeClr val="bg1"/>
-                </a:solidFill>
-                <a:latin typeface="Abadi" panose="020B0604020104020204" pitchFamily="34" charset="0"/>
-              </a:rPr>
-              <a:t>Filter rows using conditions</a:t>
-            </a:r>
-            <a:r>
-              <a:rPr lang="ar-OM" dirty="0">
-                <a:solidFill>
-                  <a:schemeClr val="bg1"/>
-                </a:solidFill>
-                <a:latin typeface="Abadi" panose="020B0604020104020204" pitchFamily="34" charset="0"/>
-              </a:rPr>
-              <a:t>:</a:t>
-            </a:r>
-          </a:p>
-          <a:p>
-            <a:pPr algn="just"/>
-            <a:r>
-              <a:rPr lang="en-US" dirty="0">
-                <a:solidFill>
-                  <a:schemeClr val="bg1"/>
-                </a:solidFill>
-                <a:latin typeface="Abadi" panose="020B0604020104020204" pitchFamily="34" charset="0"/>
-              </a:rPr>
-              <a:t>-  users aged between 18–25</a:t>
-            </a:r>
-          </a:p>
-        </p:txBody>
-      </p:sp>
       <p:pic>
         <p:nvPicPr>
-          <p:cNvPr id="7" name="Picture 6">
-            <a:extLst>
-              <a:ext uri="{FF2B5EF4-FFF2-40B4-BE49-F238E27FC236}">
-                <a16:creationId xmlns:a16="http://schemas.microsoft.com/office/drawing/2014/main" id="{B22D65F5-B1F3-C8B1-B06C-B043F4CBFBBA}"/>
+          <p:cNvPr id="6" name="Picture 5">
+            <a:extLst>
+              <a:ext uri="{FF2B5EF4-FFF2-40B4-BE49-F238E27FC236}">
+                <a16:creationId xmlns:a16="http://schemas.microsoft.com/office/drawing/2014/main" id="{C70142E0-65AD-0AE6-BEBC-5F670FA3C40B}"/>
               </a:ext>
             </a:extLst>
           </p:cNvPr>
@@ -8173,20 +8063,82 @@
         </p:blipFill>
         <p:spPr>
           <a:xfrm>
-            <a:off x="336630" y="5263515"/>
-            <a:ext cx="4908978" cy="688101"/>
+            <a:off x="261709" y="5057539"/>
+            <a:ext cx="5145327" cy="655377"/>
           </a:xfrm>
           <a:prstGeom prst="rect">
             <a:avLst/>
           </a:prstGeom>
         </p:spPr>
       </p:pic>
+      <p:sp>
+        <p:nvSpPr>
+          <p:cNvPr id="9" name="TextBox 8">
+            <a:extLst>
+              <a:ext uri="{FF2B5EF4-FFF2-40B4-BE49-F238E27FC236}">
+                <a16:creationId xmlns:a16="http://schemas.microsoft.com/office/drawing/2014/main" id="{6B687322-318E-5FD6-BA10-B66E8A3FF46C}"/>
+              </a:ext>
+            </a:extLst>
+          </p:cNvPr>
+          <p:cNvSpPr txBox="1"/>
+          <p:nvPr/>
+        </p:nvSpPr>
+        <p:spPr>
+          <a:xfrm>
+            <a:off x="823002" y="4360937"/>
+            <a:ext cx="4681786" cy="646331"/>
+          </a:xfrm>
+          <a:prstGeom prst="rect">
+            <a:avLst/>
+          </a:prstGeom>
+          <a:noFill/>
+        </p:spPr>
+        <p:txBody>
+          <a:bodyPr wrap="square">
+            <a:spAutoFit/>
+          </a:bodyPr>
+          <a:lstStyle/>
+          <a:p>
+            <a:pPr algn="just"/>
+            <a:r>
+              <a:rPr lang="en-US" dirty="0">
+                <a:solidFill>
+                  <a:schemeClr val="bg1"/>
+                </a:solidFill>
+                <a:latin typeface="Abadi" panose="020B0604020104020204" pitchFamily="34" charset="0"/>
+              </a:rPr>
+              <a:t>Filter rows using conditions</a:t>
+            </a:r>
+            <a:r>
+              <a:rPr lang="ar-OM" dirty="0">
+                <a:solidFill>
+                  <a:schemeClr val="bg1"/>
+                </a:solidFill>
+                <a:latin typeface="Abadi" panose="020B0604020104020204" pitchFamily="34" charset="0"/>
+              </a:rPr>
+              <a:t>:</a:t>
+            </a:r>
+          </a:p>
+          <a:p>
+            <a:pPr algn="just"/>
+            <a:r>
+              <a:rPr lang="en-US" dirty="0">
+                <a:solidFill>
+                  <a:schemeClr val="bg1"/>
+                </a:solidFill>
+                <a:latin typeface="Abadi" panose="020B0604020104020204" pitchFamily="34" charset="0"/>
+              </a:rPr>
+              <a:t>- users with more than 2h screen time</a:t>
+            </a:r>
+          </a:p>
+        </p:txBody>
+      </p:sp>
       <p:pic>
         <p:nvPicPr>
-          <p:cNvPr id="12" name="Picture 11">
-            <a:extLst>
-              <a:ext uri="{FF2B5EF4-FFF2-40B4-BE49-F238E27FC236}">
-                <a16:creationId xmlns:a16="http://schemas.microsoft.com/office/drawing/2014/main" id="{1949C7CC-B9EC-49E6-40C0-E17599CA12A9}"/>
+          <p:cNvPr id="7" name="Picture 6">
+            <a:extLst>
+              <a:ext uri="{FF2B5EF4-FFF2-40B4-BE49-F238E27FC236}">
+                <a16:creationId xmlns:a16="http://schemas.microsoft.com/office/drawing/2014/main" id="{9F7BD84D-CB91-9A20-5A42-ABBA6989B5F0}"/>
               </a:ext>
             </a:extLst>
           </p:cNvPr>
@@ -8203,8 +8155,8 @@
         </p:blipFill>
         <p:spPr>
           <a:xfrm>
-            <a:off x="5460627" y="3238450"/>
-            <a:ext cx="6516353" cy="3444421"/>
+            <a:off x="5865778" y="3270904"/>
+            <a:ext cx="6125277" cy="3391247"/>
           </a:xfrm>
           <a:prstGeom prst="rect">
             <a:avLst/>
@@ -8214,7 +8166,7 @@
     </p:spTree>
     <p:extLst>
       <p:ext uri="{BB962C8B-B14F-4D97-AF65-F5344CB8AC3E}">
-        <p14:creationId xmlns:p14="http://schemas.microsoft.com/office/powerpoint/2010/main" val="306450248"/>
+        <p14:creationId xmlns:p14="http://schemas.microsoft.com/office/powerpoint/2010/main" val="3692960535"/>
       </p:ext>
     </p:extLst>
   </p:cSld>
@@ -8244,7 +8196,7 @@
         <p:cNvPr id="1" name="">
           <a:extLst>
             <a:ext uri="{FF2B5EF4-FFF2-40B4-BE49-F238E27FC236}">
-              <a16:creationId xmlns:a16="http://schemas.microsoft.com/office/drawing/2014/main" id="{F8E2CC0F-E378-2B48-0B05-ED6598646C8F}"/>
+              <a16:creationId xmlns:a16="http://schemas.microsoft.com/office/drawing/2014/main" id="{70758843-1928-B213-09B2-C59CCC701741}"/>
             </a:ext>
           </a:extLst>
         </p:cNvPr>
@@ -8264,7 +8216,7 @@
           <p:cNvPr id="8" name="Picture 7" descr="A close up of a network&#10;&#10;AI-generated content may be incorrect.">
             <a:extLst>
               <a:ext uri="{FF2B5EF4-FFF2-40B4-BE49-F238E27FC236}">
-                <a16:creationId xmlns:a16="http://schemas.microsoft.com/office/drawing/2014/main" id="{1F729AC6-55C1-CFF3-BC7F-4129C3D2E4DD}"/>
+                <a16:creationId xmlns:a16="http://schemas.microsoft.com/office/drawing/2014/main" id="{3C7B427E-137F-FE79-6638-0A569A111E51}"/>
               </a:ext>
             </a:extLst>
           </p:cNvPr>
@@ -8310,7 +8262,7 @@
           <p:cNvPr id="4" name="Oval 3">
             <a:extLst>
               <a:ext uri="{FF2B5EF4-FFF2-40B4-BE49-F238E27FC236}">
-                <a16:creationId xmlns:a16="http://schemas.microsoft.com/office/drawing/2014/main" id="{598B51FA-0C34-09A5-CA3F-E1A58FEA6BC3}"/>
+                <a16:creationId xmlns:a16="http://schemas.microsoft.com/office/drawing/2014/main" id="{6E27FC21-092D-15A5-02DD-B36362B65DD3}"/>
               </a:ext>
             </a:extLst>
           </p:cNvPr>
@@ -8395,7 +8347,7 @@
           <p:cNvPr id="5" name="TextBox 4">
             <a:extLst>
               <a:ext uri="{FF2B5EF4-FFF2-40B4-BE49-F238E27FC236}">
-                <a16:creationId xmlns:a16="http://schemas.microsoft.com/office/drawing/2014/main" id="{2D0C18DF-CA86-6CB0-4E67-72CB72D70CD5}"/>
+                <a16:creationId xmlns:a16="http://schemas.microsoft.com/office/drawing/2014/main" id="{86B0523C-1371-7C9D-EC28-5B10F94F22F3}"/>
               </a:ext>
             </a:extLst>
           </p:cNvPr>
@@ -8446,7 +8398,7 @@
           <p:cNvPr id="2" name="Picture 1">
             <a:extLst>
               <a:ext uri="{FF2B5EF4-FFF2-40B4-BE49-F238E27FC236}">
-                <a16:creationId xmlns:a16="http://schemas.microsoft.com/office/drawing/2014/main" id="{A8F28028-CD40-D429-3266-B60A5D5B0A84}"/>
+                <a16:creationId xmlns:a16="http://schemas.microsoft.com/office/drawing/2014/main" id="{C20B94C7-BEEC-9E34-F319-E8FB024059E4}"/>
               </a:ext>
             </a:extLst>
           </p:cNvPr>
@@ -8476,7 +8428,7 @@
           <p:cNvPr id="9" name="TextBox 8">
             <a:extLst>
               <a:ext uri="{FF2B5EF4-FFF2-40B4-BE49-F238E27FC236}">
-                <a16:creationId xmlns:a16="http://schemas.microsoft.com/office/drawing/2014/main" id="{6AF655E0-2595-EF6D-BA0C-4F84C7926B49}"/>
+                <a16:creationId xmlns:a16="http://schemas.microsoft.com/office/drawing/2014/main" id="{69C5E031-E5DD-7B95-90FD-890E3E503C30}"/>
               </a:ext>
             </a:extLst>
           </p:cNvPr>
@@ -8485,8 +8437,8 @@
         </p:nvSpPr>
         <p:spPr>
           <a:xfrm>
-            <a:off x="989450" y="5775728"/>
-            <a:ext cx="4681786" cy="923330"/>
+            <a:off x="823002" y="4360937"/>
+            <a:ext cx="4681786" cy="646331"/>
           </a:xfrm>
           <a:prstGeom prst="rect">
             <a:avLst/>
@@ -8507,44 +8459,38 @@
                 </a:solidFill>
                 <a:latin typeface="Abadi" panose="020B0604020104020204" pitchFamily="34" charset="0"/>
               </a:rPr>
-              <a:t>Adds a (</a:t>
-            </a:r>
-            <a:r>
-              <a:rPr lang="en-US" dirty="0" err="1">
+              <a:t>Filter rows using conditions</a:t>
+            </a:r>
+            <a:r>
+              <a:rPr lang="ar-OM" dirty="0">
                 <a:solidFill>
                   <a:schemeClr val="bg1"/>
                 </a:solidFill>
                 <a:latin typeface="Abadi" panose="020B0604020104020204" pitchFamily="34" charset="0"/>
               </a:rPr>
-              <a:t>heavy_user</a:t>
-            </a:r>
-            <a:r>
-              <a:rPr lang="ar-OM" dirty="0">
+              <a:t>:</a:t>
+            </a:r>
+          </a:p>
+          <a:p>
+            <a:pPr algn="just"/>
+            <a:r>
+              <a:rPr lang="en-US" dirty="0">
                 <a:solidFill>
                   <a:schemeClr val="bg1"/>
                 </a:solidFill>
                 <a:latin typeface="Abadi" panose="020B0604020104020204" pitchFamily="34" charset="0"/>
               </a:rPr>
-              <a:t>(</a:t>
-            </a:r>
-            <a:r>
-              <a:rPr lang="en-US" dirty="0">
-                <a:solidFill>
-                  <a:schemeClr val="bg1"/>
-                </a:solidFill>
-                <a:latin typeface="Abadi" panose="020B0604020104020204" pitchFamily="34" charset="0"/>
-              </a:rPr>
-              <a:t> column to mark users with more than 120 minutes of screen time (1 = heavy user, 0 = regular user).</a:t>
+              <a:t>-  users aged between 18–25</a:t>
             </a:r>
           </a:p>
         </p:txBody>
       </p:sp>
       <p:pic>
         <p:nvPicPr>
-          <p:cNvPr id="6" name="Picture 5">
-            <a:extLst>
-              <a:ext uri="{FF2B5EF4-FFF2-40B4-BE49-F238E27FC236}">
-                <a16:creationId xmlns:a16="http://schemas.microsoft.com/office/drawing/2014/main" id="{A7A89774-F939-729F-D9C4-8F769CDEFB51}"/>
+          <p:cNvPr id="7" name="Picture 6">
+            <a:extLst>
+              <a:ext uri="{FF2B5EF4-FFF2-40B4-BE49-F238E27FC236}">
+                <a16:creationId xmlns:a16="http://schemas.microsoft.com/office/drawing/2014/main" id="{B22D65F5-B1F3-C8B1-B06C-B043F4CBFBBA}"/>
               </a:ext>
             </a:extLst>
           </p:cNvPr>
@@ -8561,8 +8507,8 @@
         </p:blipFill>
         <p:spPr>
           <a:xfrm>
-            <a:off x="668438" y="3669916"/>
-            <a:ext cx="5129247" cy="1988992"/>
+            <a:off x="336630" y="5263515"/>
+            <a:ext cx="4908978" cy="688101"/>
           </a:xfrm>
           <a:prstGeom prst="rect">
             <a:avLst/>
@@ -8571,10 +8517,10 @@
       </p:pic>
       <p:pic>
         <p:nvPicPr>
-          <p:cNvPr id="11" name="Picture 10">
-            <a:extLst>
-              <a:ext uri="{FF2B5EF4-FFF2-40B4-BE49-F238E27FC236}">
-                <a16:creationId xmlns:a16="http://schemas.microsoft.com/office/drawing/2014/main" id="{02CAB373-0AC5-6526-AD94-145815935299}"/>
+          <p:cNvPr id="6" name="Picture 5">
+            <a:extLst>
+              <a:ext uri="{FF2B5EF4-FFF2-40B4-BE49-F238E27FC236}">
+                <a16:creationId xmlns:a16="http://schemas.microsoft.com/office/drawing/2014/main" id="{61983501-45B9-D9C9-6FDE-C16AD2D4E8C9}"/>
               </a:ext>
             </a:extLst>
           </p:cNvPr>
@@ -8591,8 +8537,8 @@
         </p:blipFill>
         <p:spPr>
           <a:xfrm>
-            <a:off x="6303384" y="3323722"/>
-            <a:ext cx="848267" cy="3375336"/>
+            <a:off x="5646475" y="3547712"/>
+            <a:ext cx="6403838" cy="3144918"/>
           </a:xfrm>
           <a:prstGeom prst="rect">
             <a:avLst/>
@@ -8602,7 +8548,7 @@
     </p:spTree>
     <p:extLst>
       <p:ext uri="{BB962C8B-B14F-4D97-AF65-F5344CB8AC3E}">
-        <p14:creationId xmlns:p14="http://schemas.microsoft.com/office/powerpoint/2010/main" val="3532433732"/>
+        <p14:creationId xmlns:p14="http://schemas.microsoft.com/office/powerpoint/2010/main" val="306450248"/>
       </p:ext>
     </p:extLst>
   </p:cSld>
@@ -8828,7 +8774,7 @@
         <p:cNvPr id="1" name="">
           <a:extLst>
             <a:ext uri="{FF2B5EF4-FFF2-40B4-BE49-F238E27FC236}">
-              <a16:creationId xmlns:a16="http://schemas.microsoft.com/office/drawing/2014/main" id="{3928484E-7EC9-31F9-C776-05ED3380F69D}"/>
+              <a16:creationId xmlns:a16="http://schemas.microsoft.com/office/drawing/2014/main" id="{F8E2CC0F-E378-2B48-0B05-ED6598646C8F}"/>
             </a:ext>
           </a:extLst>
         </p:cNvPr>
@@ -8848,7 +8794,7 @@
           <p:cNvPr id="8" name="Picture 7" descr="A close up of a network&#10;&#10;AI-generated content may be incorrect.">
             <a:extLst>
               <a:ext uri="{FF2B5EF4-FFF2-40B4-BE49-F238E27FC236}">
-                <a16:creationId xmlns:a16="http://schemas.microsoft.com/office/drawing/2014/main" id="{48F2723C-D388-6B4F-3464-482F3DAF429D}"/>
+                <a16:creationId xmlns:a16="http://schemas.microsoft.com/office/drawing/2014/main" id="{1F729AC6-55C1-CFF3-BC7F-4129C3D2E4DD}"/>
               </a:ext>
             </a:extLst>
           </p:cNvPr>
@@ -8894,7 +8840,7 @@
           <p:cNvPr id="4" name="Oval 3">
             <a:extLst>
               <a:ext uri="{FF2B5EF4-FFF2-40B4-BE49-F238E27FC236}">
-                <a16:creationId xmlns:a16="http://schemas.microsoft.com/office/drawing/2014/main" id="{DD93B09F-19DA-0750-570A-A6DEF70EAD70}"/>
+                <a16:creationId xmlns:a16="http://schemas.microsoft.com/office/drawing/2014/main" id="{598B51FA-0C34-09A5-CA3F-E1A58FEA6BC3}"/>
               </a:ext>
             </a:extLst>
           </p:cNvPr>
@@ -8979,7 +8925,7 @@
           <p:cNvPr id="5" name="TextBox 4">
             <a:extLst>
               <a:ext uri="{FF2B5EF4-FFF2-40B4-BE49-F238E27FC236}">
-                <a16:creationId xmlns:a16="http://schemas.microsoft.com/office/drawing/2014/main" id="{38AF1F31-FD1F-8CEB-17EA-509F5E2E5C7D}"/>
+                <a16:creationId xmlns:a16="http://schemas.microsoft.com/office/drawing/2014/main" id="{2D0C18DF-CA86-6CB0-4E67-72CB72D70CD5}"/>
               </a:ext>
             </a:extLst>
           </p:cNvPr>
@@ -9030,7 +8976,7 @@
           <p:cNvPr id="2" name="Picture 1">
             <a:extLst>
               <a:ext uri="{FF2B5EF4-FFF2-40B4-BE49-F238E27FC236}">
-                <a16:creationId xmlns:a16="http://schemas.microsoft.com/office/drawing/2014/main" id="{CC8C1B1A-B2DE-EE85-DB73-E58271AE17C7}"/>
+                <a16:creationId xmlns:a16="http://schemas.microsoft.com/office/drawing/2014/main" id="{A8F28028-CD40-D429-3266-B60A5D5B0A84}"/>
               </a:ext>
             </a:extLst>
           </p:cNvPr>
@@ -9060,7 +9006,7 @@
           <p:cNvPr id="9" name="TextBox 8">
             <a:extLst>
               <a:ext uri="{FF2B5EF4-FFF2-40B4-BE49-F238E27FC236}">
-                <a16:creationId xmlns:a16="http://schemas.microsoft.com/office/drawing/2014/main" id="{4BF70CE0-2F7A-49C4-2CAD-80729F1B0967}"/>
+                <a16:creationId xmlns:a16="http://schemas.microsoft.com/office/drawing/2014/main" id="{6AF655E0-2595-EF6D-BA0C-4F84C7926B49}"/>
               </a:ext>
             </a:extLst>
           </p:cNvPr>
@@ -9069,8 +9015,8 @@
         </p:nvSpPr>
         <p:spPr>
           <a:xfrm>
-            <a:off x="6728769" y="4263429"/>
-            <a:ext cx="4681786" cy="923330"/>
+            <a:off x="5991913" y="4456738"/>
+            <a:ext cx="4359731" cy="923330"/>
           </a:xfrm>
           <a:prstGeom prst="rect">
             <a:avLst/>
@@ -9089,18 +9035,46 @@
                 <a:solidFill>
                   <a:schemeClr val="bg1"/>
                 </a:solidFill>
+                <a:latin typeface="Abadi" panose="020B0604020104020204" pitchFamily="34" charset="0"/>
               </a:rPr>
-              <a:t>Displays the average and maximum screen time in minutes to give a quick overview of user activity.</a:t>
+              <a:t>Add  a (</a:t>
+            </a:r>
+            <a:r>
+              <a:rPr lang="en-US" dirty="0" err="1">
+                <a:solidFill>
+                  <a:schemeClr val="bg1"/>
+                </a:solidFill>
+                <a:latin typeface="Abadi" panose="020B0604020104020204" pitchFamily="34" charset="0"/>
+              </a:rPr>
+              <a:t>heavy_user</a:t>
+            </a:r>
+            <a:r>
+              <a:rPr lang="ar-OM" dirty="0">
+                <a:solidFill>
+                  <a:schemeClr val="bg1"/>
+                </a:solidFill>
+                <a:latin typeface="Abadi" panose="020B0604020104020204" pitchFamily="34" charset="0"/>
+              </a:rPr>
+              <a:t>(</a:t>
+            </a:r>
+            <a:r>
+              <a:rPr lang="en-US" dirty="0">
+                <a:solidFill>
+                  <a:schemeClr val="bg1"/>
+                </a:solidFill>
+                <a:latin typeface="Abadi" panose="020B0604020104020204" pitchFamily="34" charset="0"/>
+              </a:rPr>
+              <a:t> column to mark users with more than 120 minutes of screen time (1 = heavy user, 0 = regular user).</a:t>
             </a:r>
           </a:p>
         </p:txBody>
       </p:sp>
       <p:pic>
         <p:nvPicPr>
-          <p:cNvPr id="7" name="Picture 6">
-            <a:extLst>
-              <a:ext uri="{FF2B5EF4-FFF2-40B4-BE49-F238E27FC236}">
-                <a16:creationId xmlns:a16="http://schemas.microsoft.com/office/drawing/2014/main" id="{30DC0643-756C-50DE-2128-3C256DC82080}"/>
+          <p:cNvPr id="6" name="Picture 5">
+            <a:extLst>
+              <a:ext uri="{FF2B5EF4-FFF2-40B4-BE49-F238E27FC236}">
+                <a16:creationId xmlns:a16="http://schemas.microsoft.com/office/drawing/2014/main" id="{A7A89774-F939-729F-D9C4-8F769CDEFB51}"/>
               </a:ext>
             </a:extLst>
           </p:cNvPr>
@@ -9117,8 +9091,398 @@
         </p:blipFill>
         <p:spPr>
           <a:xfrm>
-            <a:off x="561327" y="4005556"/>
-            <a:ext cx="5917294" cy="1714307"/>
+            <a:off x="185130" y="3669915"/>
+            <a:ext cx="5612556" cy="2507149"/>
+          </a:xfrm>
+          <a:prstGeom prst="rect">
+            <a:avLst/>
+          </a:prstGeom>
+        </p:spPr>
+      </p:pic>
+      <p:pic>
+        <p:nvPicPr>
+          <p:cNvPr id="7" name="Picture 6">
+            <a:extLst>
+              <a:ext uri="{FF2B5EF4-FFF2-40B4-BE49-F238E27FC236}">
+                <a16:creationId xmlns:a16="http://schemas.microsoft.com/office/drawing/2014/main" id="{8696FB73-4E46-9B97-A0F0-623C18635008}"/>
+              </a:ext>
+            </a:extLst>
+          </p:cNvPr>
+          <p:cNvPicPr>
+            <a:picLocks noChangeAspect="1"/>
+          </p:cNvPicPr>
+          <p:nvPr/>
+        </p:nvPicPr>
+        <p:blipFill>
+          <a:blip r:embed="rId6"/>
+          <a:stretch>
+            <a:fillRect/>
+          </a:stretch>
+        </p:blipFill>
+        <p:spPr>
+          <a:xfrm>
+            <a:off x="10867927" y="3260270"/>
+            <a:ext cx="807790" cy="3399697"/>
+          </a:xfrm>
+          <a:prstGeom prst="rect">
+            <a:avLst/>
+          </a:prstGeom>
+        </p:spPr>
+      </p:pic>
+    </p:spTree>
+    <p:extLst>
+      <p:ext uri="{BB962C8B-B14F-4D97-AF65-F5344CB8AC3E}">
+        <p14:creationId xmlns:p14="http://schemas.microsoft.com/office/powerpoint/2010/main" val="3532433732"/>
+      </p:ext>
+    </p:extLst>
+  </p:cSld>
+  <p:clrMapOvr>
+    <a:masterClrMapping/>
+  </p:clrMapOvr>
+  <mc:AlternateContent xmlns:mc="http://schemas.openxmlformats.org/markup-compatibility/2006" xmlns:p159="http://schemas.microsoft.com/office/powerpoint/2015/09/main">
+    <mc:Choice Requires="p159">
+      <p:transition spd="slow">
+        <p159:morph option="byObject"/>
+      </p:transition>
+    </mc:Choice>
+    <mc:Fallback xmlns="">
+      <p:transition spd="slow">
+        <p:fade/>
+      </p:transition>
+    </mc:Fallback>
+  </mc:AlternateContent>
+</p:sld>
+</file>
+
+<file path=ppt/slides/slide21.xml><?xml version="1.0" encoding="utf-8"?>
+<p:sld xmlns:a="http://schemas.openxmlformats.org/drawingml/2006/main" xmlns:r="http://schemas.openxmlformats.org/officeDocument/2006/relationships" xmlns:p="http://schemas.openxmlformats.org/presentationml/2006/main">
+  <p:cSld>
+    <p:spTree>
+      <p:nvGrpSpPr>
+        <p:cNvPr id="1" name="">
+          <a:extLst>
+            <a:ext uri="{FF2B5EF4-FFF2-40B4-BE49-F238E27FC236}">
+              <a16:creationId xmlns:a16="http://schemas.microsoft.com/office/drawing/2014/main" id="{3928484E-7EC9-31F9-C776-05ED3380F69D}"/>
+            </a:ext>
+          </a:extLst>
+        </p:cNvPr>
+        <p:cNvGrpSpPr/>
+        <p:nvPr/>
+      </p:nvGrpSpPr>
+      <p:grpSpPr>
+        <a:xfrm>
+          <a:off x="0" y="0"/>
+          <a:ext cx="0" cy="0"/>
+          <a:chOff x="0" y="0"/>
+          <a:chExt cx="0" cy="0"/>
+        </a:xfrm>
+      </p:grpSpPr>
+      <p:pic>
+        <p:nvPicPr>
+          <p:cNvPr id="8" name="Picture 7" descr="A close up of a network&#10;&#10;AI-generated content may be incorrect.">
+            <a:extLst>
+              <a:ext uri="{FF2B5EF4-FFF2-40B4-BE49-F238E27FC236}">
+                <a16:creationId xmlns:a16="http://schemas.microsoft.com/office/drawing/2014/main" id="{48F2723C-D388-6B4F-3464-482F3DAF429D}"/>
+              </a:ext>
+            </a:extLst>
+          </p:cNvPr>
+          <p:cNvPicPr>
+            <a:picLocks noChangeAspect="1"/>
+          </p:cNvPicPr>
+          <p:nvPr/>
+        </p:nvPicPr>
+        <p:blipFill rotWithShape="1">
+          <a:blip r:embed="rId2">
+            <a:extLst>
+              <a:ext uri="{BEBA8EAE-BF5A-486C-A8C5-ECC9F3942E4B}">
+                <a14:imgProps xmlns:a14="http://schemas.microsoft.com/office/drawing/2010/main">
+                  <a14:imgLayer r:embed="rId3">
+                    <a14:imgEffect>
+                      <a14:brightnessContrast bright="-50000"/>
+                    </a14:imgEffect>
+                  </a14:imgLayer>
+                </a14:imgProps>
+              </a:ext>
+              <a:ext uri="{28A0092B-C50C-407E-A947-70E740481C1C}">
+                <a14:useLocalDpi xmlns:a14="http://schemas.microsoft.com/office/drawing/2010/main" val="0"/>
+              </a:ext>
+            </a:extLst>
+          </a:blip>
+          <a:srcRect l="18" r="18"/>
+          <a:stretch>
+            <a:fillRect/>
+          </a:stretch>
+        </p:blipFill>
+        <p:spPr>
+          <a:xfrm>
+            <a:off x="0" y="0"/>
+            <a:ext cx="12192000" cy="6858000"/>
+          </a:xfrm>
+          <a:prstGeom prst="rect">
+            <a:avLst/>
+          </a:prstGeom>
+        </p:spPr>
+      </p:pic>
+      <p:sp>
+        <p:nvSpPr>
+          <p:cNvPr id="4" name="Oval 3">
+            <a:extLst>
+              <a:ext uri="{FF2B5EF4-FFF2-40B4-BE49-F238E27FC236}">
+                <a16:creationId xmlns:a16="http://schemas.microsoft.com/office/drawing/2014/main" id="{DD93B09F-19DA-0750-570A-A6DEF70EAD70}"/>
+              </a:ext>
+            </a:extLst>
+          </p:cNvPr>
+          <p:cNvSpPr/>
+          <p:nvPr/>
+        </p:nvSpPr>
+        <p:spPr>
+          <a:xfrm>
+            <a:off x="-1859666" y="-3003630"/>
+            <a:ext cx="15911332" cy="12865260"/>
+          </a:xfrm>
+          <a:prstGeom prst="ellipse">
+            <a:avLst/>
+          </a:prstGeom>
+          <a:solidFill>
+            <a:srgbClr val="10425A">
+              <a:alpha val="40000"/>
+            </a:srgbClr>
+          </a:solidFill>
+          <a:ln w="127000">
+            <a:solidFill>
+              <a:schemeClr val="bg1"/>
+            </a:solidFill>
+          </a:ln>
+        </p:spPr>
+        <p:style>
+          <a:lnRef idx="2">
+            <a:schemeClr val="accent1">
+              <a:shade val="15000"/>
+            </a:schemeClr>
+          </a:lnRef>
+          <a:fillRef idx="1">
+            <a:schemeClr val="accent1"/>
+          </a:fillRef>
+          <a:effectRef idx="0">
+            <a:schemeClr val="accent1"/>
+          </a:effectRef>
+          <a:fontRef idx="minor">
+            <a:schemeClr val="lt1"/>
+          </a:fontRef>
+        </p:style>
+        <p:txBody>
+          <a:bodyPr rtlCol="0" anchor="ctr"/>
+          <a:lstStyle/>
+          <a:p>
+            <a:pPr marL="0" marR="0" lvl="0" indent="0" algn="ctr" defTabSz="914400" rtl="0" eaLnBrk="1" fontAlgn="auto" latinLnBrk="0" hangingPunct="1">
+              <a:lnSpc>
+                <a:spcPct val="100000"/>
+              </a:lnSpc>
+              <a:spcBef>
+                <a:spcPts val="0"/>
+              </a:spcBef>
+              <a:spcAft>
+                <a:spcPts val="0"/>
+              </a:spcAft>
+              <a:buClrTx/>
+              <a:buSzTx/>
+              <a:buFontTx/>
+              <a:buNone/>
+              <a:tabLst/>
+              <a:defRPr/>
+            </a:pPr>
+            <a:endParaRPr kumimoji="0" lang="en-US" sz="1800" b="0" i="0" u="none" strike="noStrike" kern="1200" cap="none" spc="0" normalizeH="0" baseline="0" noProof="0" dirty="0">
+              <a:ln>
+                <a:noFill/>
+              </a:ln>
+              <a:solidFill>
+                <a:prstClr val="white"/>
+              </a:solidFill>
+              <a:effectLst/>
+              <a:uLnTx/>
+              <a:uFillTx/>
+              <a:latin typeface="Aptos" panose="02110004020202020204"/>
+              <a:ea typeface="+mn-ea"/>
+              <a:cs typeface="+mn-cs"/>
+            </a:endParaRPr>
+          </a:p>
+        </p:txBody>
+      </p:sp>
+      <p:sp>
+        <p:nvSpPr>
+          <p:cNvPr id="5" name="TextBox 4">
+            <a:extLst>
+              <a:ext uri="{FF2B5EF4-FFF2-40B4-BE49-F238E27FC236}">
+                <a16:creationId xmlns:a16="http://schemas.microsoft.com/office/drawing/2014/main" id="{38AF1F31-FD1F-8CEB-17EA-509F5E2E5C7D}"/>
+              </a:ext>
+            </a:extLst>
+          </p:cNvPr>
+          <p:cNvSpPr txBox="1"/>
+          <p:nvPr/>
+        </p:nvSpPr>
+        <p:spPr>
+          <a:xfrm>
+            <a:off x="2192439" y="1846928"/>
+            <a:ext cx="9331123" cy="1569660"/>
+          </a:xfrm>
+          <a:prstGeom prst="rect">
+            <a:avLst/>
+          </a:prstGeom>
+          <a:noFill/>
+          <a:effectLst>
+            <a:outerShdw blurRad="50800" dist="38100" dir="2700000" algn="tl" rotWithShape="0">
+              <a:prstClr val="black">
+                <a:alpha val="40000"/>
+              </a:prstClr>
+            </a:outerShdw>
+          </a:effectLst>
+        </p:spPr>
+        <p:txBody>
+          <a:bodyPr wrap="square" rtlCol="0">
+            <a:spAutoFit/>
+          </a:bodyPr>
+          <a:lstStyle/>
+          <a:p>
+            <a:pPr lvl="0">
+              <a:defRPr/>
+            </a:pPr>
+            <a:r>
+              <a:rPr lang="en-US" sz="9600" b="1" dirty="0">
+                <a:solidFill>
+                  <a:prstClr val="white"/>
+                </a:solidFill>
+                <a:latin typeface="Aharoni" panose="020F0502020204030204" pitchFamily="2" charset="-79"/>
+                <a:cs typeface="Aharoni" panose="020F0502020204030204" pitchFamily="2" charset="-79"/>
+              </a:rPr>
+              <a:t>Data Analysis</a:t>
+            </a:r>
+          </a:p>
+        </p:txBody>
+      </p:sp>
+      <p:pic>
+        <p:nvPicPr>
+          <p:cNvPr id="2" name="Picture 1">
+            <a:extLst>
+              <a:ext uri="{FF2B5EF4-FFF2-40B4-BE49-F238E27FC236}">
+                <a16:creationId xmlns:a16="http://schemas.microsoft.com/office/drawing/2014/main" id="{CC8C1B1A-B2DE-EE85-DB73-E58271AE17C7}"/>
+              </a:ext>
+            </a:extLst>
+          </p:cNvPr>
+          <p:cNvPicPr>
+            <a:picLocks noChangeAspect="1"/>
+          </p:cNvPicPr>
+          <p:nvPr/>
+        </p:nvPicPr>
+        <p:blipFill>
+          <a:blip r:embed="rId4"/>
+          <a:stretch>
+            <a:fillRect/>
+          </a:stretch>
+        </p:blipFill>
+        <p:spPr>
+          <a:xfrm>
+            <a:off x="5245608" y="302855"/>
+            <a:ext cx="1700784" cy="1700784"/>
+          </a:xfrm>
+          <a:prstGeom prst="rect">
+            <a:avLst/>
+          </a:prstGeom>
+        </p:spPr>
+      </p:pic>
+      <p:sp>
+        <p:nvSpPr>
+          <p:cNvPr id="9" name="TextBox 8">
+            <a:extLst>
+              <a:ext uri="{FF2B5EF4-FFF2-40B4-BE49-F238E27FC236}">
+                <a16:creationId xmlns:a16="http://schemas.microsoft.com/office/drawing/2014/main" id="{4BF70CE0-2F7A-49C4-2CAD-80729F1B0967}"/>
+              </a:ext>
+            </a:extLst>
+          </p:cNvPr>
+          <p:cNvSpPr txBox="1"/>
+          <p:nvPr/>
+        </p:nvSpPr>
+        <p:spPr>
+          <a:xfrm>
+            <a:off x="8446780" y="4886215"/>
+            <a:ext cx="3528040" cy="369332"/>
+          </a:xfrm>
+          <a:prstGeom prst="rect">
+            <a:avLst/>
+          </a:prstGeom>
+          <a:noFill/>
+        </p:spPr>
+        <p:txBody>
+          <a:bodyPr wrap="square">
+            <a:spAutoFit/>
+          </a:bodyPr>
+          <a:lstStyle/>
+          <a:p>
+            <a:pPr algn="just"/>
+            <a:r>
+              <a:rPr lang="en-US" dirty="0">
+                <a:solidFill>
+                  <a:schemeClr val="bg1"/>
+                </a:solidFill>
+              </a:rPr>
+              <a:t>sums app usage hours only</a:t>
+            </a:r>
+          </a:p>
+        </p:txBody>
+      </p:sp>
+      <p:pic>
+        <p:nvPicPr>
+          <p:cNvPr id="11" name="Picture 10">
+            <a:extLst>
+              <a:ext uri="{FF2B5EF4-FFF2-40B4-BE49-F238E27FC236}">
+                <a16:creationId xmlns:a16="http://schemas.microsoft.com/office/drawing/2014/main" id="{3CED357E-BF99-3FBD-EEFD-C78AFFB1D2DF}"/>
+              </a:ext>
+            </a:extLst>
+          </p:cNvPr>
+          <p:cNvPicPr>
+            <a:picLocks noChangeAspect="1"/>
+          </p:cNvPicPr>
+          <p:nvPr/>
+        </p:nvPicPr>
+        <p:blipFill>
+          <a:blip r:embed="rId5"/>
+          <a:stretch>
+            <a:fillRect/>
+          </a:stretch>
+        </p:blipFill>
+        <p:spPr>
+          <a:xfrm>
+            <a:off x="699736" y="4116125"/>
+            <a:ext cx="5833406" cy="2070666"/>
+          </a:xfrm>
+          <a:prstGeom prst="rect">
+            <a:avLst/>
+          </a:prstGeom>
+        </p:spPr>
+      </p:pic>
+      <p:pic>
+        <p:nvPicPr>
+          <p:cNvPr id="13" name="Picture 12">
+            <a:extLst>
+              <a:ext uri="{FF2B5EF4-FFF2-40B4-BE49-F238E27FC236}">
+                <a16:creationId xmlns:a16="http://schemas.microsoft.com/office/drawing/2014/main" id="{AFF31C01-CEFD-60BE-FAE9-9DA8EE398E0B}"/>
+              </a:ext>
+            </a:extLst>
+          </p:cNvPr>
+          <p:cNvPicPr>
+            <a:picLocks noChangeAspect="1"/>
+          </p:cNvPicPr>
+          <p:nvPr/>
+        </p:nvPicPr>
+        <p:blipFill>
+          <a:blip r:embed="rId6"/>
+          <a:stretch>
+            <a:fillRect/>
+          </a:stretch>
+        </p:blipFill>
+        <p:spPr>
+          <a:xfrm>
+            <a:off x="7325683" y="3536879"/>
+            <a:ext cx="903918" cy="3068005"/>
           </a:xfrm>
           <a:prstGeom prst="rect">
             <a:avLst/>
@@ -9150,7 +9514,7 @@
 </p:sld>
 </file>
 
-<file path=ppt/slides/slide21.xml><?xml version="1.0" encoding="utf-8"?>
+<file path=ppt/slides/slide22.xml><?xml version="1.0" encoding="utf-8"?>
 <p:sld xmlns:a="http://schemas.openxmlformats.org/drawingml/2006/main" xmlns:r="http://schemas.openxmlformats.org/officeDocument/2006/relationships" xmlns:p="http://schemas.openxmlformats.org/presentationml/2006/main">
   <p:cSld>
     <p:bg>
@@ -9392,7 +9756,7 @@
 </p:sld>
 </file>
 
-<file path=ppt/slides/slide22.xml><?xml version="1.0" encoding="utf-8"?>
+<file path=ppt/slides/slide23.xml><?xml version="1.0" encoding="utf-8"?>
 <p:sld xmlns:a="http://schemas.openxmlformats.org/drawingml/2006/main" xmlns:r="http://schemas.openxmlformats.org/officeDocument/2006/relationships" xmlns:p="http://schemas.openxmlformats.org/presentationml/2006/main">
   <p:cSld>
     <p:bg>
@@ -9489,7 +9853,7 @@
         </p:nvSpPr>
         <p:spPr>
           <a:xfrm>
-            <a:off x="-1859666" y="-3003630"/>
+            <a:off x="-1859666" y="-2993902"/>
             <a:ext cx="15911332" cy="12865260"/>
           </a:xfrm>
           <a:prstGeom prst="ellipse">
@@ -9710,8 +10074,8 @@
         </p:nvSpPr>
         <p:spPr>
           <a:xfrm>
-            <a:off x="6096000" y="3241021"/>
-            <a:ext cx="4297680" cy="2545377"/>
+            <a:off x="6096000" y="3328573"/>
+            <a:ext cx="4297680" cy="2960875"/>
           </a:xfrm>
           <a:prstGeom prst="rect">
             <a:avLst/>
@@ -9724,75 +10088,57 @@
           </a:bodyPr>
           <a:lstStyle/>
           <a:p>
-            <a:pPr marL="285750" marR="0" lvl="0" indent="-285750" algn="just" defTabSz="914400" rtl="0" eaLnBrk="1" fontAlgn="auto" latinLnBrk="0" hangingPunct="1">
+            <a:pPr algn="ctr">
               <a:lnSpc>
                 <a:spcPct val="150000"/>
               </a:lnSpc>
-              <a:spcBef>
-                <a:spcPts val="0"/>
-              </a:spcBef>
-              <a:spcAft>
-                <a:spcPts val="0"/>
-              </a:spcAft>
-              <a:buClrTx/>
-              <a:buSzTx/>
-              <a:buFont typeface="Arial" panose="020B0604020202020204" pitchFamily="34" charset="0"/>
-              <a:buChar char="•"/>
-              <a:tabLst/>
               <a:defRPr/>
             </a:pPr>
             <a:r>
-              <a:rPr kumimoji="0" lang="en-US" sz="1800" b="0" i="0" u="none" strike="noStrike" kern="1200" cap="none" spc="0" normalizeH="0" baseline="0" noProof="0" dirty="0">
-                <a:ln>
-                  <a:noFill/>
-                </a:ln>
-                <a:solidFill>
-                  <a:prstClr val="white"/>
-                </a:solidFill>
-                <a:effectLst/>
-                <a:uLnTx/>
-                <a:uFillTx/>
-                <a:latin typeface="Aptos" panose="02110004020202020204"/>
-                <a:ea typeface="+mn-ea"/>
-                <a:cs typeface="+mn-cs"/>
+              <a:rPr lang="en-US" dirty="0">
+                <a:solidFill>
+                  <a:schemeClr val="bg1"/>
+                </a:solidFill>
               </a:rPr>
-              <a:t>The higher the stress level, the higher the time to use the screen.</a:t>
-            </a:r>
-          </a:p>
-          <a:p>
-            <a:pPr marL="285750" marR="0" lvl="0" indent="-285750" algn="just" defTabSz="914400" rtl="0" eaLnBrk="1" fontAlgn="auto" latinLnBrk="0" hangingPunct="1">
+              <a:t>Line Plot:</a:t>
+            </a:r>
+            <a:endParaRPr lang="ar-OM" dirty="0">
+              <a:solidFill>
+                <a:schemeClr val="bg1"/>
+              </a:solidFill>
+            </a:endParaRPr>
+          </a:p>
+          <a:p>
+            <a:pPr marL="285750" indent="-285750" algn="just">
               <a:lnSpc>
                 <a:spcPct val="150000"/>
               </a:lnSpc>
-              <a:spcBef>
-                <a:spcPts val="0"/>
-              </a:spcBef>
-              <a:spcAft>
-                <a:spcPts val="0"/>
-              </a:spcAft>
-              <a:buClrTx/>
-              <a:buSzTx/>
               <a:buFont typeface="Arial" panose="020B0604020202020204" pitchFamily="34" charset="0"/>
               <a:buChar char="•"/>
-              <a:tabLst/>
               <a:defRPr/>
             </a:pPr>
             <a:r>
-              <a:rPr kumimoji="0" lang="en-US" sz="1800" b="0" i="0" u="none" strike="noStrike" kern="1200" cap="none" spc="0" normalizeH="0" baseline="0" noProof="0" dirty="0">
-                <a:ln>
-                  <a:noFill/>
-                </a:ln>
-                <a:solidFill>
-                  <a:prstClr val="white"/>
-                </a:solidFill>
-                <a:effectLst/>
-                <a:uLnTx/>
-                <a:uFillTx/>
-                <a:latin typeface="Aptos" panose="02110004020202020204"/>
-                <a:ea typeface="+mn-ea"/>
-                <a:cs typeface="+mn-cs"/>
+              <a:rPr lang="en-US" dirty="0">
+                <a:solidFill>
+                  <a:schemeClr val="bg1"/>
+                </a:solidFill>
               </a:rPr>
-              <a:t>This may indicate that people with high stress tend to spend more time in front of screens, perhaps as a means of entertainment or escape from stress.</a:t>
+              <a:t>The chart shows that people with higher stress levels tend to spend more time on their screens.</a:t>
+            </a:r>
+            <a:br>
+              <a:rPr lang="en-US" dirty="0">
+                <a:solidFill>
+                  <a:schemeClr val="bg1"/>
+                </a:solidFill>
+              </a:rPr>
+            </a:br>
+            <a:r>
+              <a:rPr lang="en-US" dirty="0">
+                <a:solidFill>
+                  <a:schemeClr val="bg1"/>
+                </a:solidFill>
+              </a:rPr>
+              <a:t>This suggests that digital use may increase as a coping mechanism for stress.</a:t>
             </a:r>
           </a:p>
         </p:txBody>
@@ -9852,7 +10198,7 @@
 </p:sld>
 </file>
 
-<file path=ppt/slides/slide23.xml><?xml version="1.0" encoding="utf-8"?>
+<file path=ppt/slides/slide24.xml><?xml version="1.0" encoding="utf-8"?>
 <p:sld xmlns:a="http://schemas.openxmlformats.org/drawingml/2006/main" xmlns:r="http://schemas.openxmlformats.org/officeDocument/2006/relationships" xmlns:p="http://schemas.openxmlformats.org/presentationml/2006/main">
   <p:cSld>
     <p:spTree>
@@ -9860,7 +10206,7 @@
         <p:cNvPr id="1" name="">
           <a:extLst>
             <a:ext uri="{FF2B5EF4-FFF2-40B4-BE49-F238E27FC236}">
-              <a16:creationId xmlns:a16="http://schemas.microsoft.com/office/drawing/2014/main" id="{B4E3C019-2F9B-0E95-CDED-649B5A8F4FA3}"/>
+              <a16:creationId xmlns:a16="http://schemas.microsoft.com/office/drawing/2014/main" id="{D67D9442-508E-B267-2C89-E40408B3CE47}"/>
             </a:ext>
           </a:extLst>
         </p:cNvPr>
@@ -9880,7 +10226,7 @@
           <p:cNvPr id="8" name="Picture 7" descr="A close up of a network&#10;&#10;AI-generated content may be incorrect.">
             <a:extLst>
               <a:ext uri="{FF2B5EF4-FFF2-40B4-BE49-F238E27FC236}">
-                <a16:creationId xmlns:a16="http://schemas.microsoft.com/office/drawing/2014/main" id="{F476256C-E879-332D-E7A8-1DEF0CE6AD6F}"/>
+                <a16:creationId xmlns:a16="http://schemas.microsoft.com/office/drawing/2014/main" id="{B749D7E5-AA6F-79DA-B90D-DB29F1B983AA}"/>
               </a:ext>
             </a:extLst>
           </p:cNvPr>
@@ -9926,7 +10272,7 @@
           <p:cNvPr id="4" name="Oval 3">
             <a:extLst>
               <a:ext uri="{FF2B5EF4-FFF2-40B4-BE49-F238E27FC236}">
-                <a16:creationId xmlns:a16="http://schemas.microsoft.com/office/drawing/2014/main" id="{B4A8F6C5-16DC-FCC0-D39F-4E721DF7FF9D}"/>
+                <a16:creationId xmlns:a16="http://schemas.microsoft.com/office/drawing/2014/main" id="{3866B399-E30B-816D-4F1F-100C03557299}"/>
               </a:ext>
             </a:extLst>
           </p:cNvPr>
@@ -10011,7 +10357,7 @@
           <p:cNvPr id="5" name="TextBox 4">
             <a:extLst>
               <a:ext uri="{FF2B5EF4-FFF2-40B4-BE49-F238E27FC236}">
-                <a16:creationId xmlns:a16="http://schemas.microsoft.com/office/drawing/2014/main" id="{5052FF38-80DF-1C2D-FD41-93496FECE422}"/>
+                <a16:creationId xmlns:a16="http://schemas.microsoft.com/office/drawing/2014/main" id="{245ED453-EFC4-000F-E8C7-2B153C6DF0C9}"/>
               </a:ext>
             </a:extLst>
           </p:cNvPr>
@@ -10117,7 +10463,7 @@
           <p:cNvPr id="6" name="TextBox 5">
             <a:extLst>
               <a:ext uri="{FF2B5EF4-FFF2-40B4-BE49-F238E27FC236}">
-                <a16:creationId xmlns:a16="http://schemas.microsoft.com/office/drawing/2014/main" id="{CCD08669-7B98-D061-EE9E-A761640A38E5}"/>
+                <a16:creationId xmlns:a16="http://schemas.microsoft.com/office/drawing/2014/main" id="{70A06CD7-AA16-1BA2-957A-983CC2DB9F07}"/>
               </a:ext>
             </a:extLst>
           </p:cNvPr>
@@ -10126,8 +10472,8 @@
         </p:nvSpPr>
         <p:spPr>
           <a:xfrm>
-            <a:off x="6593840" y="3287017"/>
-            <a:ext cx="5344160" cy="2960875"/>
+            <a:off x="6300282" y="3386941"/>
+            <a:ext cx="3660843" cy="2960875"/>
           </a:xfrm>
           <a:prstGeom prst="rect">
             <a:avLst/>
@@ -10140,99 +10486,80 @@
           </a:bodyPr>
           <a:lstStyle/>
           <a:p>
-            <a:pPr marL="285750" marR="0" lvl="0" indent="-285750" algn="just" defTabSz="914400" rtl="0" eaLnBrk="1" fontAlgn="auto" latinLnBrk="0" hangingPunct="1">
+            <a:pPr algn="ctr">
               <a:lnSpc>
                 <a:spcPct val="150000"/>
               </a:lnSpc>
-              <a:spcBef>
-                <a:spcPts val="0"/>
-              </a:spcBef>
-              <a:spcAft>
-                <a:spcPts val="0"/>
-              </a:spcAft>
-              <a:buClrTx/>
-              <a:buSzTx/>
-              <a:buFont typeface="Arial" panose="020B0604020202020204" pitchFamily="34" charset="0"/>
-              <a:buChar char="•"/>
-              <a:tabLst/>
               <a:defRPr/>
             </a:pPr>
             <a:r>
-              <a:rPr kumimoji="0" lang="en-US" sz="1800" b="0" i="0" u="none" strike="noStrike" kern="1200" cap="none" spc="0" normalizeH="0" baseline="0" noProof="0" dirty="0">
-                <a:ln>
-                  <a:noFill/>
-                </a:ln>
-                <a:solidFill>
-                  <a:prstClr val="white"/>
-                </a:solidFill>
-                <a:effectLst/>
-                <a:uLnTx/>
-                <a:uFillTx/>
-                <a:latin typeface="Aptos" panose="02110004020202020204"/>
-                <a:ea typeface="+mn-ea"/>
-                <a:cs typeface="+mn-cs"/>
+              <a:rPr lang="en-US" dirty="0">
+                <a:solidFill>
+                  <a:schemeClr val="bg1"/>
+                </a:solidFill>
               </a:rPr>
-              <a:t>Balance: The distribution is largely balanced, with all percentages ranging from 23% to 27%. This suggests that the application market (in this data) is diverse and does not depend on a single type.</a:t>
-            </a:r>
-            <a:endParaRPr kumimoji="0" lang="ar-OM" sz="1800" b="0" i="0" u="none" strike="noStrike" kern="1200" cap="none" spc="0" normalizeH="0" baseline="0" noProof="0" dirty="0">
-              <a:ln>
-                <a:noFill/>
-              </a:ln>
+              <a:t> Bar Chart:</a:t>
+            </a:r>
+            <a:endParaRPr lang="ar-OM" dirty="0">
               <a:solidFill>
-                <a:prstClr val="white"/>
+                <a:schemeClr val="bg1"/>
               </a:solidFill>
-              <a:effectLst/>
-              <a:uLnTx/>
-              <a:uFillTx/>
-              <a:latin typeface="Aptos" panose="02110004020202020204"/>
-              <a:ea typeface="+mn-ea"/>
-              <a:cs typeface="+mn-cs"/>
             </a:endParaRPr>
           </a:p>
           <a:p>
-            <a:pPr marL="285750" marR="0" lvl="0" indent="-285750" algn="just" defTabSz="914400" rtl="0" eaLnBrk="1" fontAlgn="auto" latinLnBrk="0" hangingPunct="1">
+            <a:pPr algn="just">
               <a:lnSpc>
                 <a:spcPct val="150000"/>
               </a:lnSpc>
-              <a:spcBef>
-                <a:spcPts val="0"/>
-              </a:spcBef>
-              <a:spcAft>
-                <a:spcPts val="0"/>
-              </a:spcAft>
-              <a:buClrTx/>
-              <a:buSzTx/>
-              <a:buFont typeface="Arial" panose="020B0604020202020204" pitchFamily="34" charset="0"/>
-              <a:buChar char="•"/>
-              <a:tabLst/>
               <a:defRPr/>
             </a:pPr>
             <a:r>
-              <a:rPr kumimoji="0" lang="en-US" sz="1800" b="0" i="0" u="none" strike="noStrike" kern="1200" cap="none" spc="0" normalizeH="0" baseline="0" noProof="0" dirty="0">
-                <a:ln>
-                  <a:noFill/>
-                </a:ln>
-                <a:solidFill>
-                  <a:prstClr val="white"/>
-                </a:solidFill>
-                <a:effectLst/>
-                <a:uLnTx/>
-                <a:uFillTx/>
-                <a:latin typeface="Aptos" panose="02110004020202020204"/>
-                <a:ea typeface="+mn-ea"/>
-                <a:cs typeface="+mn-cs"/>
+              <a:rPr lang="en-US" dirty="0">
+                <a:solidFill>
+                  <a:schemeClr val="bg1"/>
+                </a:solidFill>
               </a:rPr>
-              <a:t>Equal attention: There seems to be a close demand from users for social media applications, entertainment, productivity and assistance.</a:t>
+              <a:t>Females spend slightly more time on entertainment and social apps,</a:t>
+            </a:r>
+            <a:br>
+              <a:rPr lang="en-US" dirty="0">
+                <a:solidFill>
+                  <a:schemeClr val="bg1"/>
+                </a:solidFill>
+              </a:rPr>
+            </a:br>
+            <a:r>
+              <a:rPr lang="en-US" dirty="0">
+                <a:solidFill>
+                  <a:schemeClr val="bg1"/>
+                </a:solidFill>
+              </a:rPr>
+              <a:t>while males use productivity and utility apps a bit more.</a:t>
+            </a:r>
+            <a:br>
+              <a:rPr lang="en-US" dirty="0">
+                <a:solidFill>
+                  <a:schemeClr val="bg1"/>
+                </a:solidFill>
+              </a:rPr>
+            </a:br>
+            <a:r>
+              <a:rPr lang="en-US" dirty="0">
+                <a:solidFill>
+                  <a:schemeClr val="bg1"/>
+                </a:solidFill>
+              </a:rPr>
+              <a:t>Overall, screen time is quite similar between genders.</a:t>
             </a:r>
           </a:p>
         </p:txBody>
       </p:sp>
       <p:pic>
         <p:nvPicPr>
-          <p:cNvPr id="3" name="Picture 2">
-            <a:extLst>
-              <a:ext uri="{FF2B5EF4-FFF2-40B4-BE49-F238E27FC236}">
-                <a16:creationId xmlns:a16="http://schemas.microsoft.com/office/drawing/2014/main" id="{30B51382-74A3-296A-5891-B73F470D518D}"/>
+          <p:cNvPr id="2" name="Picture 1">
+            <a:extLst>
+              <a:ext uri="{FF2B5EF4-FFF2-40B4-BE49-F238E27FC236}">
+                <a16:creationId xmlns:a16="http://schemas.microsoft.com/office/drawing/2014/main" id="{947CE1E9-CBAA-E38A-52F7-621E75FA787E}"/>
               </a:ext>
             </a:extLst>
           </p:cNvPr>
@@ -10249,44 +10576,20 @@
         </p:blipFill>
         <p:spPr>
           <a:xfrm>
-            <a:off x="909764" y="3170367"/>
-            <a:ext cx="5442358" cy="3504753"/>
-          </a:xfrm>
-          <a:prstGeom prst="roundRect">
-            <a:avLst>
-              <a:gd name="adj" fmla="val 16667"/>
-            </a:avLst>
-          </a:prstGeom>
-          <a:ln>
-            <a:noFill/>
-          </a:ln>
-          <a:effectLst>
-            <a:outerShdw blurRad="76200" dist="38100" dir="7800000" algn="tl" rotWithShape="0">
-              <a:srgbClr val="000000">
-                <a:alpha val="40000"/>
-              </a:srgbClr>
-            </a:outerShdw>
-          </a:effectLst>
-          <a:scene3d>
-            <a:camera prst="orthographicFront"/>
-            <a:lightRig rig="contrasting" dir="t">
-              <a:rot lat="0" lon="0" rev="4200000"/>
-            </a:lightRig>
-          </a:scene3d>
-          <a:sp3d prstMaterial="plastic">
-            <a:bevelT w="381000" h="114300" prst="relaxedInset"/>
-            <a:contourClr>
-              <a:srgbClr val="969696"/>
-            </a:contourClr>
-          </a:sp3d>
+            <a:off x="5265064" y="476860"/>
+            <a:ext cx="1700784" cy="1700784"/>
+          </a:xfrm>
+          <a:prstGeom prst="rect">
+            <a:avLst/>
+          </a:prstGeom>
         </p:spPr>
       </p:pic>
       <p:pic>
         <p:nvPicPr>
-          <p:cNvPr id="2" name="Picture 1">
-            <a:extLst>
-              <a:ext uri="{FF2B5EF4-FFF2-40B4-BE49-F238E27FC236}">
-                <a16:creationId xmlns:a16="http://schemas.microsoft.com/office/drawing/2014/main" id="{987D50A3-5960-1490-045A-8EE3894AF52A}"/>
+          <p:cNvPr id="9" name="Picture 8">
+            <a:extLst>
+              <a:ext uri="{FF2B5EF4-FFF2-40B4-BE49-F238E27FC236}">
+                <a16:creationId xmlns:a16="http://schemas.microsoft.com/office/drawing/2014/main" id="{48C8B3EF-4B7E-3F34-B802-1F126705B474}"/>
               </a:ext>
             </a:extLst>
           </p:cNvPr>
@@ -10303,8 +10606,8 @@
         </p:blipFill>
         <p:spPr>
           <a:xfrm>
-            <a:off x="5265064" y="476860"/>
-            <a:ext cx="1700784" cy="1700784"/>
+            <a:off x="668438" y="3162353"/>
+            <a:ext cx="5258177" cy="3387373"/>
           </a:xfrm>
           <a:prstGeom prst="rect">
             <a:avLst/>
@@ -10314,7 +10617,7 @@
     </p:spTree>
     <p:extLst>
       <p:ext uri="{BB962C8B-B14F-4D97-AF65-F5344CB8AC3E}">
-        <p14:creationId xmlns:p14="http://schemas.microsoft.com/office/powerpoint/2010/main" val="556756533"/>
+        <p14:creationId xmlns:p14="http://schemas.microsoft.com/office/powerpoint/2010/main" val="2529021917"/>
       </p:ext>
     </p:extLst>
   </p:cSld>
@@ -10336,7 +10639,7 @@
 </p:sld>
 </file>
 
-<file path=ppt/slides/slide24.xml><?xml version="1.0" encoding="utf-8"?>
+<file path=ppt/slides/slide25.xml><?xml version="1.0" encoding="utf-8"?>
 <p:sld xmlns:a="http://schemas.openxmlformats.org/drawingml/2006/main" xmlns:r="http://schemas.openxmlformats.org/officeDocument/2006/relationships" xmlns:p="http://schemas.openxmlformats.org/presentationml/2006/main">
   <p:cSld>
     <p:spTree>
@@ -10344,7 +10647,7 @@
         <p:cNvPr id="1" name="">
           <a:extLst>
             <a:ext uri="{FF2B5EF4-FFF2-40B4-BE49-F238E27FC236}">
-              <a16:creationId xmlns:a16="http://schemas.microsoft.com/office/drawing/2014/main" id="{9326A68E-73A8-F735-FA82-95F54A395FE8}"/>
+              <a16:creationId xmlns:a16="http://schemas.microsoft.com/office/drawing/2014/main" id="{37E98292-87B2-EFE5-7E4F-F469F9F1F341}"/>
             </a:ext>
           </a:extLst>
         </p:cNvPr>
@@ -10364,7 +10667,7 @@
           <p:cNvPr id="8" name="Picture 7" descr="A close up of a network&#10;&#10;AI-generated content may be incorrect.">
             <a:extLst>
               <a:ext uri="{FF2B5EF4-FFF2-40B4-BE49-F238E27FC236}">
-                <a16:creationId xmlns:a16="http://schemas.microsoft.com/office/drawing/2014/main" id="{09EED620-A4C5-BB86-BE64-CB14015B3F96}"/>
+                <a16:creationId xmlns:a16="http://schemas.microsoft.com/office/drawing/2014/main" id="{BC44F350-783D-D237-4666-A1C1D60D0F99}"/>
               </a:ext>
             </a:extLst>
           </p:cNvPr>
@@ -10410,7 +10713,7 @@
           <p:cNvPr id="4" name="Oval 3">
             <a:extLst>
               <a:ext uri="{FF2B5EF4-FFF2-40B4-BE49-F238E27FC236}">
-                <a16:creationId xmlns:a16="http://schemas.microsoft.com/office/drawing/2014/main" id="{205D0F0B-2882-972C-7A9F-25A7E93ECB3F}"/>
+                <a16:creationId xmlns:a16="http://schemas.microsoft.com/office/drawing/2014/main" id="{B1432075-D9E2-2A02-D632-D11010C967B8}"/>
               </a:ext>
             </a:extLst>
           </p:cNvPr>
@@ -10495,7 +10798,7 @@
           <p:cNvPr id="5" name="TextBox 4">
             <a:extLst>
               <a:ext uri="{FF2B5EF4-FFF2-40B4-BE49-F238E27FC236}">
-                <a16:creationId xmlns:a16="http://schemas.microsoft.com/office/drawing/2014/main" id="{BD2E4DB3-FD4C-25ED-A4E4-7EAB2F9D7833}"/>
+                <a16:creationId xmlns:a16="http://schemas.microsoft.com/office/drawing/2014/main" id="{C0432187-D9D1-4578-3A7E-C512152016DC}"/>
               </a:ext>
             </a:extLst>
           </p:cNvPr>
@@ -10601,7 +10904,7 @@
           <p:cNvPr id="6" name="TextBox 5">
             <a:extLst>
               <a:ext uri="{FF2B5EF4-FFF2-40B4-BE49-F238E27FC236}">
-                <a16:creationId xmlns:a16="http://schemas.microsoft.com/office/drawing/2014/main" id="{53E47EFB-BC78-20CC-32F2-DDA4E5BC5555}"/>
+                <a16:creationId xmlns:a16="http://schemas.microsoft.com/office/drawing/2014/main" id="{A88E01A2-F9BD-87AB-943C-3B89CE113162}"/>
               </a:ext>
             </a:extLst>
           </p:cNvPr>
@@ -10610,8 +10913,8 @@
         </p:nvSpPr>
         <p:spPr>
           <a:xfrm>
-            <a:off x="6593840" y="3287017"/>
-            <a:ext cx="5344160" cy="3376374"/>
+            <a:off x="6096000" y="3556605"/>
+            <a:ext cx="4584970" cy="2545377"/>
           </a:xfrm>
           <a:prstGeom prst="rect">
             <a:avLst/>
@@ -10624,199 +10927,89 @@
           </a:bodyPr>
           <a:lstStyle/>
           <a:p>
-            <a:pPr marL="285750" marR="0" lvl="0" indent="-285750" algn="just" defTabSz="914400" rtl="0" eaLnBrk="1" fontAlgn="auto" latinLnBrk="0" hangingPunct="1">
+            <a:pPr algn="ctr">
               <a:lnSpc>
                 <a:spcPct val="150000"/>
               </a:lnSpc>
-              <a:spcBef>
-                <a:spcPts val="0"/>
-              </a:spcBef>
-              <a:spcAft>
-                <a:spcPts val="0"/>
-              </a:spcAft>
-              <a:buClrTx/>
-              <a:buSzTx/>
-              <a:buFont typeface="Arial" panose="020B0604020202020204" pitchFamily="34" charset="0"/>
-              <a:buChar char="•"/>
-              <a:tabLst/>
-              <a:defRPr/>
             </a:pPr>
             <a:r>
-              <a:rPr kumimoji="0" lang="en-US" sz="1800" b="0" i="0" u="none" strike="noStrike" kern="1200" cap="none" spc="0" normalizeH="0" baseline="0" noProof="0" dirty="0">
-                <a:ln>
-                  <a:noFill/>
-                </a:ln>
-                <a:solidFill>
-                  <a:prstClr val="white"/>
-                </a:solidFill>
-                <a:effectLst/>
-                <a:uLnTx/>
-                <a:uFillTx/>
-                <a:latin typeface="Aptos" panose="02110004020202020204"/>
-                <a:ea typeface="+mn-ea"/>
-                <a:cs typeface="+mn-cs"/>
+              <a:rPr lang="en-US" dirty="0">
+                <a:solidFill>
+                  <a:schemeClr val="bg1"/>
+                </a:solidFill>
               </a:rPr>
-              <a:t>There is a clear positive relationship between sleep hours and mental health status.</a:t>
-            </a:r>
-            <a:endParaRPr kumimoji="0" lang="ar-OM" sz="1800" b="0" i="0" u="none" strike="noStrike" kern="1200" cap="none" spc="0" normalizeH="0" baseline="0" noProof="0" dirty="0">
-              <a:ln>
-                <a:noFill/>
-              </a:ln>
-              <a:solidFill>
-                <a:prstClr val="white"/>
-              </a:solidFill>
-              <a:effectLst/>
-              <a:uLnTx/>
-              <a:uFillTx/>
-              <a:latin typeface="Aptos" panose="02110004020202020204"/>
-              <a:ea typeface="+mn-ea"/>
-              <a:cs typeface="+mn-cs"/>
-            </a:endParaRPr>
-          </a:p>
-          <a:p>
-            <a:pPr marL="285750" marR="0" lvl="0" indent="-285750" algn="just" defTabSz="914400" rtl="0" eaLnBrk="1" fontAlgn="auto" latinLnBrk="0" hangingPunct="1">
+              <a:t> Scatter Plot:</a:t>
+            </a:r>
+          </a:p>
+          <a:p>
+            <a:pPr marL="285750" indent="-285750">
               <a:lnSpc>
                 <a:spcPct val="150000"/>
               </a:lnSpc>
-              <a:spcBef>
-                <a:spcPts val="0"/>
-              </a:spcBef>
-              <a:spcAft>
-                <a:spcPts val="0"/>
-              </a:spcAft>
-              <a:buClrTx/>
-              <a:buSzTx/>
               <a:buFont typeface="Arial" panose="020B0604020202020204" pitchFamily="34" charset="0"/>
               <a:buChar char="•"/>
-              <a:tabLst/>
-              <a:defRPr/>
             </a:pPr>
             <a:r>
-              <a:rPr kumimoji="0" lang="en-US" sz="1800" b="0" i="0" u="none" strike="noStrike" kern="1200" cap="none" spc="0" normalizeH="0" baseline="0" noProof="0" dirty="0">
-                <a:ln>
-                  <a:noFill/>
-                </a:ln>
-                <a:solidFill>
-                  <a:prstClr val="white"/>
-                </a:solidFill>
-                <a:effectLst/>
-                <a:uLnTx/>
-                <a:uFillTx/>
-                <a:latin typeface="Aptos" panose="02110004020202020204"/>
-                <a:ea typeface="+mn-ea"/>
-                <a:cs typeface="+mn-cs"/>
+              <a:rPr lang="en-US" dirty="0">
+                <a:solidFill>
+                  <a:schemeClr val="bg1"/>
+                </a:solidFill>
               </a:rPr>
-              <a:t>People with better mental health tend to sleep more and more consistently.</a:t>
-            </a:r>
-            <a:endParaRPr kumimoji="0" lang="ar-OM" sz="1800" b="0" i="0" u="none" strike="noStrike" kern="1200" cap="none" spc="0" normalizeH="0" baseline="0" noProof="0" dirty="0">
-              <a:ln>
-                <a:noFill/>
-              </a:ln>
+              <a:t>Each point is one person.</a:t>
+            </a:r>
+            <a:endParaRPr lang="ar-OM" dirty="0">
               <a:solidFill>
-                <a:prstClr val="white"/>
+                <a:schemeClr val="bg1"/>
               </a:solidFill>
-              <a:effectLst/>
-              <a:uLnTx/>
-              <a:uFillTx/>
-              <a:latin typeface="Aptos" panose="02110004020202020204"/>
-              <a:ea typeface="+mn-ea"/>
-              <a:cs typeface="+mn-cs"/>
             </a:endParaRPr>
           </a:p>
           <a:p>
-            <a:pPr marL="285750" marR="0" lvl="0" indent="-285750" algn="just" defTabSz="914400" rtl="0" eaLnBrk="1" fontAlgn="auto" latinLnBrk="0" hangingPunct="1">
+            <a:pPr marL="285750" indent="-285750">
               <a:lnSpc>
                 <a:spcPct val="150000"/>
               </a:lnSpc>
-              <a:spcBef>
-                <a:spcPts val="0"/>
-              </a:spcBef>
-              <a:spcAft>
-                <a:spcPts val="0"/>
-              </a:spcAft>
-              <a:buClrTx/>
-              <a:buSzTx/>
               <a:buFont typeface="Arial" panose="020B0604020202020204" pitchFamily="34" charset="0"/>
               <a:buChar char="•"/>
-              <a:tabLst/>
-              <a:defRPr/>
             </a:pPr>
             <a:r>
-              <a:rPr kumimoji="0" lang="en-US" sz="1800" b="0" i="0" u="none" strike="noStrike" kern="1200" cap="none" spc="0" normalizeH="0" baseline="0" noProof="0" dirty="0">
-                <a:ln>
-                  <a:noFill/>
-                </a:ln>
-                <a:solidFill>
-                  <a:prstClr val="white"/>
-                </a:solidFill>
-                <a:effectLst/>
-                <a:uLnTx/>
-                <a:uFillTx/>
-                <a:latin typeface="Aptos" panose="02110004020202020204"/>
-                <a:ea typeface="+mn-ea"/>
-                <a:cs typeface="+mn-cs"/>
+              <a:rPr lang="en-US" dirty="0">
+                <a:solidFill>
+                  <a:schemeClr val="bg1"/>
+                </a:solidFill>
               </a:rPr>
-              <a:t>Those reporting poor mental health sleep fewer hours on average.</a:t>
-            </a:r>
-            <a:endParaRPr kumimoji="0" lang="ar-OM" sz="1800" b="0" i="0" u="none" strike="noStrike" kern="1200" cap="none" spc="0" normalizeH="0" baseline="0" noProof="0" dirty="0">
-              <a:ln>
-                <a:noFill/>
-              </a:ln>
+              <a:t>Fewer sleep hours (4–5) = darker, higher points → more screen time.</a:t>
+            </a:r>
+            <a:endParaRPr lang="ar-OM" dirty="0">
               <a:solidFill>
-                <a:prstClr val="white"/>
+                <a:schemeClr val="bg1"/>
               </a:solidFill>
-              <a:effectLst/>
-              <a:uLnTx/>
-              <a:uFillTx/>
-              <a:latin typeface="Aptos" panose="02110004020202020204"/>
-              <a:ea typeface="+mn-ea"/>
-              <a:cs typeface="+mn-cs"/>
             </a:endParaRPr>
           </a:p>
           <a:p>
-            <a:pPr marL="285750" marR="0" lvl="0" indent="-285750" algn="just" defTabSz="914400" rtl="0" eaLnBrk="1" fontAlgn="auto" latinLnBrk="0" hangingPunct="1">
+            <a:pPr marL="285750" indent="-285750">
               <a:lnSpc>
                 <a:spcPct val="150000"/>
               </a:lnSpc>
-              <a:spcBef>
-                <a:spcPts val="0"/>
-              </a:spcBef>
-              <a:spcAft>
-                <a:spcPts val="0"/>
-              </a:spcAft>
-              <a:buClrTx/>
-              <a:buSzTx/>
               <a:buFont typeface="Arial" panose="020B0604020202020204" pitchFamily="34" charset="0"/>
               <a:buChar char="•"/>
-              <a:tabLst/>
-              <a:defRPr/>
             </a:pPr>
             <a:r>
-              <a:rPr kumimoji="0" lang="en-US" sz="1800" b="0" i="0" u="none" strike="noStrike" kern="1200" cap="none" spc="0" normalizeH="0" baseline="0" noProof="0" dirty="0">
-                <a:ln>
-                  <a:noFill/>
-                </a:ln>
-                <a:solidFill>
-                  <a:prstClr val="white"/>
-                </a:solidFill>
-                <a:effectLst/>
-                <a:uLnTx/>
-                <a:uFillTx/>
-                <a:latin typeface="Aptos" panose="02110004020202020204"/>
-                <a:ea typeface="+mn-ea"/>
-                <a:cs typeface="+mn-cs"/>
+              <a:rPr lang="en-US" dirty="0">
+                <a:solidFill>
+                  <a:schemeClr val="bg1"/>
+                </a:solidFill>
               </a:rPr>
-              <a:t>Promoting healthy sleep habits may help improve mental resilience.</a:t>
+              <a:t>More sleep (8–9 hours) = lighter, lower points → less screen time.</a:t>
             </a:r>
           </a:p>
         </p:txBody>
       </p:sp>
       <p:pic>
         <p:nvPicPr>
-          <p:cNvPr id="7" name="Picture 6">
-            <a:extLst>
-              <a:ext uri="{FF2B5EF4-FFF2-40B4-BE49-F238E27FC236}">
-                <a16:creationId xmlns:a16="http://schemas.microsoft.com/office/drawing/2014/main" id="{D40CBDF2-8E28-550D-E85C-90F4A9A32E78}"/>
+          <p:cNvPr id="2" name="Picture 1">
+            <a:extLst>
+              <a:ext uri="{FF2B5EF4-FFF2-40B4-BE49-F238E27FC236}">
+                <a16:creationId xmlns:a16="http://schemas.microsoft.com/office/drawing/2014/main" id="{3CEDDE77-2CB5-2778-FC2B-9298123251E6}"/>
               </a:ext>
             </a:extLst>
           </p:cNvPr>
@@ -10833,8 +11026,8 @@
         </p:blipFill>
         <p:spPr>
           <a:xfrm>
-            <a:off x="920497" y="3078927"/>
-            <a:ext cx="5419343" cy="3362513"/>
+            <a:off x="5265064" y="476860"/>
+            <a:ext cx="1700784" cy="1700784"/>
           </a:xfrm>
           <a:prstGeom prst="rect">
             <a:avLst/>
@@ -10843,10 +11036,10 @@
       </p:pic>
       <p:pic>
         <p:nvPicPr>
-          <p:cNvPr id="2" name="Picture 1">
-            <a:extLst>
-              <a:ext uri="{FF2B5EF4-FFF2-40B4-BE49-F238E27FC236}">
-                <a16:creationId xmlns:a16="http://schemas.microsoft.com/office/drawing/2014/main" id="{00623E71-0C8B-5F6F-6DC1-F984419BA4A3}"/>
+          <p:cNvPr id="7" name="Picture 6">
+            <a:extLst>
+              <a:ext uri="{FF2B5EF4-FFF2-40B4-BE49-F238E27FC236}">
+                <a16:creationId xmlns:a16="http://schemas.microsoft.com/office/drawing/2014/main" id="{170748F3-8DE6-A59B-16FB-A22C67190948}"/>
               </a:ext>
             </a:extLst>
           </p:cNvPr>
@@ -10863,8 +11056,8 @@
         </p:blipFill>
         <p:spPr>
           <a:xfrm>
-            <a:off x="5265064" y="476860"/>
-            <a:ext cx="1700784" cy="1700784"/>
+            <a:off x="845711" y="3457333"/>
+            <a:ext cx="5046008" cy="2606433"/>
           </a:xfrm>
           <a:prstGeom prst="rect">
             <a:avLst/>
@@ -10874,7 +11067,7 @@
     </p:spTree>
     <p:extLst>
       <p:ext uri="{BB962C8B-B14F-4D97-AF65-F5344CB8AC3E}">
-        <p14:creationId xmlns:p14="http://schemas.microsoft.com/office/powerpoint/2010/main" val="232568386"/>
+        <p14:creationId xmlns:p14="http://schemas.microsoft.com/office/powerpoint/2010/main" val="2836542940"/>
       </p:ext>
     </p:extLst>
   </p:cSld>
@@ -10896,7 +11089,7 @@
 </p:sld>
 </file>
 
-<file path=ppt/slides/slide25.xml><?xml version="1.0" encoding="utf-8"?>
+<file path=ppt/slides/slide26.xml><?xml version="1.0" encoding="utf-8"?>
 <p:sld xmlns:a="http://schemas.openxmlformats.org/drawingml/2006/main" xmlns:r="http://schemas.openxmlformats.org/officeDocument/2006/relationships" xmlns:p="http://schemas.openxmlformats.org/presentationml/2006/main">
   <p:cSld>
     <p:spTree>
@@ -10904,7 +11097,7 @@
         <p:cNvPr id="1" name="">
           <a:extLst>
             <a:ext uri="{FF2B5EF4-FFF2-40B4-BE49-F238E27FC236}">
-              <a16:creationId xmlns:a16="http://schemas.microsoft.com/office/drawing/2014/main" id="{B982D74E-AE33-694C-513A-567A6ACDEBAC}"/>
+              <a16:creationId xmlns:a16="http://schemas.microsoft.com/office/drawing/2014/main" id="{0B82A170-D67D-4251-1CCA-AC3023ECC622}"/>
             </a:ext>
           </a:extLst>
         </p:cNvPr>
@@ -10924,7 +11117,7 @@
           <p:cNvPr id="8" name="Picture 7" descr="A close up of a network&#10;&#10;AI-generated content may be incorrect.">
             <a:extLst>
               <a:ext uri="{FF2B5EF4-FFF2-40B4-BE49-F238E27FC236}">
-                <a16:creationId xmlns:a16="http://schemas.microsoft.com/office/drawing/2014/main" id="{E10F97F6-C8F2-05C5-F4FD-B7F7E02E799C}"/>
+                <a16:creationId xmlns:a16="http://schemas.microsoft.com/office/drawing/2014/main" id="{5DC9D015-0659-4F43-4A2B-E9A6E53F0E3E}"/>
               </a:ext>
             </a:extLst>
           </p:cNvPr>
@@ -10970,7 +11163,7 @@
           <p:cNvPr id="4" name="Oval 3">
             <a:extLst>
               <a:ext uri="{FF2B5EF4-FFF2-40B4-BE49-F238E27FC236}">
-                <a16:creationId xmlns:a16="http://schemas.microsoft.com/office/drawing/2014/main" id="{6A547016-3C0A-BB37-824A-5FD17795CDD0}"/>
+                <a16:creationId xmlns:a16="http://schemas.microsoft.com/office/drawing/2014/main" id="{329BAF7A-E661-D931-ADA7-C722360DF582}"/>
               </a:ext>
             </a:extLst>
           </p:cNvPr>
@@ -11055,7 +11248,7 @@
           <p:cNvPr id="5" name="TextBox 4">
             <a:extLst>
               <a:ext uri="{FF2B5EF4-FFF2-40B4-BE49-F238E27FC236}">
-                <a16:creationId xmlns:a16="http://schemas.microsoft.com/office/drawing/2014/main" id="{D0D20682-BFC1-9EA0-A63C-B2C24701FA2B}"/>
+                <a16:creationId xmlns:a16="http://schemas.microsoft.com/office/drawing/2014/main" id="{07E8F5CB-D3A4-6B6F-0AC6-1346F5101573}"/>
               </a:ext>
             </a:extLst>
           </p:cNvPr>
@@ -11161,7 +11354,7 @@
           <p:cNvPr id="6" name="TextBox 5">
             <a:extLst>
               <a:ext uri="{FF2B5EF4-FFF2-40B4-BE49-F238E27FC236}">
-                <a16:creationId xmlns:a16="http://schemas.microsoft.com/office/drawing/2014/main" id="{C28F5BCD-69E0-C706-425E-A5CAECEB3EFA}"/>
+                <a16:creationId xmlns:a16="http://schemas.microsoft.com/office/drawing/2014/main" id="{D214AADF-B564-E421-7771-51DBC2C452C8}"/>
               </a:ext>
             </a:extLst>
           </p:cNvPr>
@@ -11170,8 +11363,8 @@
         </p:nvSpPr>
         <p:spPr>
           <a:xfrm>
-            <a:off x="6593840" y="3287017"/>
-            <a:ext cx="5344160" cy="2545377"/>
+            <a:off x="6096000" y="3547712"/>
+            <a:ext cx="5606374" cy="2960875"/>
           </a:xfrm>
           <a:prstGeom prst="rect">
             <a:avLst/>
@@ -11184,13 +11377,32 @@
           </a:bodyPr>
           <a:lstStyle/>
           <a:p>
-            <a:pPr marL="285750" indent="-285750" algn="just">
+            <a:pPr algn="ctr">
+              <a:lnSpc>
+                <a:spcPct val="150000"/>
+              </a:lnSpc>
+            </a:pPr>
+            <a:r>
+              <a:rPr lang="en-US" dirty="0">
+                <a:solidFill>
+                  <a:schemeClr val="bg1"/>
+                </a:solidFill>
+              </a:rPr>
+              <a:t> Box plot:</a:t>
+            </a:r>
+            <a:endParaRPr lang="ar-OM" dirty="0">
+              <a:solidFill>
+                <a:schemeClr val="bg1"/>
+              </a:solidFill>
+            </a:endParaRPr>
+          </a:p>
+          <a:p>
+            <a:pPr marL="285750" indent="-285750">
               <a:lnSpc>
                 <a:spcPct val="150000"/>
               </a:lnSpc>
               <a:buFont typeface="Arial" panose="020B0604020202020204" pitchFamily="34" charset="0"/>
               <a:buChar char="•"/>
-              <a:defRPr/>
             </a:pPr>
             <a:r>
               <a:rPr lang="en-US" dirty="0">
@@ -11198,37 +11410,41 @@
                   <a:schemeClr val="bg1"/>
                 </a:solidFill>
               </a:rPr>
-              <a:t>The heatmap shows strong positive correlations between screen time variables and total usage,</a:t>
-            </a:r>
-            <a:br>
+              <a:t>The chart shows that males and females have similar screen time (around 80–90 minutes).</a:t>
+            </a:r>
+          </a:p>
+          <a:p>
+            <a:pPr marL="285750" indent="-285750">
+              <a:lnSpc>
+                <a:spcPct val="150000"/>
+              </a:lnSpc>
+              <a:buFont typeface="Arial" panose="020B0604020202020204" pitchFamily="34" charset="0"/>
+              <a:buChar char="•"/>
+            </a:pPr>
+            <a:r>
               <a:rPr lang="en-US" dirty="0">
                 <a:solidFill>
                   <a:schemeClr val="bg1"/>
                 </a:solidFill>
               </a:rPr>
-            </a:br>
+              <a:t>The “Other” group shows a wider range, meaning some spend much longer on screens.</a:t>
+            </a:r>
+          </a:p>
+          <a:p>
+            <a:pPr marL="285750" indent="-285750">
+              <a:lnSpc>
+                <a:spcPct val="150000"/>
+              </a:lnSpc>
+              <a:buFont typeface="Arial" panose="020B0604020202020204" pitchFamily="34" charset="0"/>
+              <a:buChar char="•"/>
+            </a:pPr>
             <a:r>
               <a:rPr lang="en-US" dirty="0">
                 <a:solidFill>
                   <a:schemeClr val="bg1"/>
                 </a:solidFill>
               </a:rPr>
-              <a:t>and negative correlations between sleep or physical activity and stress level</a:t>
-            </a:r>
-            <a:br>
-              <a:rPr lang="en-US" dirty="0">
-                <a:solidFill>
-                  <a:schemeClr val="bg1"/>
-                </a:solidFill>
-              </a:rPr>
-            </a:br>
-            <a:r>
-              <a:rPr lang="en-US" dirty="0">
-                <a:solidFill>
-                  <a:schemeClr val="bg1"/>
-                </a:solidFill>
-              </a:rPr>
-              <a:t>indicating that more screen time relates to higher stress, while more rest and activity reduce it.</a:t>
+              <a:t>Overall, there’s no big gender difference, but all groups include heavy users.</a:t>
             </a:r>
           </a:p>
         </p:txBody>
@@ -11238,7 +11454,7 @@
           <p:cNvPr id="2" name="Picture 1">
             <a:extLst>
               <a:ext uri="{FF2B5EF4-FFF2-40B4-BE49-F238E27FC236}">
-                <a16:creationId xmlns:a16="http://schemas.microsoft.com/office/drawing/2014/main" id="{2DE00926-AF76-2F0F-7BBD-D4B6E54BC81E}"/>
+                <a16:creationId xmlns:a16="http://schemas.microsoft.com/office/drawing/2014/main" id="{EE9EC86F-AF1A-E3CD-2E27-26B463AA52A2}"/>
               </a:ext>
             </a:extLst>
           </p:cNvPr>
@@ -11268,7 +11484,7 @@
           <p:cNvPr id="9" name="Picture 8">
             <a:extLst>
               <a:ext uri="{FF2B5EF4-FFF2-40B4-BE49-F238E27FC236}">
-                <a16:creationId xmlns:a16="http://schemas.microsoft.com/office/drawing/2014/main" id="{D70628F5-71AD-556D-3813-BCB396592769}"/>
+                <a16:creationId xmlns:a16="http://schemas.microsoft.com/office/drawing/2014/main" id="{074B7FDD-117A-5151-EB5D-E71E04BBC82D}"/>
               </a:ext>
             </a:extLst>
           </p:cNvPr>
@@ -11285,8 +11501,8 @@
         </p:blipFill>
         <p:spPr>
           <a:xfrm>
-            <a:off x="1121637" y="2921550"/>
-            <a:ext cx="4734414" cy="3741841"/>
+            <a:off x="602745" y="3104256"/>
+            <a:ext cx="5334462" cy="3276884"/>
           </a:xfrm>
           <a:prstGeom prst="rect">
             <a:avLst/>
@@ -11296,7 +11512,7 @@
     </p:spTree>
     <p:extLst>
       <p:ext uri="{BB962C8B-B14F-4D97-AF65-F5344CB8AC3E}">
-        <p14:creationId xmlns:p14="http://schemas.microsoft.com/office/powerpoint/2010/main" val="1627714256"/>
+        <p14:creationId xmlns:p14="http://schemas.microsoft.com/office/powerpoint/2010/main" val="682782303"/>
       </p:ext>
     </p:extLst>
   </p:cSld>
@@ -11318,7 +11534,7 @@
 </p:sld>
 </file>
 
-<file path=ppt/slides/slide26.xml><?xml version="1.0" encoding="utf-8"?>
+<file path=ppt/slides/slide27.xml><?xml version="1.0" encoding="utf-8"?>
 <p:sld xmlns:a="http://schemas.openxmlformats.org/drawingml/2006/main" xmlns:r="http://schemas.openxmlformats.org/officeDocument/2006/relationships" xmlns:p="http://schemas.openxmlformats.org/presentationml/2006/main">
   <p:cSld>
     <p:spTree>
@@ -11326,7 +11542,7 @@
         <p:cNvPr id="1" name="">
           <a:extLst>
             <a:ext uri="{FF2B5EF4-FFF2-40B4-BE49-F238E27FC236}">
-              <a16:creationId xmlns:a16="http://schemas.microsoft.com/office/drawing/2014/main" id="{6FCE7C54-82D1-E762-96D0-A64BCC6C7257}"/>
+              <a16:creationId xmlns:a16="http://schemas.microsoft.com/office/drawing/2014/main" id="{B4E3C019-2F9B-0E95-CDED-649B5A8F4FA3}"/>
             </a:ext>
           </a:extLst>
         </p:cNvPr>
@@ -11346,7 +11562,7 @@
           <p:cNvPr id="8" name="Picture 7" descr="A close up of a network&#10;&#10;AI-generated content may be incorrect.">
             <a:extLst>
               <a:ext uri="{FF2B5EF4-FFF2-40B4-BE49-F238E27FC236}">
-                <a16:creationId xmlns:a16="http://schemas.microsoft.com/office/drawing/2014/main" id="{868535A6-D3C9-50A4-D1B5-010D72438D9F}"/>
+                <a16:creationId xmlns:a16="http://schemas.microsoft.com/office/drawing/2014/main" id="{F476256C-E879-332D-E7A8-1DEF0CE6AD6F}"/>
               </a:ext>
             </a:extLst>
           </p:cNvPr>
@@ -11392,7 +11608,7 @@
           <p:cNvPr id="4" name="Oval 3">
             <a:extLst>
               <a:ext uri="{FF2B5EF4-FFF2-40B4-BE49-F238E27FC236}">
-                <a16:creationId xmlns:a16="http://schemas.microsoft.com/office/drawing/2014/main" id="{8063D96F-0726-8DCB-0318-516E5A22C208}"/>
+                <a16:creationId xmlns:a16="http://schemas.microsoft.com/office/drawing/2014/main" id="{B4A8F6C5-16DC-FCC0-D39F-4E721DF7FF9D}"/>
               </a:ext>
             </a:extLst>
           </p:cNvPr>
@@ -11477,7 +11693,7 @@
           <p:cNvPr id="5" name="TextBox 4">
             <a:extLst>
               <a:ext uri="{FF2B5EF4-FFF2-40B4-BE49-F238E27FC236}">
-                <a16:creationId xmlns:a16="http://schemas.microsoft.com/office/drawing/2014/main" id="{05DD3448-8B33-8E2E-A29E-5EFB8E58BD30}"/>
+                <a16:creationId xmlns:a16="http://schemas.microsoft.com/office/drawing/2014/main" id="{5052FF38-80DF-1C2D-FD41-93496FECE422}"/>
               </a:ext>
             </a:extLst>
           </p:cNvPr>
@@ -11583,7 +11799,7 @@
           <p:cNvPr id="6" name="TextBox 5">
             <a:extLst>
               <a:ext uri="{FF2B5EF4-FFF2-40B4-BE49-F238E27FC236}">
-                <a16:creationId xmlns:a16="http://schemas.microsoft.com/office/drawing/2014/main" id="{DD1181C0-A6F6-A6FC-BB41-290CEC938E6D}"/>
+                <a16:creationId xmlns:a16="http://schemas.microsoft.com/office/drawing/2014/main" id="{CCD08669-7B98-D061-EE9E-A761640A38E5}"/>
               </a:ext>
             </a:extLst>
           </p:cNvPr>
@@ -11592,8 +11808,8 @@
         </p:nvSpPr>
         <p:spPr>
           <a:xfrm>
-            <a:off x="5974080" y="3287017"/>
-            <a:ext cx="5963920" cy="3376374"/>
+            <a:off x="6593840" y="3287017"/>
+            <a:ext cx="5344160" cy="2960875"/>
           </a:xfrm>
           <a:prstGeom prst="rect">
             <a:avLst/>
@@ -11638,8 +11854,22 @@
                 <a:ea typeface="+mn-ea"/>
                 <a:cs typeface="+mn-cs"/>
               </a:rPr>
-              <a:t> Screen Time &amp; Stress: More screen time is linked to higher stress levels.</a:t>
-            </a:r>
+              <a:t>Balance: The distribution is largely balanced, with all percentages ranging from 23% to 27%. This suggests that the application market (in this data) is diverse and does not depend on a single type.</a:t>
+            </a:r>
+            <a:endParaRPr kumimoji="0" lang="ar-OM" sz="1800" b="0" i="0" u="none" strike="noStrike" kern="1200" cap="none" spc="0" normalizeH="0" baseline="0" noProof="0" dirty="0">
+              <a:ln>
+                <a:noFill/>
+              </a:ln>
+              <a:solidFill>
+                <a:prstClr val="white"/>
+              </a:solidFill>
+              <a:effectLst/>
+              <a:uLnTx/>
+              <a:uFillTx/>
+              <a:latin typeface="Aptos" panose="02110004020202020204"/>
+              <a:ea typeface="+mn-ea"/>
+              <a:cs typeface="+mn-cs"/>
+            </a:endParaRPr>
           </a:p>
           <a:p>
             <a:pPr marL="285750" marR="0" lvl="0" indent="-285750" algn="just" defTabSz="914400" rtl="0" eaLnBrk="1" fontAlgn="auto" latinLnBrk="0" hangingPunct="1">
@@ -11674,79 +11904,7 @@
                 <a:ea typeface="+mn-ea"/>
                 <a:cs typeface="+mn-cs"/>
               </a:rPr>
-              <a:t>Sleep &amp; Stress: Unexpectedly, more sleep sometimes appears with higher stress—may need deeper analysis.</a:t>
-            </a:r>
-          </a:p>
-          <a:p>
-            <a:pPr marL="285750" marR="0" lvl="0" indent="-285750" algn="just" defTabSz="914400" rtl="0" eaLnBrk="1" fontAlgn="auto" latinLnBrk="0" hangingPunct="1">
-              <a:lnSpc>
-                <a:spcPct val="150000"/>
-              </a:lnSpc>
-              <a:spcBef>
-                <a:spcPts val="0"/>
-              </a:spcBef>
-              <a:spcAft>
-                <a:spcPts val="0"/>
-              </a:spcAft>
-              <a:buClrTx/>
-              <a:buSzTx/>
-              <a:buFont typeface="Arial" panose="020B0604020202020204" pitchFamily="34" charset="0"/>
-              <a:buChar char="•"/>
-              <a:tabLst/>
-              <a:defRPr/>
-            </a:pPr>
-            <a:r>
-              <a:rPr kumimoji="0" lang="en-US" sz="1800" b="0" i="0" u="none" strike="noStrike" kern="1200" cap="none" spc="0" normalizeH="0" baseline="0" noProof="0" dirty="0">
-                <a:ln>
-                  <a:noFill/>
-                </a:ln>
-                <a:solidFill>
-                  <a:prstClr val="white"/>
-                </a:solidFill>
-                <a:effectLst/>
-                <a:uLnTx/>
-                <a:uFillTx/>
-                <a:latin typeface="Aptos" panose="02110004020202020204"/>
-                <a:ea typeface="+mn-ea"/>
-                <a:cs typeface="+mn-cs"/>
-              </a:rPr>
-              <a:t>Age &amp; Screen Time: Usage varies by age, with spikes in older groups—no clear trend.</a:t>
-            </a:r>
-          </a:p>
-          <a:p>
-            <a:pPr marL="285750" marR="0" lvl="0" indent="-285750" algn="just" defTabSz="914400" rtl="0" eaLnBrk="1" fontAlgn="auto" latinLnBrk="0" hangingPunct="1">
-              <a:lnSpc>
-                <a:spcPct val="150000"/>
-              </a:lnSpc>
-              <a:spcBef>
-                <a:spcPts val="0"/>
-              </a:spcBef>
-              <a:spcAft>
-                <a:spcPts val="0"/>
-              </a:spcAft>
-              <a:buClrTx/>
-              <a:buSzTx/>
-              <a:buFont typeface="Arial" panose="020B0604020202020204" pitchFamily="34" charset="0"/>
-              <a:buChar char="•"/>
-              <a:tabLst/>
-              <a:defRPr/>
-            </a:pPr>
-            <a:r>
-              <a:rPr kumimoji="0" lang="en-US" sz="1800" b="0" i="0" u="none" strike="noStrike" kern="1200" cap="none" spc="0" normalizeH="0" baseline="0" noProof="0" dirty="0">
-                <a:ln>
-                  <a:noFill/>
-                </a:ln>
-                <a:solidFill>
-                  <a:prstClr val="white"/>
-                </a:solidFill>
-                <a:effectLst/>
-                <a:uLnTx/>
-                <a:uFillTx/>
-                <a:latin typeface="Aptos" panose="02110004020202020204"/>
-                <a:ea typeface="+mn-ea"/>
-                <a:cs typeface="+mn-cs"/>
-              </a:rPr>
-              <a:t>Gender Distribution: Most users are male, followed by "Other" and then female—gender may influence results.</a:t>
+              <a:t>Equal attention: There seems to be a close demand from users for social media applications, entertainment, productivity and assistance.</a:t>
             </a:r>
           </a:p>
         </p:txBody>
@@ -11756,7 +11914,7 @@
           <p:cNvPr id="3" name="Picture 2">
             <a:extLst>
               <a:ext uri="{FF2B5EF4-FFF2-40B4-BE49-F238E27FC236}">
-                <a16:creationId xmlns:a16="http://schemas.microsoft.com/office/drawing/2014/main" id="{D15F5B25-FC0B-AB4E-E61D-D96FD1044BA2}"/>
+                <a16:creationId xmlns:a16="http://schemas.microsoft.com/office/drawing/2014/main" id="{30B51382-74A3-296A-5891-B73F470D518D}"/>
               </a:ext>
             </a:extLst>
           </p:cNvPr>
@@ -11773,12 +11931,36 @@
         </p:blipFill>
         <p:spPr>
           <a:xfrm>
-            <a:off x="790358" y="3004414"/>
-            <a:ext cx="5021162" cy="3461795"/>
-          </a:xfrm>
-          <a:prstGeom prst="rect">
-            <a:avLst/>
-          </a:prstGeom>
+            <a:off x="909764" y="3170367"/>
+            <a:ext cx="5442358" cy="3504753"/>
+          </a:xfrm>
+          <a:prstGeom prst="roundRect">
+            <a:avLst>
+              <a:gd name="adj" fmla="val 16667"/>
+            </a:avLst>
+          </a:prstGeom>
+          <a:ln>
+            <a:noFill/>
+          </a:ln>
+          <a:effectLst>
+            <a:outerShdw blurRad="76200" dist="38100" dir="7800000" algn="tl" rotWithShape="0">
+              <a:srgbClr val="000000">
+                <a:alpha val="40000"/>
+              </a:srgbClr>
+            </a:outerShdw>
+          </a:effectLst>
+          <a:scene3d>
+            <a:camera prst="orthographicFront"/>
+            <a:lightRig rig="contrasting" dir="t">
+              <a:rot lat="0" lon="0" rev="4200000"/>
+            </a:lightRig>
+          </a:scene3d>
+          <a:sp3d prstMaterial="plastic">
+            <a:bevelT w="381000" h="114300" prst="relaxedInset"/>
+            <a:contourClr>
+              <a:srgbClr val="969696"/>
+            </a:contourClr>
+          </a:sp3d>
         </p:spPr>
       </p:pic>
       <p:pic>
@@ -11786,7 +11968,7 @@
           <p:cNvPr id="2" name="Picture 1">
             <a:extLst>
               <a:ext uri="{FF2B5EF4-FFF2-40B4-BE49-F238E27FC236}">
-                <a16:creationId xmlns:a16="http://schemas.microsoft.com/office/drawing/2014/main" id="{76C0C999-49A1-135C-DB57-71C4079FFC83}"/>
+                <a16:creationId xmlns:a16="http://schemas.microsoft.com/office/drawing/2014/main" id="{987D50A3-5960-1490-045A-8EE3894AF52A}"/>
               </a:ext>
             </a:extLst>
           </p:cNvPr>
@@ -11814,7 +11996,7 @@
     </p:spTree>
     <p:extLst>
       <p:ext uri="{BB962C8B-B14F-4D97-AF65-F5344CB8AC3E}">
-        <p14:creationId xmlns:p14="http://schemas.microsoft.com/office/powerpoint/2010/main" val="1464116873"/>
+        <p14:creationId xmlns:p14="http://schemas.microsoft.com/office/powerpoint/2010/main" val="556756533"/>
       </p:ext>
     </p:extLst>
   </p:cSld>
@@ -11836,7 +12018,7 @@
 </p:sld>
 </file>
 
-<file path=ppt/slides/slide27.xml><?xml version="1.0" encoding="utf-8"?>
+<file path=ppt/slides/slide28.xml><?xml version="1.0" encoding="utf-8"?>
 <p:sld xmlns:a="http://schemas.openxmlformats.org/drawingml/2006/main" xmlns:r="http://schemas.openxmlformats.org/officeDocument/2006/relationships" xmlns:p="http://schemas.openxmlformats.org/presentationml/2006/main">
   <p:cSld>
     <p:spTree>
@@ -11844,7 +12026,7 @@
         <p:cNvPr id="1" name="">
           <a:extLst>
             <a:ext uri="{FF2B5EF4-FFF2-40B4-BE49-F238E27FC236}">
-              <a16:creationId xmlns:a16="http://schemas.microsoft.com/office/drawing/2014/main" id="{7E847AAE-97CF-FE28-185F-F29D1CF5B6E0}"/>
+              <a16:creationId xmlns:a16="http://schemas.microsoft.com/office/drawing/2014/main" id="{B982D74E-AE33-694C-513A-567A6ACDEBAC}"/>
             </a:ext>
           </a:extLst>
         </p:cNvPr>
@@ -11864,7 +12046,7 @@
           <p:cNvPr id="8" name="Picture 7" descr="A close up of a network&#10;&#10;AI-generated content may be incorrect.">
             <a:extLst>
               <a:ext uri="{FF2B5EF4-FFF2-40B4-BE49-F238E27FC236}">
-                <a16:creationId xmlns:a16="http://schemas.microsoft.com/office/drawing/2014/main" id="{022FAAA6-4035-1832-2F02-172E8642B944}"/>
+                <a16:creationId xmlns:a16="http://schemas.microsoft.com/office/drawing/2014/main" id="{E10F97F6-C8F2-05C5-F4FD-B7F7E02E799C}"/>
               </a:ext>
             </a:extLst>
           </p:cNvPr>
@@ -11910,7 +12092,7 @@
           <p:cNvPr id="4" name="Oval 3">
             <a:extLst>
               <a:ext uri="{FF2B5EF4-FFF2-40B4-BE49-F238E27FC236}">
-                <a16:creationId xmlns:a16="http://schemas.microsoft.com/office/drawing/2014/main" id="{8D65B2D0-FDFB-1CCA-B6C7-6FB8204D9D35}"/>
+                <a16:creationId xmlns:a16="http://schemas.microsoft.com/office/drawing/2014/main" id="{6A547016-3C0A-BB37-824A-5FD17795CDD0}"/>
               </a:ext>
             </a:extLst>
           </p:cNvPr>
@@ -11995,7 +12177,7 @@
           <p:cNvPr id="5" name="TextBox 4">
             <a:extLst>
               <a:ext uri="{FF2B5EF4-FFF2-40B4-BE49-F238E27FC236}">
-                <a16:creationId xmlns:a16="http://schemas.microsoft.com/office/drawing/2014/main" id="{8FEA1FF8-EA62-EBAC-C872-196FF94AC732}"/>
+                <a16:creationId xmlns:a16="http://schemas.microsoft.com/office/drawing/2014/main" id="{D0D20682-BFC1-9EA0-A63C-B2C24701FA2B}"/>
               </a:ext>
             </a:extLst>
           </p:cNvPr>
@@ -12101,7 +12283,7 @@
           <p:cNvPr id="6" name="TextBox 5">
             <a:extLst>
               <a:ext uri="{FF2B5EF4-FFF2-40B4-BE49-F238E27FC236}">
-                <a16:creationId xmlns:a16="http://schemas.microsoft.com/office/drawing/2014/main" id="{623C1858-92E3-F87C-C1DA-9037715946A7}"/>
+                <a16:creationId xmlns:a16="http://schemas.microsoft.com/office/drawing/2014/main" id="{C28F5BCD-69E0-C706-425E-A5CAECEB3EFA}"/>
               </a:ext>
             </a:extLst>
           </p:cNvPr>
@@ -12110,8 +12292,8 @@
         </p:nvSpPr>
         <p:spPr>
           <a:xfrm>
-            <a:off x="6611523" y="3191735"/>
-            <a:ext cx="5059680" cy="2545377"/>
+            <a:off x="6720303" y="3364839"/>
+            <a:ext cx="5497641" cy="3376374"/>
           </a:xfrm>
           <a:prstGeom prst="rect">
             <a:avLst/>
@@ -12124,165 +12306,226 @@
           </a:bodyPr>
           <a:lstStyle/>
           <a:p>
-            <a:pPr marL="285750" marR="0" lvl="0" indent="-285750" algn="just" defTabSz="914400" rtl="0" eaLnBrk="1" fontAlgn="auto" latinLnBrk="0" hangingPunct="1">
+            <a:pPr marL="285750" indent="-285750">
               <a:lnSpc>
                 <a:spcPct val="150000"/>
               </a:lnSpc>
-              <a:spcBef>
-                <a:spcPts val="0"/>
-              </a:spcBef>
-              <a:spcAft>
-                <a:spcPts val="0"/>
-              </a:spcAft>
-              <a:buClrTx/>
-              <a:buSzTx/>
               <a:buFont typeface="Arial" panose="020B0604020202020204" pitchFamily="34" charset="0"/>
               <a:buChar char="•"/>
-              <a:tabLst/>
               <a:defRPr/>
             </a:pPr>
             <a:r>
-              <a:rPr kumimoji="0" lang="en-US" sz="1800" b="0" i="0" u="none" strike="noStrike" kern="1200" cap="none" spc="0" normalizeH="0" baseline="0" noProof="0" dirty="0">
-                <a:ln>
-                  <a:noFill/>
-                </a:ln>
-                <a:solidFill>
-                  <a:prstClr val="white"/>
-                </a:solidFill>
-                <a:effectLst/>
-                <a:uLnTx/>
-                <a:uFillTx/>
-                <a:latin typeface="Aptos" panose="02110004020202020204"/>
-                <a:ea typeface="+mn-ea"/>
-                <a:cs typeface="+mn-cs"/>
+              <a:rPr lang="en-US" dirty="0">
+                <a:solidFill>
+                  <a:schemeClr val="bg1"/>
+                </a:solidFill>
               </a:rPr>
-              <a:t>Males show the highest app usage, especially on YouTube.</a:t>
-            </a:r>
-            <a:endParaRPr kumimoji="0" lang="ar-OM" sz="1800" b="0" i="0" u="none" strike="noStrike" kern="1200" cap="none" spc="0" normalizeH="0" baseline="0" noProof="0" dirty="0">
-              <a:ln>
-                <a:noFill/>
-              </a:ln>
+              <a:t>The chart shows which apps are used productively or not.</a:t>
+            </a:r>
+            <a:br>
+              <a:rPr lang="en-US" dirty="0">
+                <a:solidFill>
+                  <a:schemeClr val="bg1"/>
+                </a:solidFill>
+              </a:rPr>
+            </a:br>
+            <a:r>
+              <a:rPr lang="en-US" dirty="0">
+                <a:solidFill>
+                  <a:schemeClr val="bg1"/>
+                </a:solidFill>
+              </a:rPr>
+              <a:t>Blue bars mean </a:t>
+            </a:r>
+            <a:r>
+              <a:rPr lang="en-US" i="1" dirty="0">
+                <a:solidFill>
+                  <a:schemeClr val="bg1"/>
+                </a:solidFill>
+              </a:rPr>
+              <a:t>productive use</a:t>
+            </a:r>
+            <a:r>
+              <a:rPr lang="en-US" dirty="0">
+                <a:solidFill>
+                  <a:schemeClr val="bg1"/>
+                </a:solidFill>
+              </a:rPr>
+              <a:t> (for work or study).</a:t>
+            </a:r>
+            <a:endParaRPr lang="ar-OM" dirty="0">
               <a:solidFill>
-                <a:prstClr val="white"/>
+                <a:schemeClr val="bg1"/>
               </a:solidFill>
-              <a:effectLst/>
-              <a:uLnTx/>
-              <a:uFillTx/>
-              <a:latin typeface="Aptos" panose="02110004020202020204"/>
-              <a:ea typeface="+mn-ea"/>
-              <a:cs typeface="+mn-cs"/>
             </a:endParaRPr>
           </a:p>
           <a:p>
-            <a:pPr marL="285750" marR="0" lvl="0" indent="-285750" algn="just" defTabSz="914400" rtl="0" eaLnBrk="1" fontAlgn="auto" latinLnBrk="0" hangingPunct="1">
+            <a:pPr marL="285750" indent="-285750">
               <a:lnSpc>
                 <a:spcPct val="150000"/>
               </a:lnSpc>
-              <a:spcBef>
-                <a:spcPts val="0"/>
-              </a:spcBef>
-              <a:spcAft>
-                <a:spcPts val="0"/>
-              </a:spcAft>
-              <a:buClrTx/>
-              <a:buSzTx/>
               <a:buFont typeface="Arial" panose="020B0604020202020204" pitchFamily="34" charset="0"/>
               <a:buChar char="•"/>
-              <a:tabLst/>
               <a:defRPr/>
             </a:pPr>
             <a:r>
-              <a:rPr kumimoji="0" lang="en-US" sz="1800" b="0" i="0" u="none" strike="noStrike" kern="1200" cap="none" spc="0" normalizeH="0" baseline="0" noProof="0" dirty="0">
-                <a:ln>
-                  <a:noFill/>
-                </a:ln>
-                <a:solidFill>
-                  <a:prstClr val="white"/>
-                </a:solidFill>
-                <a:effectLst/>
-                <a:uLnTx/>
-                <a:uFillTx/>
-                <a:latin typeface="Aptos" panose="02110004020202020204"/>
-                <a:ea typeface="+mn-ea"/>
-                <a:cs typeface="+mn-cs"/>
+              <a:rPr lang="en-US" dirty="0">
+                <a:solidFill>
+                  <a:schemeClr val="bg1"/>
+                </a:solidFill>
               </a:rPr>
-              <a:t>Females have lower usage overall but are more active on WhatsApp</a:t>
-            </a:r>
-            <a:r>
-              <a:rPr lang="ar-OM" dirty="0">
-                <a:solidFill>
-                  <a:prstClr val="white"/>
-                </a:solidFill>
-                <a:latin typeface="Aptos" panose="02110004020202020204"/>
+              <a:t>Red bars mean </a:t>
+            </a:r>
+            <a:r>
+              <a:rPr lang="en-US" i="1" dirty="0">
+                <a:solidFill>
+                  <a:schemeClr val="bg1"/>
+                </a:solidFill>
               </a:rPr>
-              <a:t>.</a:t>
-            </a:r>
-            <a:endParaRPr kumimoji="0" lang="ar-OM" sz="1800" b="0" i="0" u="none" strike="noStrike" kern="1200" cap="none" spc="0" normalizeH="0" baseline="0" noProof="0" dirty="0">
-              <a:ln>
-                <a:noFill/>
-              </a:ln>
+              <a:t>non-productive use</a:t>
+            </a:r>
+            <a:r>
+              <a:rPr lang="en-US" dirty="0">
+                <a:solidFill>
+                  <a:schemeClr val="bg1"/>
+                </a:solidFill>
+              </a:rPr>
+              <a:t> (entertainment or social).</a:t>
+            </a:r>
+            <a:endParaRPr lang="ar-OM" dirty="0">
               <a:solidFill>
-                <a:prstClr val="white"/>
+                <a:schemeClr val="bg1"/>
               </a:solidFill>
-              <a:effectLst/>
-              <a:uLnTx/>
-              <a:uFillTx/>
-              <a:latin typeface="Aptos" panose="02110004020202020204"/>
-              <a:ea typeface="+mn-ea"/>
-              <a:cs typeface="+mn-cs"/>
             </a:endParaRPr>
           </a:p>
           <a:p>
-            <a:pPr marL="285750" marR="0" lvl="0" indent="-285750" algn="just" defTabSz="914400" rtl="0" eaLnBrk="1" fontAlgn="auto" latinLnBrk="0" hangingPunct="1">
+            <a:pPr marL="285750" indent="-285750">
               <a:lnSpc>
                 <a:spcPct val="150000"/>
               </a:lnSpc>
-              <a:spcBef>
-                <a:spcPts val="0"/>
-              </a:spcBef>
-              <a:spcAft>
-                <a:spcPts val="0"/>
-              </a:spcAft>
-              <a:buClrTx/>
-              <a:buSzTx/>
               <a:buFont typeface="Arial" panose="020B0604020202020204" pitchFamily="34" charset="0"/>
               <a:buChar char="•"/>
-              <a:tabLst/>
               <a:defRPr/>
             </a:pPr>
             <a:r>
-              <a:rPr kumimoji="0" lang="ar-OM" sz="1800" b="0" i="0" u="none" strike="noStrike" kern="1200" cap="none" spc="0" normalizeH="0" baseline="0" noProof="0" dirty="0">
-                <a:ln>
-                  <a:noFill/>
-                </a:ln>
-                <a:solidFill>
-                  <a:prstClr val="white"/>
-                </a:solidFill>
-                <a:effectLst/>
-                <a:uLnTx/>
-                <a:uFillTx/>
-                <a:latin typeface="Aptos" panose="02110004020202020204"/>
-                <a:ea typeface="+mn-ea"/>
-                <a:cs typeface="+mn-cs"/>
+              <a:rPr lang="en-US" dirty="0">
+                <a:solidFill>
+                  <a:schemeClr val="bg1"/>
+                </a:solidFill>
+              </a:rPr>
+              <a:t>Apps like </a:t>
+            </a:r>
+            <a:r>
+              <a:rPr lang="en-US" b="1" dirty="0">
+                <a:solidFill>
+                  <a:schemeClr val="bg1"/>
+                </a:solidFill>
+              </a:rPr>
+              <a:t>Google Docs</a:t>
+            </a:r>
+            <a:r>
+              <a:rPr lang="en-US" dirty="0">
+                <a:solidFill>
+                  <a:schemeClr val="bg1"/>
+                </a:solidFill>
+              </a:rPr>
+              <a:t>, </a:t>
+            </a:r>
+            <a:r>
+              <a:rPr lang="en-US" b="1" dirty="0">
+                <a:solidFill>
+                  <a:schemeClr val="bg1"/>
+                </a:solidFill>
+              </a:rPr>
+              <a:t>Teams</a:t>
+            </a:r>
+            <a:r>
+              <a:rPr lang="en-US" dirty="0">
+                <a:solidFill>
+                  <a:schemeClr val="bg1"/>
+                </a:solidFill>
+              </a:rPr>
+              <a:t>, and </a:t>
+            </a:r>
+            <a:r>
+              <a:rPr lang="en-US" b="1" dirty="0">
+                <a:solidFill>
+                  <a:schemeClr val="bg1"/>
+                </a:solidFill>
+              </a:rPr>
+              <a:t>Slack</a:t>
+            </a:r>
+            <a:r>
+              <a:rPr lang="en-US" dirty="0">
+                <a:solidFill>
+                  <a:schemeClr val="bg1"/>
+                </a:solidFill>
+              </a:rPr>
+              <a:t> are mostly </a:t>
+            </a:r>
+            <a:r>
+              <a:rPr lang="en-US" dirty="0" err="1">
+                <a:solidFill>
+                  <a:schemeClr val="bg1"/>
+                </a:solidFill>
+              </a:rPr>
+              <a:t>productive,while</a:t>
+            </a:r>
+            <a:r>
+              <a:rPr lang="en-US" dirty="0">
+                <a:solidFill>
+                  <a:schemeClr val="bg1"/>
+                </a:solidFill>
               </a:rPr>
               <a:t> </a:t>
             </a:r>
             <a:r>
-              <a:rPr kumimoji="0" lang="en-US" sz="1800" b="0" i="0" u="none" strike="noStrike" kern="1200" cap="none" spc="0" normalizeH="0" baseline="0" noProof="0" dirty="0">
-                <a:ln>
-                  <a:noFill/>
-                </a:ln>
-                <a:solidFill>
-                  <a:prstClr val="white"/>
-                </a:solidFill>
-                <a:effectLst/>
-                <a:uLnTx/>
-                <a:uFillTx/>
-                <a:latin typeface="Aptos" panose="02110004020202020204"/>
-                <a:ea typeface="+mn-ea"/>
-                <a:cs typeface="+mn-cs"/>
+              <a:rPr lang="en-US" b="1" dirty="0">
+                <a:solidFill>
+                  <a:schemeClr val="bg1"/>
+                </a:solidFill>
               </a:rPr>
-              <a:t>Other users show moderate and balanced usage across all apps.</a:t>
+              <a:t>YouTube</a:t>
+            </a:r>
+            <a:r>
+              <a:rPr lang="en-US" dirty="0">
+                <a:solidFill>
+                  <a:schemeClr val="bg1"/>
+                </a:solidFill>
+              </a:rPr>
+              <a:t>, </a:t>
+            </a:r>
+            <a:r>
+              <a:rPr lang="en-US" b="1" dirty="0">
+                <a:solidFill>
+                  <a:schemeClr val="bg1"/>
+                </a:solidFill>
+              </a:rPr>
+              <a:t>TikTok</a:t>
+            </a:r>
+            <a:r>
+              <a:rPr lang="en-US" dirty="0">
+                <a:solidFill>
+                  <a:schemeClr val="bg1"/>
+                </a:solidFill>
+              </a:rPr>
+              <a:t>, and </a:t>
+            </a:r>
+            <a:r>
+              <a:rPr lang="en-US" b="1" dirty="0">
+                <a:solidFill>
+                  <a:schemeClr val="bg1"/>
+                </a:solidFill>
+              </a:rPr>
+              <a:t>Spotify</a:t>
+            </a:r>
+            <a:r>
+              <a:rPr lang="en-US" dirty="0">
+                <a:solidFill>
+                  <a:schemeClr val="bg1"/>
+                </a:solidFill>
+              </a:rPr>
+              <a:t> are mainly non-productive.</a:t>
             </a:r>
           </a:p>
         </p:txBody>
@@ -12292,7 +12535,7 @@
           <p:cNvPr id="2" name="Picture 1">
             <a:extLst>
               <a:ext uri="{FF2B5EF4-FFF2-40B4-BE49-F238E27FC236}">
-                <a16:creationId xmlns:a16="http://schemas.microsoft.com/office/drawing/2014/main" id="{E689BF68-C8C1-7A48-4F8D-F0A5C7EC80D0}"/>
+                <a16:creationId xmlns:a16="http://schemas.microsoft.com/office/drawing/2014/main" id="{2DE00926-AF76-2F0F-7BBD-D4B6E54BC81E}"/>
               </a:ext>
             </a:extLst>
           </p:cNvPr>
@@ -12319,10 +12562,10 @@
       </p:pic>
       <p:pic>
         <p:nvPicPr>
-          <p:cNvPr id="9" name="Picture 8">
-            <a:extLst>
-              <a:ext uri="{FF2B5EF4-FFF2-40B4-BE49-F238E27FC236}">
-                <a16:creationId xmlns:a16="http://schemas.microsoft.com/office/drawing/2014/main" id="{9DC32954-0D3A-C507-9286-6DF4CA618CB3}"/>
+          <p:cNvPr id="11" name="Picture 10">
+            <a:extLst>
+              <a:ext uri="{FF2B5EF4-FFF2-40B4-BE49-F238E27FC236}">
+                <a16:creationId xmlns:a16="http://schemas.microsoft.com/office/drawing/2014/main" id="{AE05C6A1-A1D5-A2DC-A28B-211FCC3963D7}"/>
               </a:ext>
             </a:extLst>
           </p:cNvPr>
@@ -12339,8 +12582,8 @@
         </p:blipFill>
         <p:spPr>
           <a:xfrm>
-            <a:off x="842379" y="3191735"/>
-            <a:ext cx="5248348" cy="2841508"/>
+            <a:off x="303580" y="3306424"/>
+            <a:ext cx="6416723" cy="3128359"/>
           </a:xfrm>
           <a:prstGeom prst="rect">
             <a:avLst/>
@@ -12350,7 +12593,7 @@
     </p:spTree>
     <p:extLst>
       <p:ext uri="{BB962C8B-B14F-4D97-AF65-F5344CB8AC3E}">
-        <p14:creationId xmlns:p14="http://schemas.microsoft.com/office/powerpoint/2010/main" val="3968279188"/>
+        <p14:creationId xmlns:p14="http://schemas.microsoft.com/office/powerpoint/2010/main" val="1627714256"/>
       </p:ext>
     </p:extLst>
   </p:cSld>
@@ -12372,7 +12615,7 @@
 </p:sld>
 </file>
 
-<file path=ppt/slides/slide28.xml><?xml version="1.0" encoding="utf-8"?>
+<file path=ppt/slides/slide29.xml><?xml version="1.0" encoding="utf-8"?>
 <p:sld xmlns:a="http://schemas.openxmlformats.org/drawingml/2006/main" xmlns:r="http://schemas.openxmlformats.org/officeDocument/2006/relationships" xmlns:p="http://schemas.openxmlformats.org/presentationml/2006/main">
   <p:cSld>
     <p:spTree>
@@ -12380,7 +12623,7 @@
         <p:cNvPr id="1" name="">
           <a:extLst>
             <a:ext uri="{FF2B5EF4-FFF2-40B4-BE49-F238E27FC236}">
-              <a16:creationId xmlns:a16="http://schemas.microsoft.com/office/drawing/2014/main" id="{9CBB9263-025E-4498-E269-7282F20D5B4A}"/>
+              <a16:creationId xmlns:a16="http://schemas.microsoft.com/office/drawing/2014/main" id="{5F25715C-33D3-877F-944A-D09652E30A4C}"/>
             </a:ext>
           </a:extLst>
         </p:cNvPr>
@@ -12400,7 +12643,7 @@
           <p:cNvPr id="8" name="Picture 7" descr="A close up of a network&#10;&#10;AI-generated content may be incorrect.">
             <a:extLst>
               <a:ext uri="{FF2B5EF4-FFF2-40B4-BE49-F238E27FC236}">
-                <a16:creationId xmlns:a16="http://schemas.microsoft.com/office/drawing/2014/main" id="{FEF14F2A-D499-B335-4342-B33E8EA86BD0}"/>
+                <a16:creationId xmlns:a16="http://schemas.microsoft.com/office/drawing/2014/main" id="{806D10A4-B844-8C72-8AE5-2981914D559C}"/>
               </a:ext>
             </a:extLst>
           </p:cNvPr>
@@ -12446,7 +12689,7 @@
           <p:cNvPr id="4" name="Oval 3">
             <a:extLst>
               <a:ext uri="{FF2B5EF4-FFF2-40B4-BE49-F238E27FC236}">
-                <a16:creationId xmlns:a16="http://schemas.microsoft.com/office/drawing/2014/main" id="{A1261796-5942-5546-5F7F-871DEB9B6690}"/>
+                <a16:creationId xmlns:a16="http://schemas.microsoft.com/office/drawing/2014/main" id="{B6B10246-6162-8B8F-B18F-2EDF47FC80EE}"/>
               </a:ext>
             </a:extLst>
           </p:cNvPr>
@@ -12531,7 +12774,7 @@
           <p:cNvPr id="5" name="TextBox 4">
             <a:extLst>
               <a:ext uri="{FF2B5EF4-FFF2-40B4-BE49-F238E27FC236}">
-                <a16:creationId xmlns:a16="http://schemas.microsoft.com/office/drawing/2014/main" id="{7F37247C-D56A-D02B-3C28-D384C9479FB0}"/>
+                <a16:creationId xmlns:a16="http://schemas.microsoft.com/office/drawing/2014/main" id="{A9BAFE52-22CB-03D1-B7B6-F49768454BEE}"/>
               </a:ext>
             </a:extLst>
           </p:cNvPr>
@@ -12637,7 +12880,7 @@
           <p:cNvPr id="6" name="TextBox 5">
             <a:extLst>
               <a:ext uri="{FF2B5EF4-FFF2-40B4-BE49-F238E27FC236}">
-                <a16:creationId xmlns:a16="http://schemas.microsoft.com/office/drawing/2014/main" id="{A028520D-BCE1-9762-65CF-DB2FEA2988CB}"/>
+                <a16:creationId xmlns:a16="http://schemas.microsoft.com/office/drawing/2014/main" id="{DFFFCC8D-953D-1250-D8BD-DA51DDF33A3B}"/>
               </a:ext>
             </a:extLst>
           </p:cNvPr>
@@ -12646,8 +12889,8 @@
         </p:nvSpPr>
         <p:spPr>
           <a:xfrm>
-            <a:off x="6572460" y="3748852"/>
-            <a:ext cx="5059680" cy="923330"/>
+            <a:off x="6720304" y="3364839"/>
+            <a:ext cx="5089076" cy="2862322"/>
           </a:xfrm>
           <a:prstGeom prst="rect">
             <a:avLst/>
@@ -12660,29 +12903,112 @@
           </a:bodyPr>
           <a:lstStyle/>
           <a:p>
+            <a:pPr algn="ctr"/>
             <a:r>
               <a:rPr lang="en-US" dirty="0">
                 <a:solidFill>
                   <a:schemeClr val="bg1"/>
                 </a:solidFill>
               </a:rPr>
-              <a:t>Creates a </a:t>
-            </a:r>
-            <a:r>
-              <a:rPr lang="en-US" b="1" dirty="0" err="1">
+              <a:t>Histogram</a:t>
+            </a:r>
+            <a:r>
+              <a:rPr lang="ar-OM" dirty="0">
                 <a:solidFill>
                   <a:schemeClr val="bg1"/>
                 </a:solidFill>
               </a:rPr>
-              <a:t>digital_wellbeing_index</a:t>
-            </a:r>
-            <a:r>
+              <a:t>:</a:t>
+            </a:r>
+            <a:br>
               <a:rPr lang="en-US" dirty="0">
                 <a:solidFill>
                   <a:schemeClr val="bg1"/>
                 </a:solidFill>
               </a:rPr>
-              <a:t> column that measures user balance between sleep, stress, and social media usage.</a:t>
+            </a:br>
+            <a:endParaRPr lang="en-US" dirty="0">
+              <a:solidFill>
+                <a:schemeClr val="bg1"/>
+              </a:solidFill>
+            </a:endParaRPr>
+          </a:p>
+          <a:p>
+            <a:pPr marL="285750" indent="-285750">
+              <a:buFont typeface="Arial" panose="020B0604020202020204" pitchFamily="34" charset="0"/>
+              <a:buChar char="•"/>
+            </a:pPr>
+            <a:r>
+              <a:rPr lang="en-US" dirty="0">
+                <a:solidFill>
+                  <a:schemeClr val="bg1"/>
+                </a:solidFill>
+              </a:rPr>
+              <a:t>Younger people (&lt;30) are generally more physically active.</a:t>
+            </a:r>
+            <a:endParaRPr lang="ar-OM" dirty="0">
+              <a:solidFill>
+                <a:schemeClr val="bg1"/>
+              </a:solidFill>
+            </a:endParaRPr>
+          </a:p>
+          <a:p>
+            <a:pPr marL="285750" indent="-285750">
+              <a:buFont typeface="Arial" panose="020B0604020202020204" pitchFamily="34" charset="0"/>
+              <a:buChar char="•"/>
+            </a:pPr>
+            <a:r>
+              <a:rPr lang="en-US" dirty="0">
+                <a:solidFill>
+                  <a:schemeClr val="bg1"/>
+                </a:solidFill>
+              </a:rPr>
+              <a:t>Middle-aged adults (30–49) show lower activity levels.</a:t>
+            </a:r>
+            <a:endParaRPr lang="ar-OM" dirty="0">
+              <a:solidFill>
+                <a:schemeClr val="bg1"/>
+              </a:solidFill>
+            </a:endParaRPr>
+          </a:p>
+          <a:p>
+            <a:pPr marL="285750" indent="-285750">
+              <a:buFont typeface="Arial" panose="020B0604020202020204" pitchFamily="34" charset="0"/>
+              <a:buChar char="•"/>
+            </a:pPr>
+            <a:r>
+              <a:rPr lang="en-US" dirty="0">
+                <a:solidFill>
+                  <a:schemeClr val="bg1"/>
+                </a:solidFill>
+              </a:rPr>
+              <a:t>Older adults (50+) have mixed activity patterns.</a:t>
+            </a:r>
+            <a:endParaRPr lang="ar-OM" dirty="0">
+              <a:solidFill>
+                <a:schemeClr val="bg1"/>
+              </a:solidFill>
+            </a:endParaRPr>
+          </a:p>
+          <a:p>
+            <a:pPr marL="285750" indent="-285750">
+              <a:buFont typeface="Arial" panose="020B0604020202020204" pitchFamily="34" charset="0"/>
+              <a:buChar char="•"/>
+            </a:pPr>
+            <a:endParaRPr lang="en-US" dirty="0">
+              <a:solidFill>
+                <a:schemeClr val="bg1"/>
+              </a:solidFill>
+            </a:endParaRPr>
+          </a:p>
+          <a:p>
+            <a:r>
+              <a:rPr lang="en-US" dirty="0">
+                <a:solidFill>
+                  <a:schemeClr val="bg1"/>
+                </a:solidFill>
+              </a:rPr>
+              <a:t>This shows that physical activity decreases with age for most people.</a:t>
             </a:r>
           </a:p>
         </p:txBody>
@@ -12692,7 +13018,7 @@
           <p:cNvPr id="2" name="Picture 1">
             <a:extLst>
               <a:ext uri="{FF2B5EF4-FFF2-40B4-BE49-F238E27FC236}">
-                <a16:creationId xmlns:a16="http://schemas.microsoft.com/office/drawing/2014/main" id="{9F427088-FD4D-B48B-C842-F941A37CEDA9}"/>
+                <a16:creationId xmlns:a16="http://schemas.microsoft.com/office/drawing/2014/main" id="{68346741-5434-6084-EEB2-ACD0CBDC4491}"/>
               </a:ext>
             </a:extLst>
           </p:cNvPr>
@@ -12722,7 +13048,7 @@
           <p:cNvPr id="7" name="Picture 6">
             <a:extLst>
               <a:ext uri="{FF2B5EF4-FFF2-40B4-BE49-F238E27FC236}">
-                <a16:creationId xmlns:a16="http://schemas.microsoft.com/office/drawing/2014/main" id="{BD68D5CC-F71F-C635-19FC-843F8077923F}"/>
+                <a16:creationId xmlns:a16="http://schemas.microsoft.com/office/drawing/2014/main" id="{69B5D2B8-56AE-9309-CDE5-BD2BA9D80574}"/>
               </a:ext>
             </a:extLst>
           </p:cNvPr>
@@ -12739,8 +13065,8 @@
         </p:blipFill>
         <p:spPr>
           <a:xfrm>
-            <a:off x="272374" y="3191735"/>
-            <a:ext cx="5740226" cy="2982262"/>
+            <a:off x="536620" y="3117480"/>
+            <a:ext cx="5971183" cy="3623733"/>
           </a:xfrm>
           <a:prstGeom prst="rect">
             <a:avLst/>
@@ -12750,422 +13076,7 @@
     </p:spTree>
     <p:extLst>
       <p:ext uri="{BB962C8B-B14F-4D97-AF65-F5344CB8AC3E}">
-        <p14:creationId xmlns:p14="http://schemas.microsoft.com/office/powerpoint/2010/main" val="2569336075"/>
-      </p:ext>
-    </p:extLst>
-  </p:cSld>
-  <p:clrMapOvr>
-    <a:masterClrMapping/>
-  </p:clrMapOvr>
-  <mc:AlternateContent xmlns:mc="http://schemas.openxmlformats.org/markup-compatibility/2006" xmlns:p159="http://schemas.microsoft.com/office/powerpoint/2015/09/main">
-    <mc:Choice Requires="p159">
-      <p:transition spd="slow">
-        <p159:morph option="byObject"/>
-      </p:transition>
-    </mc:Choice>
-    <mc:Fallback xmlns="">
-      <p:transition spd="slow">
-        <p:fade/>
-      </p:transition>
-    </mc:Fallback>
-  </mc:AlternateContent>
-</p:sld>
-</file>
-
-<file path=ppt/slides/slide29.xml><?xml version="1.0" encoding="utf-8"?>
-<p:sld xmlns:a="http://schemas.openxmlformats.org/drawingml/2006/main" xmlns:r="http://schemas.openxmlformats.org/officeDocument/2006/relationships" xmlns:p="http://schemas.openxmlformats.org/presentationml/2006/main">
-  <p:cSld>
-    <p:spTree>
-      <p:nvGrpSpPr>
-        <p:cNvPr id="1" name="">
-          <a:extLst>
-            <a:ext uri="{FF2B5EF4-FFF2-40B4-BE49-F238E27FC236}">
-              <a16:creationId xmlns:a16="http://schemas.microsoft.com/office/drawing/2014/main" id="{657DAB33-3F3C-3296-1FFA-BDC8B8DAE5EC}"/>
-            </a:ext>
-          </a:extLst>
-        </p:cNvPr>
-        <p:cNvGrpSpPr/>
-        <p:nvPr/>
-      </p:nvGrpSpPr>
-      <p:grpSpPr>
-        <a:xfrm>
-          <a:off x="0" y="0"/>
-          <a:ext cx="0" cy="0"/>
-          <a:chOff x="0" y="0"/>
-          <a:chExt cx="0" cy="0"/>
-        </a:xfrm>
-      </p:grpSpPr>
-      <p:pic>
-        <p:nvPicPr>
-          <p:cNvPr id="8" name="Picture 7" descr="A close up of a network&#10;&#10;AI-generated content may be incorrect.">
-            <a:extLst>
-              <a:ext uri="{FF2B5EF4-FFF2-40B4-BE49-F238E27FC236}">
-                <a16:creationId xmlns:a16="http://schemas.microsoft.com/office/drawing/2014/main" id="{08839E58-6178-AA57-44DC-19E9A6AD5067}"/>
-              </a:ext>
-            </a:extLst>
-          </p:cNvPr>
-          <p:cNvPicPr>
-            <a:picLocks noChangeAspect="1"/>
-          </p:cNvPicPr>
-          <p:nvPr/>
-        </p:nvPicPr>
-        <p:blipFill rotWithShape="1">
-          <a:blip r:embed="rId2">
-            <a:extLst>
-              <a:ext uri="{BEBA8EAE-BF5A-486C-A8C5-ECC9F3942E4B}">
-                <a14:imgProps xmlns:a14="http://schemas.microsoft.com/office/drawing/2010/main">
-                  <a14:imgLayer r:embed="rId3">
-                    <a14:imgEffect>
-                      <a14:brightnessContrast bright="-50000"/>
-                    </a14:imgEffect>
-                  </a14:imgLayer>
-                </a14:imgProps>
-              </a:ext>
-              <a:ext uri="{28A0092B-C50C-407E-A947-70E740481C1C}">
-                <a14:useLocalDpi xmlns:a14="http://schemas.microsoft.com/office/drawing/2010/main" val="0"/>
-              </a:ext>
-            </a:extLst>
-          </a:blip>
-          <a:srcRect l="18" r="18"/>
-          <a:stretch>
-            <a:fillRect/>
-          </a:stretch>
-        </p:blipFill>
-        <p:spPr>
-          <a:xfrm>
-            <a:off x="0" y="0"/>
-            <a:ext cx="12192000" cy="6858000"/>
-          </a:xfrm>
-          <a:prstGeom prst="rect">
-            <a:avLst/>
-          </a:prstGeom>
-        </p:spPr>
-      </p:pic>
-      <p:sp>
-        <p:nvSpPr>
-          <p:cNvPr id="4" name="Oval 3">
-            <a:extLst>
-              <a:ext uri="{FF2B5EF4-FFF2-40B4-BE49-F238E27FC236}">
-                <a16:creationId xmlns:a16="http://schemas.microsoft.com/office/drawing/2014/main" id="{4B07DBFC-CD96-87F2-9909-618196DB3E7B}"/>
-              </a:ext>
-            </a:extLst>
-          </p:cNvPr>
-          <p:cNvSpPr/>
-          <p:nvPr/>
-        </p:nvSpPr>
-        <p:spPr>
-          <a:xfrm>
-            <a:off x="-1859666" y="-3003630"/>
-            <a:ext cx="15911332" cy="12865260"/>
-          </a:xfrm>
-          <a:prstGeom prst="ellipse">
-            <a:avLst/>
-          </a:prstGeom>
-          <a:solidFill>
-            <a:srgbClr val="10425A">
-              <a:alpha val="40000"/>
-            </a:srgbClr>
-          </a:solidFill>
-          <a:ln w="127000">
-            <a:solidFill>
-              <a:schemeClr val="bg1"/>
-            </a:solidFill>
-          </a:ln>
-        </p:spPr>
-        <p:style>
-          <a:lnRef idx="2">
-            <a:schemeClr val="accent1">
-              <a:shade val="15000"/>
-            </a:schemeClr>
-          </a:lnRef>
-          <a:fillRef idx="1">
-            <a:schemeClr val="accent1"/>
-          </a:fillRef>
-          <a:effectRef idx="0">
-            <a:schemeClr val="accent1"/>
-          </a:effectRef>
-          <a:fontRef idx="minor">
-            <a:schemeClr val="lt1"/>
-          </a:fontRef>
-        </p:style>
-        <p:txBody>
-          <a:bodyPr rtlCol="0" anchor="ctr"/>
-          <a:lstStyle/>
-          <a:p>
-            <a:pPr marL="0" marR="0" lvl="0" indent="0" algn="ctr" defTabSz="914400" rtl="0" eaLnBrk="1" fontAlgn="auto" latinLnBrk="0" hangingPunct="1">
-              <a:lnSpc>
-                <a:spcPct val="100000"/>
-              </a:lnSpc>
-              <a:spcBef>
-                <a:spcPts val="0"/>
-              </a:spcBef>
-              <a:spcAft>
-                <a:spcPts val="0"/>
-              </a:spcAft>
-              <a:buClrTx/>
-              <a:buSzTx/>
-              <a:buFontTx/>
-              <a:buNone/>
-              <a:tabLst/>
-              <a:defRPr/>
-            </a:pPr>
-            <a:endParaRPr kumimoji="0" lang="en-US" sz="1800" b="0" i="0" u="none" strike="noStrike" kern="1200" cap="none" spc="0" normalizeH="0" baseline="0" noProof="0" dirty="0">
-              <a:ln>
-                <a:noFill/>
-              </a:ln>
-              <a:solidFill>
-                <a:prstClr val="white"/>
-              </a:solidFill>
-              <a:effectLst/>
-              <a:uLnTx/>
-              <a:uFillTx/>
-              <a:latin typeface="Aptos" panose="02110004020202020204"/>
-              <a:ea typeface="+mn-ea"/>
-              <a:cs typeface="+mn-cs"/>
-            </a:endParaRPr>
-          </a:p>
-        </p:txBody>
-      </p:sp>
-      <p:sp>
-        <p:nvSpPr>
-          <p:cNvPr id="5" name="TextBox 4">
-            <a:extLst>
-              <a:ext uri="{FF2B5EF4-FFF2-40B4-BE49-F238E27FC236}">
-                <a16:creationId xmlns:a16="http://schemas.microsoft.com/office/drawing/2014/main" id="{E96D2D29-D467-4D82-2C46-DE0C23F2CE03}"/>
-              </a:ext>
-            </a:extLst>
-          </p:cNvPr>
-          <p:cNvSpPr txBox="1"/>
-          <p:nvPr/>
-        </p:nvSpPr>
-        <p:spPr>
-          <a:xfrm>
-            <a:off x="2192439" y="1846928"/>
-            <a:ext cx="9331123" cy="1323439"/>
-          </a:xfrm>
-          <a:prstGeom prst="rect">
-            <a:avLst/>
-          </a:prstGeom>
-          <a:noFill/>
-          <a:effectLst>
-            <a:outerShdw blurRad="50800" dist="38100" dir="2700000" algn="tl" rotWithShape="0">
-              <a:prstClr val="black">
-                <a:alpha val="40000"/>
-              </a:prstClr>
-            </a:outerShdw>
-          </a:effectLst>
-        </p:spPr>
-        <p:txBody>
-          <a:bodyPr wrap="square" rtlCol="0">
-            <a:spAutoFit/>
-          </a:bodyPr>
-          <a:lstStyle/>
-          <a:p>
-            <a:pPr marL="0" marR="0" lvl="0" indent="0" algn="l" defTabSz="914400" rtl="0" eaLnBrk="1" fontAlgn="auto" latinLnBrk="0" hangingPunct="1">
-              <a:lnSpc>
-                <a:spcPct val="100000"/>
-              </a:lnSpc>
-              <a:spcBef>
-                <a:spcPts val="0"/>
-              </a:spcBef>
-              <a:spcAft>
-                <a:spcPts val="0"/>
-              </a:spcAft>
-              <a:buClrTx/>
-              <a:buSzTx/>
-              <a:buFontTx/>
-              <a:buNone/>
-              <a:tabLst/>
-              <a:defRPr/>
-            </a:pPr>
-            <a:r>
-              <a:rPr kumimoji="0" lang="en-US" sz="8000" b="1" i="0" u="none" strike="noStrike" kern="1200" cap="none" spc="0" normalizeH="0" baseline="0" noProof="0" dirty="0">
-                <a:ln>
-                  <a:noFill/>
-                </a:ln>
-                <a:solidFill>
-                  <a:prstClr val="white"/>
-                </a:solidFill>
-                <a:effectLst/>
-                <a:uLnTx/>
-                <a:uFillTx/>
-                <a:latin typeface="Aharoni" panose="020F0502020204030204" pitchFamily="2" charset="-79"/>
-                <a:ea typeface="+mn-ea"/>
-                <a:cs typeface="Aharoni" panose="020F0502020204030204" pitchFamily="2" charset="-79"/>
-              </a:rPr>
-              <a:t>Data</a:t>
-            </a:r>
-            <a:r>
-              <a:rPr kumimoji="0" lang="ar-OM" sz="8000" b="1" i="0" u="none" strike="noStrike" kern="1200" cap="none" spc="0" normalizeH="0" baseline="0" noProof="0" dirty="0">
-                <a:ln>
-                  <a:noFill/>
-                </a:ln>
-                <a:solidFill>
-                  <a:prstClr val="white"/>
-                </a:solidFill>
-                <a:effectLst/>
-                <a:uLnTx/>
-                <a:uFillTx/>
-                <a:latin typeface="Aharoni" panose="020F0502020204030204" pitchFamily="2" charset="-79"/>
-                <a:ea typeface="+mn-ea"/>
-                <a:cs typeface="Aharoni" panose="020F0502020204030204" pitchFamily="2" charset="-79"/>
-              </a:rPr>
-              <a:t> </a:t>
-            </a:r>
-            <a:r>
-              <a:rPr kumimoji="0" lang="en-US" sz="8000" b="1" i="0" u="none" strike="noStrike" kern="1200" cap="none" spc="0" normalizeH="0" baseline="0" noProof="0" dirty="0">
-                <a:ln>
-                  <a:noFill/>
-                </a:ln>
-                <a:solidFill>
-                  <a:prstClr val="white"/>
-                </a:solidFill>
-                <a:effectLst/>
-                <a:uLnTx/>
-                <a:uFillTx/>
-                <a:latin typeface="Aharoni" panose="020F0502020204030204" pitchFamily="2" charset="-79"/>
-                <a:ea typeface="+mn-ea"/>
-                <a:cs typeface="Aharoni" panose="020F0502020204030204" pitchFamily="2" charset="-79"/>
-              </a:rPr>
-              <a:t>visualization</a:t>
-            </a:r>
-          </a:p>
-        </p:txBody>
-      </p:sp>
-      <p:sp>
-        <p:nvSpPr>
-          <p:cNvPr id="6" name="TextBox 5">
-            <a:extLst>
-              <a:ext uri="{FF2B5EF4-FFF2-40B4-BE49-F238E27FC236}">
-                <a16:creationId xmlns:a16="http://schemas.microsoft.com/office/drawing/2014/main" id="{8D2DDF09-7D41-B4D6-FD1F-29D738B0DC2A}"/>
-              </a:ext>
-            </a:extLst>
-          </p:cNvPr>
-          <p:cNvSpPr txBox="1"/>
-          <p:nvPr/>
-        </p:nvSpPr>
-        <p:spPr>
-          <a:xfrm>
-            <a:off x="2140754" y="5870503"/>
-            <a:ext cx="7357959" cy="646331"/>
-          </a:xfrm>
-          <a:prstGeom prst="rect">
-            <a:avLst/>
-          </a:prstGeom>
-          <a:noFill/>
-        </p:spPr>
-        <p:txBody>
-          <a:bodyPr wrap="square" rtlCol="0">
-            <a:spAutoFit/>
-          </a:bodyPr>
-          <a:lstStyle/>
-          <a:p>
-            <a:pPr algn="ctr"/>
-            <a:r>
-              <a:rPr lang="en-US" dirty="0">
-                <a:solidFill>
-                  <a:schemeClr val="bg1"/>
-                </a:solidFill>
-              </a:rPr>
-              <a:t>People with neutral or positive work environments tend to be more physically active than those in negative environments.</a:t>
-            </a:r>
-          </a:p>
-        </p:txBody>
-      </p:sp>
-      <p:pic>
-        <p:nvPicPr>
-          <p:cNvPr id="2" name="Picture 1">
-            <a:extLst>
-              <a:ext uri="{FF2B5EF4-FFF2-40B4-BE49-F238E27FC236}">
-                <a16:creationId xmlns:a16="http://schemas.microsoft.com/office/drawing/2014/main" id="{D8539645-6C01-5296-D1D5-365946CDF837}"/>
-              </a:ext>
-            </a:extLst>
-          </p:cNvPr>
-          <p:cNvPicPr>
-            <a:picLocks noChangeAspect="1"/>
-          </p:cNvPicPr>
-          <p:nvPr/>
-        </p:nvPicPr>
-        <p:blipFill>
-          <a:blip r:embed="rId4"/>
-          <a:stretch>
-            <a:fillRect/>
-          </a:stretch>
-        </p:blipFill>
-        <p:spPr>
-          <a:xfrm>
-            <a:off x="5265064" y="476860"/>
-            <a:ext cx="1700784" cy="1700784"/>
-          </a:xfrm>
-          <a:prstGeom prst="rect">
-            <a:avLst/>
-          </a:prstGeom>
-        </p:spPr>
-      </p:pic>
-      <p:pic>
-        <p:nvPicPr>
-          <p:cNvPr id="9" name="Picture 8">
-            <a:extLst>
-              <a:ext uri="{FF2B5EF4-FFF2-40B4-BE49-F238E27FC236}">
-                <a16:creationId xmlns:a16="http://schemas.microsoft.com/office/drawing/2014/main" id="{2068DA71-9021-555C-17AB-B233FCB33535}"/>
-              </a:ext>
-            </a:extLst>
-          </p:cNvPr>
-          <p:cNvPicPr>
-            <a:picLocks noChangeAspect="1"/>
-          </p:cNvPicPr>
-          <p:nvPr/>
-        </p:nvPicPr>
-        <p:blipFill>
-          <a:blip r:embed="rId5"/>
-          <a:stretch>
-            <a:fillRect/>
-          </a:stretch>
-        </p:blipFill>
-        <p:spPr>
-          <a:xfrm>
-            <a:off x="331235" y="3311279"/>
-            <a:ext cx="5288306" cy="2418312"/>
-          </a:xfrm>
-          <a:prstGeom prst="rect">
-            <a:avLst/>
-          </a:prstGeom>
-        </p:spPr>
-      </p:pic>
-      <p:pic>
-        <p:nvPicPr>
-          <p:cNvPr id="11" name="Picture 10">
-            <a:extLst>
-              <a:ext uri="{FF2B5EF4-FFF2-40B4-BE49-F238E27FC236}">
-                <a16:creationId xmlns:a16="http://schemas.microsoft.com/office/drawing/2014/main" id="{D163793D-C605-8AEA-7567-EAC3489B9F3B}"/>
-              </a:ext>
-            </a:extLst>
-          </p:cNvPr>
-          <p:cNvPicPr>
-            <a:picLocks noChangeAspect="1"/>
-          </p:cNvPicPr>
-          <p:nvPr/>
-        </p:nvPicPr>
-        <p:blipFill>
-          <a:blip r:embed="rId6"/>
-          <a:stretch>
-            <a:fillRect/>
-          </a:stretch>
-        </p:blipFill>
-        <p:spPr>
-          <a:xfrm>
-            <a:off x="6115456" y="3305977"/>
-            <a:ext cx="4804859" cy="2418313"/>
-          </a:xfrm>
-          <a:prstGeom prst="rect">
-            <a:avLst/>
-          </a:prstGeom>
-        </p:spPr>
-      </p:pic>
-    </p:spTree>
-    <p:extLst>
-      <p:ext uri="{BB962C8B-B14F-4D97-AF65-F5344CB8AC3E}">
-        <p14:creationId xmlns:p14="http://schemas.microsoft.com/office/powerpoint/2010/main" val="2648255956"/>
+        <p14:creationId xmlns:p14="http://schemas.microsoft.com/office/powerpoint/2010/main" val="769220750"/>
       </p:ext>
     </p:extLst>
   </p:cSld>
@@ -13731,8 +13642,8 @@
         </p:nvSpPr>
         <p:spPr>
           <a:xfrm>
-            <a:off x="1078315" y="3481266"/>
-            <a:ext cx="10138160" cy="2787751"/>
+            <a:off x="2006132" y="3257529"/>
+            <a:ext cx="7537281" cy="3376374"/>
           </a:xfrm>
           <a:prstGeom prst="rect">
             <a:avLst/>
@@ -13740,14 +13651,14 @@
           <a:noFill/>
         </p:spPr>
         <p:txBody>
-          <a:bodyPr wrap="none" rtlCol="0">
+          <a:bodyPr wrap="square" rtlCol="0">
             <a:spAutoFit/>
           </a:bodyPr>
           <a:lstStyle/>
           <a:p>
             <a:pPr marL="285750" indent="-285750" algn="just">
               <a:lnSpc>
-                <a:spcPct val="200000"/>
+                <a:spcPct val="150000"/>
               </a:lnSpc>
               <a:buFont typeface="Arial" panose="020B0604020202020204" pitchFamily="34" charset="0"/>
               <a:buChar char="•"/>
@@ -13759,13 +13670,13 @@
                 </a:solidFill>
                 <a:cs typeface="Akhbar MT" pitchFamily="2" charset="-78"/>
               </a:rPr>
-              <a:t>The rise of smartphones and social media has transformed how people live and connect.</a:t>
+              <a:t>People spend hours on their phones, computers, and TVs for convenience, connection, and instant information.</a:t>
             </a:r>
           </a:p>
           <a:p>
             <a:pPr marL="285750" indent="-285750" algn="just">
               <a:lnSpc>
-                <a:spcPct val="200000"/>
+                <a:spcPct val="150000"/>
               </a:lnSpc>
               <a:buFont typeface="Arial" panose="020B0604020202020204" pitchFamily="34" charset="0"/>
               <a:buChar char="•"/>
@@ -13777,13 +13688,13 @@
                 </a:solidFill>
                 <a:cs typeface="Akhbar MT" pitchFamily="2" charset="-78"/>
               </a:rPr>
-              <a:t>However, growing screen time has raised concerns about its effect on mental health.</a:t>
+              <a:t>Social media and online platforms are designed to attract attention and keep users engaged for long periods.</a:t>
             </a:r>
           </a:p>
           <a:p>
             <a:pPr marL="285750" indent="-285750" algn="just">
               <a:lnSpc>
-                <a:spcPct val="200000"/>
+                <a:spcPct val="150000"/>
               </a:lnSpc>
               <a:buFont typeface="Arial" panose="020B0604020202020204" pitchFamily="34" charset="0"/>
               <a:buChar char="•"/>
@@ -13795,13 +13706,13 @@
                 </a:solidFill>
                 <a:cs typeface="Akhbar MT" pitchFamily="2" charset="-78"/>
               </a:rPr>
-              <a:t>Studies suggest links between excessive digital use and issues like stress, poor sleep, and anxiety.</a:t>
+              <a:t>Many turn to screens for relaxation, escape from stress, or staying socially connected.</a:t>
             </a:r>
           </a:p>
           <a:p>
             <a:pPr marL="285750" indent="-285750" algn="just">
               <a:lnSpc>
-                <a:spcPct val="200000"/>
+                <a:spcPct val="150000"/>
               </a:lnSpc>
               <a:buFont typeface="Arial" panose="020B0604020202020204" pitchFamily="34" charset="0"/>
               <a:buChar char="•"/>
@@ -13813,25 +13724,7 @@
                 </a:solidFill>
                 <a:cs typeface="Akhbar MT" pitchFamily="2" charset="-78"/>
               </a:rPr>
-              <a:t>Understanding these patterns is essential for promoting healthier digital habits.</a:t>
-            </a:r>
-          </a:p>
-          <a:p>
-            <a:pPr marL="285750" indent="-285750" algn="just">
-              <a:lnSpc>
-                <a:spcPct val="200000"/>
-              </a:lnSpc>
-              <a:buFont typeface="Arial" panose="020B0604020202020204" pitchFamily="34" charset="0"/>
-              <a:buChar char="•"/>
-            </a:pPr>
-            <a:r>
-              <a:rPr lang="en-US" dirty="0">
-                <a:solidFill>
-                  <a:schemeClr val="bg1"/>
-                </a:solidFill>
-                <a:cs typeface="Akhbar MT" pitchFamily="2" charset="-78"/>
-              </a:rPr>
-              <a:t>This project explores how screen and social media usage impact well-being using real data.</a:t>
+              <a:t>This project explores the main reasons why people spend so much time on their screens using real-world data.</a:t>
             </a:r>
           </a:p>
         </p:txBody>
@@ -14055,6 +13948,1475 @@
 <file path=ppt/slides/slide30.xml><?xml version="1.0" encoding="utf-8"?>
 <p:sld xmlns:a="http://schemas.openxmlformats.org/drawingml/2006/main" xmlns:r="http://schemas.openxmlformats.org/officeDocument/2006/relationships" xmlns:p="http://schemas.openxmlformats.org/presentationml/2006/main">
   <p:cSld>
+    <p:spTree>
+      <p:nvGrpSpPr>
+        <p:cNvPr id="1" name="">
+          <a:extLst>
+            <a:ext uri="{FF2B5EF4-FFF2-40B4-BE49-F238E27FC236}">
+              <a16:creationId xmlns:a16="http://schemas.microsoft.com/office/drawing/2014/main" id="{6FCE7C54-82D1-E762-96D0-A64BCC6C7257}"/>
+            </a:ext>
+          </a:extLst>
+        </p:cNvPr>
+        <p:cNvGrpSpPr/>
+        <p:nvPr/>
+      </p:nvGrpSpPr>
+      <p:grpSpPr>
+        <a:xfrm>
+          <a:off x="0" y="0"/>
+          <a:ext cx="0" cy="0"/>
+          <a:chOff x="0" y="0"/>
+          <a:chExt cx="0" cy="0"/>
+        </a:xfrm>
+      </p:grpSpPr>
+      <p:pic>
+        <p:nvPicPr>
+          <p:cNvPr id="8" name="Picture 7" descr="A close up of a network&#10;&#10;AI-generated content may be incorrect.">
+            <a:extLst>
+              <a:ext uri="{FF2B5EF4-FFF2-40B4-BE49-F238E27FC236}">
+                <a16:creationId xmlns:a16="http://schemas.microsoft.com/office/drawing/2014/main" id="{868535A6-D3C9-50A4-D1B5-010D72438D9F}"/>
+              </a:ext>
+            </a:extLst>
+          </p:cNvPr>
+          <p:cNvPicPr>
+            <a:picLocks noChangeAspect="1"/>
+          </p:cNvPicPr>
+          <p:nvPr/>
+        </p:nvPicPr>
+        <p:blipFill rotWithShape="1">
+          <a:blip r:embed="rId2">
+            <a:extLst>
+              <a:ext uri="{BEBA8EAE-BF5A-486C-A8C5-ECC9F3942E4B}">
+                <a14:imgProps xmlns:a14="http://schemas.microsoft.com/office/drawing/2010/main">
+                  <a14:imgLayer r:embed="rId3">
+                    <a14:imgEffect>
+                      <a14:brightnessContrast bright="-50000"/>
+                    </a14:imgEffect>
+                  </a14:imgLayer>
+                </a14:imgProps>
+              </a:ext>
+              <a:ext uri="{28A0092B-C50C-407E-A947-70E740481C1C}">
+                <a14:useLocalDpi xmlns:a14="http://schemas.microsoft.com/office/drawing/2010/main" val="0"/>
+              </a:ext>
+            </a:extLst>
+          </a:blip>
+          <a:srcRect l="18" r="18"/>
+          <a:stretch>
+            <a:fillRect/>
+          </a:stretch>
+        </p:blipFill>
+        <p:spPr>
+          <a:xfrm>
+            <a:off x="0" y="0"/>
+            <a:ext cx="12192000" cy="6858000"/>
+          </a:xfrm>
+          <a:prstGeom prst="rect">
+            <a:avLst/>
+          </a:prstGeom>
+        </p:spPr>
+      </p:pic>
+      <p:sp>
+        <p:nvSpPr>
+          <p:cNvPr id="4" name="Oval 3">
+            <a:extLst>
+              <a:ext uri="{FF2B5EF4-FFF2-40B4-BE49-F238E27FC236}">
+                <a16:creationId xmlns:a16="http://schemas.microsoft.com/office/drawing/2014/main" id="{8063D96F-0726-8DCB-0318-516E5A22C208}"/>
+              </a:ext>
+            </a:extLst>
+          </p:cNvPr>
+          <p:cNvSpPr/>
+          <p:nvPr/>
+        </p:nvSpPr>
+        <p:spPr>
+          <a:xfrm>
+            <a:off x="-1859666" y="-3003630"/>
+            <a:ext cx="15911332" cy="12865260"/>
+          </a:xfrm>
+          <a:prstGeom prst="ellipse">
+            <a:avLst/>
+          </a:prstGeom>
+          <a:solidFill>
+            <a:srgbClr val="10425A">
+              <a:alpha val="40000"/>
+            </a:srgbClr>
+          </a:solidFill>
+          <a:ln w="127000">
+            <a:solidFill>
+              <a:schemeClr val="bg1"/>
+            </a:solidFill>
+          </a:ln>
+        </p:spPr>
+        <p:style>
+          <a:lnRef idx="2">
+            <a:schemeClr val="accent1">
+              <a:shade val="15000"/>
+            </a:schemeClr>
+          </a:lnRef>
+          <a:fillRef idx="1">
+            <a:schemeClr val="accent1"/>
+          </a:fillRef>
+          <a:effectRef idx="0">
+            <a:schemeClr val="accent1"/>
+          </a:effectRef>
+          <a:fontRef idx="minor">
+            <a:schemeClr val="lt1"/>
+          </a:fontRef>
+        </p:style>
+        <p:txBody>
+          <a:bodyPr rtlCol="0" anchor="ctr"/>
+          <a:lstStyle/>
+          <a:p>
+            <a:pPr marL="0" marR="0" lvl="0" indent="0" algn="ctr" defTabSz="914400" rtl="0" eaLnBrk="1" fontAlgn="auto" latinLnBrk="0" hangingPunct="1">
+              <a:lnSpc>
+                <a:spcPct val="100000"/>
+              </a:lnSpc>
+              <a:spcBef>
+                <a:spcPts val="0"/>
+              </a:spcBef>
+              <a:spcAft>
+                <a:spcPts val="0"/>
+              </a:spcAft>
+              <a:buClrTx/>
+              <a:buSzTx/>
+              <a:buFontTx/>
+              <a:buNone/>
+              <a:tabLst/>
+              <a:defRPr/>
+            </a:pPr>
+            <a:endParaRPr kumimoji="0" lang="en-US" sz="1800" b="0" i="0" u="none" strike="noStrike" kern="1200" cap="none" spc="0" normalizeH="0" baseline="0" noProof="0" dirty="0">
+              <a:ln>
+                <a:noFill/>
+              </a:ln>
+              <a:solidFill>
+                <a:prstClr val="white"/>
+              </a:solidFill>
+              <a:effectLst/>
+              <a:uLnTx/>
+              <a:uFillTx/>
+              <a:latin typeface="Aptos" panose="02110004020202020204"/>
+              <a:ea typeface="+mn-ea"/>
+              <a:cs typeface="+mn-cs"/>
+            </a:endParaRPr>
+          </a:p>
+        </p:txBody>
+      </p:sp>
+      <p:sp>
+        <p:nvSpPr>
+          <p:cNvPr id="5" name="TextBox 4">
+            <a:extLst>
+              <a:ext uri="{FF2B5EF4-FFF2-40B4-BE49-F238E27FC236}">
+                <a16:creationId xmlns:a16="http://schemas.microsoft.com/office/drawing/2014/main" id="{05DD3448-8B33-8E2E-A29E-5EFB8E58BD30}"/>
+              </a:ext>
+            </a:extLst>
+          </p:cNvPr>
+          <p:cNvSpPr txBox="1"/>
+          <p:nvPr/>
+        </p:nvSpPr>
+        <p:spPr>
+          <a:xfrm>
+            <a:off x="2192439" y="1846928"/>
+            <a:ext cx="9331123" cy="1323439"/>
+          </a:xfrm>
+          <a:prstGeom prst="rect">
+            <a:avLst/>
+          </a:prstGeom>
+          <a:noFill/>
+          <a:effectLst>
+            <a:outerShdw blurRad="50800" dist="38100" dir="2700000" algn="tl" rotWithShape="0">
+              <a:prstClr val="black">
+                <a:alpha val="40000"/>
+              </a:prstClr>
+            </a:outerShdw>
+          </a:effectLst>
+        </p:spPr>
+        <p:txBody>
+          <a:bodyPr wrap="square" rtlCol="0">
+            <a:spAutoFit/>
+          </a:bodyPr>
+          <a:lstStyle/>
+          <a:p>
+            <a:pPr marL="0" marR="0" lvl="0" indent="0" algn="l" defTabSz="914400" rtl="0" eaLnBrk="1" fontAlgn="auto" latinLnBrk="0" hangingPunct="1">
+              <a:lnSpc>
+                <a:spcPct val="100000"/>
+              </a:lnSpc>
+              <a:spcBef>
+                <a:spcPts val="0"/>
+              </a:spcBef>
+              <a:spcAft>
+                <a:spcPts val="0"/>
+              </a:spcAft>
+              <a:buClrTx/>
+              <a:buSzTx/>
+              <a:buFontTx/>
+              <a:buNone/>
+              <a:tabLst/>
+              <a:defRPr/>
+            </a:pPr>
+            <a:r>
+              <a:rPr kumimoji="0" lang="en-US" sz="8000" b="1" i="0" u="none" strike="noStrike" kern="1200" cap="none" spc="0" normalizeH="0" baseline="0" noProof="0" dirty="0">
+                <a:ln>
+                  <a:noFill/>
+                </a:ln>
+                <a:solidFill>
+                  <a:prstClr val="white"/>
+                </a:solidFill>
+                <a:effectLst/>
+                <a:uLnTx/>
+                <a:uFillTx/>
+                <a:latin typeface="Aharoni" panose="020F0502020204030204" pitchFamily="2" charset="-79"/>
+                <a:ea typeface="+mn-ea"/>
+                <a:cs typeface="Aharoni" panose="020F0502020204030204" pitchFamily="2" charset="-79"/>
+              </a:rPr>
+              <a:t>Data</a:t>
+            </a:r>
+            <a:r>
+              <a:rPr kumimoji="0" lang="ar-OM" sz="8000" b="1" i="0" u="none" strike="noStrike" kern="1200" cap="none" spc="0" normalizeH="0" baseline="0" noProof="0" dirty="0">
+                <a:ln>
+                  <a:noFill/>
+                </a:ln>
+                <a:solidFill>
+                  <a:prstClr val="white"/>
+                </a:solidFill>
+                <a:effectLst/>
+                <a:uLnTx/>
+                <a:uFillTx/>
+                <a:latin typeface="Aharoni" panose="020F0502020204030204" pitchFamily="2" charset="-79"/>
+                <a:ea typeface="+mn-ea"/>
+                <a:cs typeface="Aharoni" panose="020F0502020204030204" pitchFamily="2" charset="-79"/>
+              </a:rPr>
+              <a:t> </a:t>
+            </a:r>
+            <a:r>
+              <a:rPr kumimoji="0" lang="en-US" sz="8000" b="1" i="0" u="none" strike="noStrike" kern="1200" cap="none" spc="0" normalizeH="0" baseline="0" noProof="0" dirty="0">
+                <a:ln>
+                  <a:noFill/>
+                </a:ln>
+                <a:solidFill>
+                  <a:prstClr val="white"/>
+                </a:solidFill>
+                <a:effectLst/>
+                <a:uLnTx/>
+                <a:uFillTx/>
+                <a:latin typeface="Aharoni" panose="020F0502020204030204" pitchFamily="2" charset="-79"/>
+                <a:ea typeface="+mn-ea"/>
+                <a:cs typeface="Aharoni" panose="020F0502020204030204" pitchFamily="2" charset="-79"/>
+              </a:rPr>
+              <a:t>visualization</a:t>
+            </a:r>
+          </a:p>
+        </p:txBody>
+      </p:sp>
+      <p:sp>
+        <p:nvSpPr>
+          <p:cNvPr id="6" name="TextBox 5">
+            <a:extLst>
+              <a:ext uri="{FF2B5EF4-FFF2-40B4-BE49-F238E27FC236}">
+                <a16:creationId xmlns:a16="http://schemas.microsoft.com/office/drawing/2014/main" id="{DD1181C0-A6F6-A6FC-BB41-290CEC938E6D}"/>
+              </a:ext>
+            </a:extLst>
+          </p:cNvPr>
+          <p:cNvSpPr txBox="1"/>
+          <p:nvPr/>
+        </p:nvSpPr>
+        <p:spPr>
+          <a:xfrm>
+            <a:off x="5974080" y="3287017"/>
+            <a:ext cx="5963920" cy="3376374"/>
+          </a:xfrm>
+          <a:prstGeom prst="rect">
+            <a:avLst/>
+          </a:prstGeom>
+          <a:noFill/>
+        </p:spPr>
+        <p:txBody>
+          <a:bodyPr wrap="square" rtlCol="0">
+            <a:spAutoFit/>
+          </a:bodyPr>
+          <a:lstStyle/>
+          <a:p>
+            <a:pPr marL="285750" marR="0" lvl="0" indent="-285750" algn="just" defTabSz="914400" rtl="0" eaLnBrk="1" fontAlgn="auto" latinLnBrk="0" hangingPunct="1">
+              <a:lnSpc>
+                <a:spcPct val="150000"/>
+              </a:lnSpc>
+              <a:spcBef>
+                <a:spcPts val="0"/>
+              </a:spcBef>
+              <a:spcAft>
+                <a:spcPts val="0"/>
+              </a:spcAft>
+              <a:buClrTx/>
+              <a:buSzTx/>
+              <a:buFont typeface="Arial" panose="020B0604020202020204" pitchFamily="34" charset="0"/>
+              <a:buChar char="•"/>
+              <a:tabLst/>
+              <a:defRPr/>
+            </a:pPr>
+            <a:r>
+              <a:rPr kumimoji="0" lang="en-US" sz="1800" b="0" i="0" u="none" strike="noStrike" kern="1200" cap="none" spc="0" normalizeH="0" baseline="0" noProof="0" dirty="0">
+                <a:ln>
+                  <a:noFill/>
+                </a:ln>
+                <a:solidFill>
+                  <a:prstClr val="white"/>
+                </a:solidFill>
+                <a:effectLst/>
+                <a:uLnTx/>
+                <a:uFillTx/>
+                <a:latin typeface="Aptos" panose="02110004020202020204"/>
+                <a:ea typeface="+mn-ea"/>
+                <a:cs typeface="+mn-cs"/>
+              </a:rPr>
+              <a:t> The data shows that older adults (50–60) tend to spend more time on screens than younger users.</a:t>
+            </a:r>
+          </a:p>
+          <a:p>
+            <a:pPr marL="285750" marR="0" lvl="0" indent="-285750" algn="just" defTabSz="914400" rtl="0" eaLnBrk="1" fontAlgn="auto" latinLnBrk="0" hangingPunct="1">
+              <a:lnSpc>
+                <a:spcPct val="150000"/>
+              </a:lnSpc>
+              <a:spcBef>
+                <a:spcPts val="0"/>
+              </a:spcBef>
+              <a:spcAft>
+                <a:spcPts val="0"/>
+              </a:spcAft>
+              <a:buClrTx/>
+              <a:buSzTx/>
+              <a:buFont typeface="Arial" panose="020B0604020202020204" pitchFamily="34" charset="0"/>
+              <a:buChar char="•"/>
+              <a:tabLst/>
+              <a:defRPr/>
+            </a:pPr>
+            <a:r>
+              <a:rPr kumimoji="0" lang="en-US" sz="1800" b="0" i="0" u="none" strike="noStrike" kern="1200" cap="none" spc="0" normalizeH="0" baseline="0" noProof="0" dirty="0">
+                <a:ln>
+                  <a:noFill/>
+                </a:ln>
+                <a:solidFill>
+                  <a:prstClr val="white"/>
+                </a:solidFill>
+                <a:effectLst/>
+                <a:uLnTx/>
+                <a:uFillTx/>
+                <a:latin typeface="Aptos" panose="02110004020202020204"/>
+                <a:ea typeface="+mn-ea"/>
+                <a:cs typeface="+mn-cs"/>
+              </a:rPr>
+              <a:t>There is still a clear negative relationship between sleep hours and screen time.</a:t>
+            </a:r>
+          </a:p>
+          <a:p>
+            <a:pPr marL="285750" marR="0" lvl="0" indent="-285750" algn="just" defTabSz="914400" rtl="0" eaLnBrk="1" fontAlgn="auto" latinLnBrk="0" hangingPunct="1">
+              <a:lnSpc>
+                <a:spcPct val="150000"/>
+              </a:lnSpc>
+              <a:spcBef>
+                <a:spcPts val="0"/>
+              </a:spcBef>
+              <a:spcAft>
+                <a:spcPts val="0"/>
+              </a:spcAft>
+              <a:buClrTx/>
+              <a:buSzTx/>
+              <a:buFont typeface="Arial" panose="020B0604020202020204" pitchFamily="34" charset="0"/>
+              <a:buChar char="•"/>
+              <a:tabLst/>
+              <a:defRPr/>
+            </a:pPr>
+            <a:r>
+              <a:rPr kumimoji="0" lang="en-US" sz="1800" b="0" i="0" u="none" strike="noStrike" kern="1200" cap="none" spc="0" normalizeH="0" baseline="0" noProof="0" dirty="0">
+                <a:ln>
+                  <a:noFill/>
+                </a:ln>
+                <a:solidFill>
+                  <a:prstClr val="white"/>
+                </a:solidFill>
+                <a:effectLst/>
+                <a:uLnTx/>
+                <a:uFillTx/>
+                <a:latin typeface="Aptos" panose="02110004020202020204"/>
+                <a:ea typeface="+mn-ea"/>
+                <a:cs typeface="+mn-cs"/>
+              </a:rPr>
+              <a:t>Interestingly, people with good or excellent mental health show slightly higher screen time,</a:t>
+            </a:r>
+          </a:p>
+          <a:p>
+            <a:pPr marL="285750" marR="0" lvl="0" indent="-285750" algn="just" defTabSz="914400" rtl="0" eaLnBrk="1" fontAlgn="auto" latinLnBrk="0" hangingPunct="1">
+              <a:lnSpc>
+                <a:spcPct val="150000"/>
+              </a:lnSpc>
+              <a:spcBef>
+                <a:spcPts val="0"/>
+              </a:spcBef>
+              <a:spcAft>
+                <a:spcPts val="0"/>
+              </a:spcAft>
+              <a:buClrTx/>
+              <a:buSzTx/>
+              <a:buFont typeface="Arial" panose="020B0604020202020204" pitchFamily="34" charset="0"/>
+              <a:buChar char="•"/>
+              <a:tabLst/>
+              <a:defRPr/>
+            </a:pPr>
+            <a:r>
+              <a:rPr kumimoji="0" lang="en-US" sz="1800" b="0" i="0" u="none" strike="noStrike" kern="1200" cap="none" spc="0" normalizeH="0" baseline="0" noProof="0" dirty="0">
+                <a:ln>
+                  <a:noFill/>
+                </a:ln>
+                <a:solidFill>
+                  <a:prstClr val="white"/>
+                </a:solidFill>
+                <a:effectLst/>
+                <a:uLnTx/>
+                <a:uFillTx/>
+                <a:latin typeface="Aptos" panose="02110004020202020204"/>
+                <a:ea typeface="+mn-ea"/>
+                <a:cs typeface="+mn-cs"/>
+              </a:rPr>
+              <a:t>which might indicate productive or balanced digital use rather than stress-related behavior.</a:t>
+            </a:r>
+          </a:p>
+        </p:txBody>
+      </p:sp>
+      <p:pic>
+        <p:nvPicPr>
+          <p:cNvPr id="2" name="Picture 1">
+            <a:extLst>
+              <a:ext uri="{FF2B5EF4-FFF2-40B4-BE49-F238E27FC236}">
+                <a16:creationId xmlns:a16="http://schemas.microsoft.com/office/drawing/2014/main" id="{76C0C999-49A1-135C-DB57-71C4079FFC83}"/>
+              </a:ext>
+            </a:extLst>
+          </p:cNvPr>
+          <p:cNvPicPr>
+            <a:picLocks noChangeAspect="1"/>
+          </p:cNvPicPr>
+          <p:nvPr/>
+        </p:nvPicPr>
+        <p:blipFill>
+          <a:blip r:embed="rId4"/>
+          <a:stretch>
+            <a:fillRect/>
+          </a:stretch>
+        </p:blipFill>
+        <p:spPr>
+          <a:xfrm>
+            <a:off x="5265064" y="476860"/>
+            <a:ext cx="1700784" cy="1700784"/>
+          </a:xfrm>
+          <a:prstGeom prst="rect">
+            <a:avLst/>
+          </a:prstGeom>
+        </p:spPr>
+      </p:pic>
+      <p:pic>
+        <p:nvPicPr>
+          <p:cNvPr id="9" name="Picture 8">
+            <a:extLst>
+              <a:ext uri="{FF2B5EF4-FFF2-40B4-BE49-F238E27FC236}">
+                <a16:creationId xmlns:a16="http://schemas.microsoft.com/office/drawing/2014/main" id="{EA7D2337-B0D4-F294-0A2E-1A4C8950F987}"/>
+              </a:ext>
+            </a:extLst>
+          </p:cNvPr>
+          <p:cNvPicPr>
+            <a:picLocks noChangeAspect="1"/>
+          </p:cNvPicPr>
+          <p:nvPr/>
+        </p:nvPicPr>
+        <p:blipFill>
+          <a:blip r:embed="rId5"/>
+          <a:stretch>
+            <a:fillRect/>
+          </a:stretch>
+        </p:blipFill>
+        <p:spPr>
+          <a:xfrm>
+            <a:off x="145915" y="3170366"/>
+            <a:ext cx="5828165" cy="3376374"/>
+          </a:xfrm>
+          <a:prstGeom prst="rect">
+            <a:avLst/>
+          </a:prstGeom>
+        </p:spPr>
+      </p:pic>
+    </p:spTree>
+    <p:extLst>
+      <p:ext uri="{BB962C8B-B14F-4D97-AF65-F5344CB8AC3E}">
+        <p14:creationId xmlns:p14="http://schemas.microsoft.com/office/powerpoint/2010/main" val="1464116873"/>
+      </p:ext>
+    </p:extLst>
+  </p:cSld>
+  <p:clrMapOvr>
+    <a:masterClrMapping/>
+  </p:clrMapOvr>
+  <mc:AlternateContent xmlns:mc="http://schemas.openxmlformats.org/markup-compatibility/2006" xmlns:p159="http://schemas.microsoft.com/office/powerpoint/2015/09/main">
+    <mc:Choice Requires="p159">
+      <p:transition spd="slow">
+        <p159:morph option="byObject"/>
+      </p:transition>
+    </mc:Choice>
+    <mc:Fallback xmlns="">
+      <p:transition spd="slow">
+        <p:fade/>
+      </p:transition>
+    </mc:Fallback>
+  </mc:AlternateContent>
+</p:sld>
+</file>
+
+<file path=ppt/slides/slide31.xml><?xml version="1.0" encoding="utf-8"?>
+<p:sld xmlns:a="http://schemas.openxmlformats.org/drawingml/2006/main" xmlns:r="http://schemas.openxmlformats.org/officeDocument/2006/relationships" xmlns:p="http://schemas.openxmlformats.org/presentationml/2006/main">
+  <p:cSld>
+    <p:spTree>
+      <p:nvGrpSpPr>
+        <p:cNvPr id="1" name="">
+          <a:extLst>
+            <a:ext uri="{FF2B5EF4-FFF2-40B4-BE49-F238E27FC236}">
+              <a16:creationId xmlns:a16="http://schemas.microsoft.com/office/drawing/2014/main" id="{7E847AAE-97CF-FE28-185F-F29D1CF5B6E0}"/>
+            </a:ext>
+          </a:extLst>
+        </p:cNvPr>
+        <p:cNvGrpSpPr/>
+        <p:nvPr/>
+      </p:nvGrpSpPr>
+      <p:grpSpPr>
+        <a:xfrm>
+          <a:off x="0" y="0"/>
+          <a:ext cx="0" cy="0"/>
+          <a:chOff x="0" y="0"/>
+          <a:chExt cx="0" cy="0"/>
+        </a:xfrm>
+      </p:grpSpPr>
+      <p:pic>
+        <p:nvPicPr>
+          <p:cNvPr id="8" name="Picture 7" descr="A close up of a network&#10;&#10;AI-generated content may be incorrect.">
+            <a:extLst>
+              <a:ext uri="{FF2B5EF4-FFF2-40B4-BE49-F238E27FC236}">
+                <a16:creationId xmlns:a16="http://schemas.microsoft.com/office/drawing/2014/main" id="{022FAAA6-4035-1832-2F02-172E8642B944}"/>
+              </a:ext>
+            </a:extLst>
+          </p:cNvPr>
+          <p:cNvPicPr>
+            <a:picLocks noChangeAspect="1"/>
+          </p:cNvPicPr>
+          <p:nvPr/>
+        </p:nvPicPr>
+        <p:blipFill rotWithShape="1">
+          <a:blip r:embed="rId2">
+            <a:extLst>
+              <a:ext uri="{BEBA8EAE-BF5A-486C-A8C5-ECC9F3942E4B}">
+                <a14:imgProps xmlns:a14="http://schemas.microsoft.com/office/drawing/2010/main">
+                  <a14:imgLayer r:embed="rId3">
+                    <a14:imgEffect>
+                      <a14:brightnessContrast bright="-50000"/>
+                    </a14:imgEffect>
+                  </a14:imgLayer>
+                </a14:imgProps>
+              </a:ext>
+              <a:ext uri="{28A0092B-C50C-407E-A947-70E740481C1C}">
+                <a14:useLocalDpi xmlns:a14="http://schemas.microsoft.com/office/drawing/2010/main" val="0"/>
+              </a:ext>
+            </a:extLst>
+          </a:blip>
+          <a:srcRect l="18" r="18"/>
+          <a:stretch>
+            <a:fillRect/>
+          </a:stretch>
+        </p:blipFill>
+        <p:spPr>
+          <a:xfrm>
+            <a:off x="0" y="0"/>
+            <a:ext cx="12192000" cy="6858000"/>
+          </a:xfrm>
+          <a:prstGeom prst="rect">
+            <a:avLst/>
+          </a:prstGeom>
+        </p:spPr>
+      </p:pic>
+      <p:sp>
+        <p:nvSpPr>
+          <p:cNvPr id="4" name="Oval 3">
+            <a:extLst>
+              <a:ext uri="{FF2B5EF4-FFF2-40B4-BE49-F238E27FC236}">
+                <a16:creationId xmlns:a16="http://schemas.microsoft.com/office/drawing/2014/main" id="{8D65B2D0-FDFB-1CCA-B6C7-6FB8204D9D35}"/>
+              </a:ext>
+            </a:extLst>
+          </p:cNvPr>
+          <p:cNvSpPr/>
+          <p:nvPr/>
+        </p:nvSpPr>
+        <p:spPr>
+          <a:xfrm>
+            <a:off x="-1859666" y="-3003630"/>
+            <a:ext cx="15911332" cy="12865260"/>
+          </a:xfrm>
+          <a:prstGeom prst="ellipse">
+            <a:avLst/>
+          </a:prstGeom>
+          <a:solidFill>
+            <a:srgbClr val="10425A">
+              <a:alpha val="40000"/>
+            </a:srgbClr>
+          </a:solidFill>
+          <a:ln w="127000">
+            <a:solidFill>
+              <a:schemeClr val="bg1"/>
+            </a:solidFill>
+          </a:ln>
+        </p:spPr>
+        <p:style>
+          <a:lnRef idx="2">
+            <a:schemeClr val="accent1">
+              <a:shade val="15000"/>
+            </a:schemeClr>
+          </a:lnRef>
+          <a:fillRef idx="1">
+            <a:schemeClr val="accent1"/>
+          </a:fillRef>
+          <a:effectRef idx="0">
+            <a:schemeClr val="accent1"/>
+          </a:effectRef>
+          <a:fontRef idx="minor">
+            <a:schemeClr val="lt1"/>
+          </a:fontRef>
+        </p:style>
+        <p:txBody>
+          <a:bodyPr rtlCol="0" anchor="ctr"/>
+          <a:lstStyle/>
+          <a:p>
+            <a:pPr marL="0" marR="0" lvl="0" indent="0" algn="ctr" defTabSz="914400" rtl="0" eaLnBrk="1" fontAlgn="auto" latinLnBrk="0" hangingPunct="1">
+              <a:lnSpc>
+                <a:spcPct val="100000"/>
+              </a:lnSpc>
+              <a:spcBef>
+                <a:spcPts val="0"/>
+              </a:spcBef>
+              <a:spcAft>
+                <a:spcPts val="0"/>
+              </a:spcAft>
+              <a:buClrTx/>
+              <a:buSzTx/>
+              <a:buFontTx/>
+              <a:buNone/>
+              <a:tabLst/>
+              <a:defRPr/>
+            </a:pPr>
+            <a:endParaRPr kumimoji="0" lang="en-US" sz="1800" b="0" i="0" u="none" strike="noStrike" kern="1200" cap="none" spc="0" normalizeH="0" baseline="0" noProof="0" dirty="0">
+              <a:ln>
+                <a:noFill/>
+              </a:ln>
+              <a:solidFill>
+                <a:prstClr val="white"/>
+              </a:solidFill>
+              <a:effectLst/>
+              <a:uLnTx/>
+              <a:uFillTx/>
+              <a:latin typeface="Aptos" panose="02110004020202020204"/>
+              <a:ea typeface="+mn-ea"/>
+              <a:cs typeface="+mn-cs"/>
+            </a:endParaRPr>
+          </a:p>
+        </p:txBody>
+      </p:sp>
+      <p:sp>
+        <p:nvSpPr>
+          <p:cNvPr id="5" name="TextBox 4">
+            <a:extLst>
+              <a:ext uri="{FF2B5EF4-FFF2-40B4-BE49-F238E27FC236}">
+                <a16:creationId xmlns:a16="http://schemas.microsoft.com/office/drawing/2014/main" id="{8FEA1FF8-EA62-EBAC-C872-196FF94AC732}"/>
+              </a:ext>
+            </a:extLst>
+          </p:cNvPr>
+          <p:cNvSpPr txBox="1"/>
+          <p:nvPr/>
+        </p:nvSpPr>
+        <p:spPr>
+          <a:xfrm>
+            <a:off x="2192439" y="1846928"/>
+            <a:ext cx="9331123" cy="1323439"/>
+          </a:xfrm>
+          <a:prstGeom prst="rect">
+            <a:avLst/>
+          </a:prstGeom>
+          <a:noFill/>
+          <a:effectLst>
+            <a:outerShdw blurRad="50800" dist="38100" dir="2700000" algn="tl" rotWithShape="0">
+              <a:prstClr val="black">
+                <a:alpha val="40000"/>
+              </a:prstClr>
+            </a:outerShdw>
+          </a:effectLst>
+        </p:spPr>
+        <p:txBody>
+          <a:bodyPr wrap="square" rtlCol="0">
+            <a:spAutoFit/>
+          </a:bodyPr>
+          <a:lstStyle/>
+          <a:p>
+            <a:pPr marL="0" marR="0" lvl="0" indent="0" algn="l" defTabSz="914400" rtl="0" eaLnBrk="1" fontAlgn="auto" latinLnBrk="0" hangingPunct="1">
+              <a:lnSpc>
+                <a:spcPct val="100000"/>
+              </a:lnSpc>
+              <a:spcBef>
+                <a:spcPts val="0"/>
+              </a:spcBef>
+              <a:spcAft>
+                <a:spcPts val="0"/>
+              </a:spcAft>
+              <a:buClrTx/>
+              <a:buSzTx/>
+              <a:buFontTx/>
+              <a:buNone/>
+              <a:tabLst/>
+              <a:defRPr/>
+            </a:pPr>
+            <a:r>
+              <a:rPr kumimoji="0" lang="en-US" sz="8000" b="1" i="0" u="none" strike="noStrike" kern="1200" cap="none" spc="0" normalizeH="0" baseline="0" noProof="0" dirty="0">
+                <a:ln>
+                  <a:noFill/>
+                </a:ln>
+                <a:solidFill>
+                  <a:prstClr val="white"/>
+                </a:solidFill>
+                <a:effectLst/>
+                <a:uLnTx/>
+                <a:uFillTx/>
+                <a:latin typeface="Aharoni" panose="020F0502020204030204" pitchFamily="2" charset="-79"/>
+                <a:ea typeface="+mn-ea"/>
+                <a:cs typeface="Aharoni" panose="020F0502020204030204" pitchFamily="2" charset="-79"/>
+              </a:rPr>
+              <a:t>Data</a:t>
+            </a:r>
+            <a:r>
+              <a:rPr kumimoji="0" lang="ar-OM" sz="8000" b="1" i="0" u="none" strike="noStrike" kern="1200" cap="none" spc="0" normalizeH="0" baseline="0" noProof="0" dirty="0">
+                <a:ln>
+                  <a:noFill/>
+                </a:ln>
+                <a:solidFill>
+                  <a:prstClr val="white"/>
+                </a:solidFill>
+                <a:effectLst/>
+                <a:uLnTx/>
+                <a:uFillTx/>
+                <a:latin typeface="Aharoni" panose="020F0502020204030204" pitchFamily="2" charset="-79"/>
+                <a:ea typeface="+mn-ea"/>
+                <a:cs typeface="Aharoni" panose="020F0502020204030204" pitchFamily="2" charset="-79"/>
+              </a:rPr>
+              <a:t> </a:t>
+            </a:r>
+            <a:r>
+              <a:rPr kumimoji="0" lang="en-US" sz="8000" b="1" i="0" u="none" strike="noStrike" kern="1200" cap="none" spc="0" normalizeH="0" baseline="0" noProof="0" dirty="0">
+                <a:ln>
+                  <a:noFill/>
+                </a:ln>
+                <a:solidFill>
+                  <a:prstClr val="white"/>
+                </a:solidFill>
+                <a:effectLst/>
+                <a:uLnTx/>
+                <a:uFillTx/>
+                <a:latin typeface="Aharoni" panose="020F0502020204030204" pitchFamily="2" charset="-79"/>
+                <a:ea typeface="+mn-ea"/>
+                <a:cs typeface="Aharoni" panose="020F0502020204030204" pitchFamily="2" charset="-79"/>
+              </a:rPr>
+              <a:t>visualization</a:t>
+            </a:r>
+          </a:p>
+        </p:txBody>
+      </p:sp>
+      <p:sp>
+        <p:nvSpPr>
+          <p:cNvPr id="6" name="TextBox 5">
+            <a:extLst>
+              <a:ext uri="{FF2B5EF4-FFF2-40B4-BE49-F238E27FC236}">
+                <a16:creationId xmlns:a16="http://schemas.microsoft.com/office/drawing/2014/main" id="{623C1858-92E3-F87C-C1DA-9037715946A7}"/>
+              </a:ext>
+            </a:extLst>
+          </p:cNvPr>
+          <p:cNvSpPr txBox="1"/>
+          <p:nvPr/>
+        </p:nvSpPr>
+        <p:spPr>
+          <a:xfrm>
+            <a:off x="6611523" y="3191735"/>
+            <a:ext cx="5059680" cy="2545377"/>
+          </a:xfrm>
+          <a:prstGeom prst="rect">
+            <a:avLst/>
+          </a:prstGeom>
+          <a:noFill/>
+        </p:spPr>
+        <p:txBody>
+          <a:bodyPr wrap="square" rtlCol="0">
+            <a:spAutoFit/>
+          </a:bodyPr>
+          <a:lstStyle/>
+          <a:p>
+            <a:pPr marL="285750" marR="0" lvl="0" indent="-285750" algn="just" defTabSz="914400" rtl="0" eaLnBrk="1" fontAlgn="auto" latinLnBrk="0" hangingPunct="1">
+              <a:lnSpc>
+                <a:spcPct val="150000"/>
+              </a:lnSpc>
+              <a:spcBef>
+                <a:spcPts val="0"/>
+              </a:spcBef>
+              <a:spcAft>
+                <a:spcPts val="0"/>
+              </a:spcAft>
+              <a:buClrTx/>
+              <a:buSzTx/>
+              <a:buFont typeface="Arial" panose="020B0604020202020204" pitchFamily="34" charset="0"/>
+              <a:buChar char="•"/>
+              <a:tabLst/>
+              <a:defRPr/>
+            </a:pPr>
+            <a:r>
+              <a:rPr kumimoji="0" lang="en-US" sz="1800" b="0" i="0" u="none" strike="noStrike" kern="1200" cap="none" spc="0" normalizeH="0" baseline="0" noProof="0" dirty="0">
+                <a:ln>
+                  <a:noFill/>
+                </a:ln>
+                <a:solidFill>
+                  <a:prstClr val="white"/>
+                </a:solidFill>
+                <a:effectLst/>
+                <a:uLnTx/>
+                <a:uFillTx/>
+                <a:latin typeface="Aptos" panose="02110004020202020204"/>
+                <a:ea typeface="+mn-ea"/>
+                <a:cs typeface="+mn-cs"/>
+              </a:rPr>
+              <a:t>Males show the highest app usage, especially on YouTube.</a:t>
+            </a:r>
+            <a:endParaRPr kumimoji="0" lang="ar-OM" sz="1800" b="0" i="0" u="none" strike="noStrike" kern="1200" cap="none" spc="0" normalizeH="0" baseline="0" noProof="0" dirty="0">
+              <a:ln>
+                <a:noFill/>
+              </a:ln>
+              <a:solidFill>
+                <a:prstClr val="white"/>
+              </a:solidFill>
+              <a:effectLst/>
+              <a:uLnTx/>
+              <a:uFillTx/>
+              <a:latin typeface="Aptos" panose="02110004020202020204"/>
+              <a:ea typeface="+mn-ea"/>
+              <a:cs typeface="+mn-cs"/>
+            </a:endParaRPr>
+          </a:p>
+          <a:p>
+            <a:pPr marL="285750" marR="0" lvl="0" indent="-285750" algn="just" defTabSz="914400" rtl="0" eaLnBrk="1" fontAlgn="auto" latinLnBrk="0" hangingPunct="1">
+              <a:lnSpc>
+                <a:spcPct val="150000"/>
+              </a:lnSpc>
+              <a:spcBef>
+                <a:spcPts val="0"/>
+              </a:spcBef>
+              <a:spcAft>
+                <a:spcPts val="0"/>
+              </a:spcAft>
+              <a:buClrTx/>
+              <a:buSzTx/>
+              <a:buFont typeface="Arial" panose="020B0604020202020204" pitchFamily="34" charset="0"/>
+              <a:buChar char="•"/>
+              <a:tabLst/>
+              <a:defRPr/>
+            </a:pPr>
+            <a:r>
+              <a:rPr kumimoji="0" lang="en-US" sz="1800" b="0" i="0" u="none" strike="noStrike" kern="1200" cap="none" spc="0" normalizeH="0" baseline="0" noProof="0" dirty="0">
+                <a:ln>
+                  <a:noFill/>
+                </a:ln>
+                <a:solidFill>
+                  <a:prstClr val="white"/>
+                </a:solidFill>
+                <a:effectLst/>
+                <a:uLnTx/>
+                <a:uFillTx/>
+                <a:latin typeface="Aptos" panose="02110004020202020204"/>
+                <a:ea typeface="+mn-ea"/>
+                <a:cs typeface="+mn-cs"/>
+              </a:rPr>
+              <a:t>Females have lower usage overall but are more active on WhatsApp</a:t>
+            </a:r>
+            <a:r>
+              <a:rPr lang="ar-OM" dirty="0">
+                <a:solidFill>
+                  <a:prstClr val="white"/>
+                </a:solidFill>
+                <a:latin typeface="Aptos" panose="02110004020202020204"/>
+              </a:rPr>
+              <a:t>.</a:t>
+            </a:r>
+            <a:endParaRPr kumimoji="0" lang="ar-OM" sz="1800" b="0" i="0" u="none" strike="noStrike" kern="1200" cap="none" spc="0" normalizeH="0" baseline="0" noProof="0" dirty="0">
+              <a:ln>
+                <a:noFill/>
+              </a:ln>
+              <a:solidFill>
+                <a:prstClr val="white"/>
+              </a:solidFill>
+              <a:effectLst/>
+              <a:uLnTx/>
+              <a:uFillTx/>
+              <a:latin typeface="Aptos" panose="02110004020202020204"/>
+              <a:ea typeface="+mn-ea"/>
+              <a:cs typeface="+mn-cs"/>
+            </a:endParaRPr>
+          </a:p>
+          <a:p>
+            <a:pPr marL="285750" marR="0" lvl="0" indent="-285750" algn="just" defTabSz="914400" rtl="0" eaLnBrk="1" fontAlgn="auto" latinLnBrk="0" hangingPunct="1">
+              <a:lnSpc>
+                <a:spcPct val="150000"/>
+              </a:lnSpc>
+              <a:spcBef>
+                <a:spcPts val="0"/>
+              </a:spcBef>
+              <a:spcAft>
+                <a:spcPts val="0"/>
+              </a:spcAft>
+              <a:buClrTx/>
+              <a:buSzTx/>
+              <a:buFont typeface="Arial" panose="020B0604020202020204" pitchFamily="34" charset="0"/>
+              <a:buChar char="•"/>
+              <a:tabLst/>
+              <a:defRPr/>
+            </a:pPr>
+            <a:r>
+              <a:rPr kumimoji="0" lang="ar-OM" sz="1800" b="0" i="0" u="none" strike="noStrike" kern="1200" cap="none" spc="0" normalizeH="0" baseline="0" noProof="0" dirty="0">
+                <a:ln>
+                  <a:noFill/>
+                </a:ln>
+                <a:solidFill>
+                  <a:prstClr val="white"/>
+                </a:solidFill>
+                <a:effectLst/>
+                <a:uLnTx/>
+                <a:uFillTx/>
+                <a:latin typeface="Aptos" panose="02110004020202020204"/>
+                <a:ea typeface="+mn-ea"/>
+                <a:cs typeface="+mn-cs"/>
+              </a:rPr>
+              <a:t> </a:t>
+            </a:r>
+            <a:r>
+              <a:rPr kumimoji="0" lang="en-US" sz="1800" b="0" i="0" u="none" strike="noStrike" kern="1200" cap="none" spc="0" normalizeH="0" baseline="0" noProof="0" dirty="0">
+                <a:ln>
+                  <a:noFill/>
+                </a:ln>
+                <a:solidFill>
+                  <a:prstClr val="white"/>
+                </a:solidFill>
+                <a:effectLst/>
+                <a:uLnTx/>
+                <a:uFillTx/>
+                <a:latin typeface="Aptos" panose="02110004020202020204"/>
+                <a:ea typeface="+mn-ea"/>
+                <a:cs typeface="+mn-cs"/>
+              </a:rPr>
+              <a:t>Other users show moderate and balanced usage across all apps.</a:t>
+            </a:r>
+          </a:p>
+        </p:txBody>
+      </p:sp>
+      <p:pic>
+        <p:nvPicPr>
+          <p:cNvPr id="2" name="Picture 1">
+            <a:extLst>
+              <a:ext uri="{FF2B5EF4-FFF2-40B4-BE49-F238E27FC236}">
+                <a16:creationId xmlns:a16="http://schemas.microsoft.com/office/drawing/2014/main" id="{E689BF68-C8C1-7A48-4F8D-F0A5C7EC80D0}"/>
+              </a:ext>
+            </a:extLst>
+          </p:cNvPr>
+          <p:cNvPicPr>
+            <a:picLocks noChangeAspect="1"/>
+          </p:cNvPicPr>
+          <p:nvPr/>
+        </p:nvPicPr>
+        <p:blipFill>
+          <a:blip r:embed="rId4"/>
+          <a:stretch>
+            <a:fillRect/>
+          </a:stretch>
+        </p:blipFill>
+        <p:spPr>
+          <a:xfrm>
+            <a:off x="5265064" y="476860"/>
+            <a:ext cx="1700784" cy="1700784"/>
+          </a:xfrm>
+          <a:prstGeom prst="rect">
+            <a:avLst/>
+          </a:prstGeom>
+        </p:spPr>
+      </p:pic>
+      <p:pic>
+        <p:nvPicPr>
+          <p:cNvPr id="9" name="Picture 8">
+            <a:extLst>
+              <a:ext uri="{FF2B5EF4-FFF2-40B4-BE49-F238E27FC236}">
+                <a16:creationId xmlns:a16="http://schemas.microsoft.com/office/drawing/2014/main" id="{9DC32954-0D3A-C507-9286-6DF4CA618CB3}"/>
+              </a:ext>
+            </a:extLst>
+          </p:cNvPr>
+          <p:cNvPicPr>
+            <a:picLocks noChangeAspect="1"/>
+          </p:cNvPicPr>
+          <p:nvPr/>
+        </p:nvPicPr>
+        <p:blipFill>
+          <a:blip r:embed="rId5"/>
+          <a:stretch>
+            <a:fillRect/>
+          </a:stretch>
+        </p:blipFill>
+        <p:spPr>
+          <a:xfrm>
+            <a:off x="842379" y="3191735"/>
+            <a:ext cx="5248348" cy="2841508"/>
+          </a:xfrm>
+          <a:prstGeom prst="rect">
+            <a:avLst/>
+          </a:prstGeom>
+        </p:spPr>
+      </p:pic>
+    </p:spTree>
+    <p:extLst>
+      <p:ext uri="{BB962C8B-B14F-4D97-AF65-F5344CB8AC3E}">
+        <p14:creationId xmlns:p14="http://schemas.microsoft.com/office/powerpoint/2010/main" val="3968279188"/>
+      </p:ext>
+    </p:extLst>
+  </p:cSld>
+  <p:clrMapOvr>
+    <a:masterClrMapping/>
+  </p:clrMapOvr>
+  <mc:AlternateContent xmlns:mc="http://schemas.openxmlformats.org/markup-compatibility/2006" xmlns:p159="http://schemas.microsoft.com/office/powerpoint/2015/09/main">
+    <mc:Choice Requires="p159">
+      <p:transition spd="slow">
+        <p159:morph option="byObject"/>
+      </p:transition>
+    </mc:Choice>
+    <mc:Fallback xmlns="">
+      <p:transition spd="slow">
+        <p:fade/>
+      </p:transition>
+    </mc:Fallback>
+  </mc:AlternateContent>
+</p:sld>
+</file>
+
+<file path=ppt/slides/slide32.xml><?xml version="1.0" encoding="utf-8"?>
+<p:sld xmlns:a="http://schemas.openxmlformats.org/drawingml/2006/main" xmlns:r="http://schemas.openxmlformats.org/officeDocument/2006/relationships" xmlns:p="http://schemas.openxmlformats.org/presentationml/2006/main">
+  <p:cSld>
+    <p:spTree>
+      <p:nvGrpSpPr>
+        <p:cNvPr id="1" name="">
+          <a:extLst>
+            <a:ext uri="{FF2B5EF4-FFF2-40B4-BE49-F238E27FC236}">
+              <a16:creationId xmlns:a16="http://schemas.microsoft.com/office/drawing/2014/main" id="{9CBB9263-025E-4498-E269-7282F20D5B4A}"/>
+            </a:ext>
+          </a:extLst>
+        </p:cNvPr>
+        <p:cNvGrpSpPr/>
+        <p:nvPr/>
+      </p:nvGrpSpPr>
+      <p:grpSpPr>
+        <a:xfrm>
+          <a:off x="0" y="0"/>
+          <a:ext cx="0" cy="0"/>
+          <a:chOff x="0" y="0"/>
+          <a:chExt cx="0" cy="0"/>
+        </a:xfrm>
+      </p:grpSpPr>
+      <p:pic>
+        <p:nvPicPr>
+          <p:cNvPr id="8" name="Picture 7" descr="A close up of a network&#10;&#10;AI-generated content may be incorrect.">
+            <a:extLst>
+              <a:ext uri="{FF2B5EF4-FFF2-40B4-BE49-F238E27FC236}">
+                <a16:creationId xmlns:a16="http://schemas.microsoft.com/office/drawing/2014/main" id="{FEF14F2A-D499-B335-4342-B33E8EA86BD0}"/>
+              </a:ext>
+            </a:extLst>
+          </p:cNvPr>
+          <p:cNvPicPr>
+            <a:picLocks noChangeAspect="1"/>
+          </p:cNvPicPr>
+          <p:nvPr/>
+        </p:nvPicPr>
+        <p:blipFill rotWithShape="1">
+          <a:blip r:embed="rId2">
+            <a:extLst>
+              <a:ext uri="{BEBA8EAE-BF5A-486C-A8C5-ECC9F3942E4B}">
+                <a14:imgProps xmlns:a14="http://schemas.microsoft.com/office/drawing/2010/main">
+                  <a14:imgLayer r:embed="rId3">
+                    <a14:imgEffect>
+                      <a14:brightnessContrast bright="-50000"/>
+                    </a14:imgEffect>
+                  </a14:imgLayer>
+                </a14:imgProps>
+              </a:ext>
+              <a:ext uri="{28A0092B-C50C-407E-A947-70E740481C1C}">
+                <a14:useLocalDpi xmlns:a14="http://schemas.microsoft.com/office/drawing/2010/main" val="0"/>
+              </a:ext>
+            </a:extLst>
+          </a:blip>
+          <a:srcRect l="18" r="18"/>
+          <a:stretch>
+            <a:fillRect/>
+          </a:stretch>
+        </p:blipFill>
+        <p:spPr>
+          <a:xfrm>
+            <a:off x="0" y="0"/>
+            <a:ext cx="12192000" cy="6858000"/>
+          </a:xfrm>
+          <a:prstGeom prst="rect">
+            <a:avLst/>
+          </a:prstGeom>
+        </p:spPr>
+      </p:pic>
+      <p:sp>
+        <p:nvSpPr>
+          <p:cNvPr id="4" name="Oval 3">
+            <a:extLst>
+              <a:ext uri="{FF2B5EF4-FFF2-40B4-BE49-F238E27FC236}">
+                <a16:creationId xmlns:a16="http://schemas.microsoft.com/office/drawing/2014/main" id="{A1261796-5942-5546-5F7F-871DEB9B6690}"/>
+              </a:ext>
+            </a:extLst>
+          </p:cNvPr>
+          <p:cNvSpPr/>
+          <p:nvPr/>
+        </p:nvSpPr>
+        <p:spPr>
+          <a:xfrm>
+            <a:off x="-1859666" y="-3003630"/>
+            <a:ext cx="15911332" cy="12865260"/>
+          </a:xfrm>
+          <a:prstGeom prst="ellipse">
+            <a:avLst/>
+          </a:prstGeom>
+          <a:solidFill>
+            <a:srgbClr val="10425A">
+              <a:alpha val="40000"/>
+            </a:srgbClr>
+          </a:solidFill>
+          <a:ln w="127000">
+            <a:solidFill>
+              <a:schemeClr val="bg1"/>
+            </a:solidFill>
+          </a:ln>
+        </p:spPr>
+        <p:style>
+          <a:lnRef idx="2">
+            <a:schemeClr val="accent1">
+              <a:shade val="15000"/>
+            </a:schemeClr>
+          </a:lnRef>
+          <a:fillRef idx="1">
+            <a:schemeClr val="accent1"/>
+          </a:fillRef>
+          <a:effectRef idx="0">
+            <a:schemeClr val="accent1"/>
+          </a:effectRef>
+          <a:fontRef idx="minor">
+            <a:schemeClr val="lt1"/>
+          </a:fontRef>
+        </p:style>
+        <p:txBody>
+          <a:bodyPr rtlCol="0" anchor="ctr"/>
+          <a:lstStyle/>
+          <a:p>
+            <a:pPr marL="0" marR="0" lvl="0" indent="0" algn="ctr" defTabSz="914400" rtl="0" eaLnBrk="1" fontAlgn="auto" latinLnBrk="0" hangingPunct="1">
+              <a:lnSpc>
+                <a:spcPct val="100000"/>
+              </a:lnSpc>
+              <a:spcBef>
+                <a:spcPts val="0"/>
+              </a:spcBef>
+              <a:spcAft>
+                <a:spcPts val="0"/>
+              </a:spcAft>
+              <a:buClrTx/>
+              <a:buSzTx/>
+              <a:buFontTx/>
+              <a:buNone/>
+              <a:tabLst/>
+              <a:defRPr/>
+            </a:pPr>
+            <a:endParaRPr kumimoji="0" lang="en-US" sz="1800" b="0" i="0" u="none" strike="noStrike" kern="1200" cap="none" spc="0" normalizeH="0" baseline="0" noProof="0" dirty="0">
+              <a:ln>
+                <a:noFill/>
+              </a:ln>
+              <a:solidFill>
+                <a:prstClr val="white"/>
+              </a:solidFill>
+              <a:effectLst/>
+              <a:uLnTx/>
+              <a:uFillTx/>
+              <a:latin typeface="Aptos" panose="02110004020202020204"/>
+              <a:ea typeface="+mn-ea"/>
+              <a:cs typeface="+mn-cs"/>
+            </a:endParaRPr>
+          </a:p>
+        </p:txBody>
+      </p:sp>
+      <p:sp>
+        <p:nvSpPr>
+          <p:cNvPr id="5" name="TextBox 4">
+            <a:extLst>
+              <a:ext uri="{FF2B5EF4-FFF2-40B4-BE49-F238E27FC236}">
+                <a16:creationId xmlns:a16="http://schemas.microsoft.com/office/drawing/2014/main" id="{7F37247C-D56A-D02B-3C28-D384C9479FB0}"/>
+              </a:ext>
+            </a:extLst>
+          </p:cNvPr>
+          <p:cNvSpPr txBox="1"/>
+          <p:nvPr/>
+        </p:nvSpPr>
+        <p:spPr>
+          <a:xfrm>
+            <a:off x="2192439" y="1846928"/>
+            <a:ext cx="9331123" cy="1323439"/>
+          </a:xfrm>
+          <a:prstGeom prst="rect">
+            <a:avLst/>
+          </a:prstGeom>
+          <a:noFill/>
+          <a:effectLst>
+            <a:outerShdw blurRad="50800" dist="38100" dir="2700000" algn="tl" rotWithShape="0">
+              <a:prstClr val="black">
+                <a:alpha val="40000"/>
+              </a:prstClr>
+            </a:outerShdw>
+          </a:effectLst>
+        </p:spPr>
+        <p:txBody>
+          <a:bodyPr wrap="square" rtlCol="0">
+            <a:spAutoFit/>
+          </a:bodyPr>
+          <a:lstStyle/>
+          <a:p>
+            <a:pPr marL="0" marR="0" lvl="0" indent="0" algn="l" defTabSz="914400" rtl="0" eaLnBrk="1" fontAlgn="auto" latinLnBrk="0" hangingPunct="1">
+              <a:lnSpc>
+                <a:spcPct val="100000"/>
+              </a:lnSpc>
+              <a:spcBef>
+                <a:spcPts val="0"/>
+              </a:spcBef>
+              <a:spcAft>
+                <a:spcPts val="0"/>
+              </a:spcAft>
+              <a:buClrTx/>
+              <a:buSzTx/>
+              <a:buFontTx/>
+              <a:buNone/>
+              <a:tabLst/>
+              <a:defRPr/>
+            </a:pPr>
+            <a:r>
+              <a:rPr kumimoji="0" lang="en-US" sz="8000" b="1" i="0" u="none" strike="noStrike" kern="1200" cap="none" spc="0" normalizeH="0" baseline="0" noProof="0" dirty="0">
+                <a:ln>
+                  <a:noFill/>
+                </a:ln>
+                <a:solidFill>
+                  <a:prstClr val="white"/>
+                </a:solidFill>
+                <a:effectLst/>
+                <a:uLnTx/>
+                <a:uFillTx/>
+                <a:latin typeface="Aharoni" panose="020F0502020204030204" pitchFamily="2" charset="-79"/>
+                <a:ea typeface="+mn-ea"/>
+                <a:cs typeface="Aharoni" panose="020F0502020204030204" pitchFamily="2" charset="-79"/>
+              </a:rPr>
+              <a:t>Data</a:t>
+            </a:r>
+            <a:r>
+              <a:rPr kumimoji="0" lang="ar-OM" sz="8000" b="1" i="0" u="none" strike="noStrike" kern="1200" cap="none" spc="0" normalizeH="0" baseline="0" noProof="0" dirty="0">
+                <a:ln>
+                  <a:noFill/>
+                </a:ln>
+                <a:solidFill>
+                  <a:prstClr val="white"/>
+                </a:solidFill>
+                <a:effectLst/>
+                <a:uLnTx/>
+                <a:uFillTx/>
+                <a:latin typeface="Aharoni" panose="020F0502020204030204" pitchFamily="2" charset="-79"/>
+                <a:ea typeface="+mn-ea"/>
+                <a:cs typeface="Aharoni" panose="020F0502020204030204" pitchFamily="2" charset="-79"/>
+              </a:rPr>
+              <a:t> </a:t>
+            </a:r>
+            <a:r>
+              <a:rPr kumimoji="0" lang="en-US" sz="8000" b="1" i="0" u="none" strike="noStrike" kern="1200" cap="none" spc="0" normalizeH="0" baseline="0" noProof="0" dirty="0">
+                <a:ln>
+                  <a:noFill/>
+                </a:ln>
+                <a:solidFill>
+                  <a:prstClr val="white"/>
+                </a:solidFill>
+                <a:effectLst/>
+                <a:uLnTx/>
+                <a:uFillTx/>
+                <a:latin typeface="Aharoni" panose="020F0502020204030204" pitchFamily="2" charset="-79"/>
+                <a:ea typeface="+mn-ea"/>
+                <a:cs typeface="Aharoni" panose="020F0502020204030204" pitchFamily="2" charset="-79"/>
+              </a:rPr>
+              <a:t>visualization</a:t>
+            </a:r>
+          </a:p>
+        </p:txBody>
+      </p:sp>
+      <p:sp>
+        <p:nvSpPr>
+          <p:cNvPr id="6" name="TextBox 5">
+            <a:extLst>
+              <a:ext uri="{FF2B5EF4-FFF2-40B4-BE49-F238E27FC236}">
+                <a16:creationId xmlns:a16="http://schemas.microsoft.com/office/drawing/2014/main" id="{A028520D-BCE1-9762-65CF-DB2FEA2988CB}"/>
+              </a:ext>
+            </a:extLst>
+          </p:cNvPr>
+          <p:cNvSpPr txBox="1"/>
+          <p:nvPr/>
+        </p:nvSpPr>
+        <p:spPr>
+          <a:xfrm>
+            <a:off x="2758132" y="6156920"/>
+            <a:ext cx="7621280" cy="646331"/>
+          </a:xfrm>
+          <a:prstGeom prst="rect">
+            <a:avLst/>
+          </a:prstGeom>
+          <a:noFill/>
+        </p:spPr>
+        <p:txBody>
+          <a:bodyPr wrap="square" rtlCol="0">
+            <a:spAutoFit/>
+          </a:bodyPr>
+          <a:lstStyle/>
+          <a:p>
+            <a:pPr algn="ctr"/>
+            <a:r>
+              <a:rPr lang="en-US" dirty="0">
+                <a:solidFill>
+                  <a:schemeClr val="bg1"/>
+                </a:solidFill>
+              </a:rPr>
+              <a:t>Creates a new digital wellbeing index column and compares it with stress levels to evaluate users.</a:t>
+            </a:r>
+          </a:p>
+        </p:txBody>
+      </p:sp>
+      <p:pic>
+        <p:nvPicPr>
+          <p:cNvPr id="2" name="Picture 1">
+            <a:extLst>
+              <a:ext uri="{FF2B5EF4-FFF2-40B4-BE49-F238E27FC236}">
+                <a16:creationId xmlns:a16="http://schemas.microsoft.com/office/drawing/2014/main" id="{9F427088-FD4D-B48B-C842-F941A37CEDA9}"/>
+              </a:ext>
+            </a:extLst>
+          </p:cNvPr>
+          <p:cNvPicPr>
+            <a:picLocks noChangeAspect="1"/>
+          </p:cNvPicPr>
+          <p:nvPr/>
+        </p:nvPicPr>
+        <p:blipFill>
+          <a:blip r:embed="rId4"/>
+          <a:stretch>
+            <a:fillRect/>
+          </a:stretch>
+        </p:blipFill>
+        <p:spPr>
+          <a:xfrm>
+            <a:off x="5265064" y="476860"/>
+            <a:ext cx="1700784" cy="1700784"/>
+          </a:xfrm>
+          <a:prstGeom prst="rect">
+            <a:avLst/>
+          </a:prstGeom>
+        </p:spPr>
+      </p:pic>
+      <p:pic>
+        <p:nvPicPr>
+          <p:cNvPr id="7" name="Picture 6">
+            <a:extLst>
+              <a:ext uri="{FF2B5EF4-FFF2-40B4-BE49-F238E27FC236}">
+                <a16:creationId xmlns:a16="http://schemas.microsoft.com/office/drawing/2014/main" id="{BD68D5CC-F71F-C635-19FC-843F8077923F}"/>
+              </a:ext>
+            </a:extLst>
+          </p:cNvPr>
+          <p:cNvPicPr>
+            <a:picLocks noChangeAspect="1"/>
+          </p:cNvPicPr>
+          <p:nvPr/>
+        </p:nvPicPr>
+        <p:blipFill>
+          <a:blip r:embed="rId5"/>
+          <a:stretch>
+            <a:fillRect/>
+          </a:stretch>
+        </p:blipFill>
+        <p:spPr>
+          <a:xfrm>
+            <a:off x="272374" y="3191735"/>
+            <a:ext cx="5740226" cy="2982262"/>
+          </a:xfrm>
+          <a:prstGeom prst="rect">
+            <a:avLst/>
+          </a:prstGeom>
+        </p:spPr>
+      </p:pic>
+      <p:pic>
+        <p:nvPicPr>
+          <p:cNvPr id="9" name="Picture 8">
+            <a:extLst>
+              <a:ext uri="{FF2B5EF4-FFF2-40B4-BE49-F238E27FC236}">
+                <a16:creationId xmlns:a16="http://schemas.microsoft.com/office/drawing/2014/main" id="{5311158D-25F1-0613-D573-0492D18AC31A}"/>
+              </a:ext>
+            </a:extLst>
+          </p:cNvPr>
+          <p:cNvPicPr>
+            <a:picLocks noChangeAspect="1"/>
+          </p:cNvPicPr>
+          <p:nvPr/>
+        </p:nvPicPr>
+        <p:blipFill>
+          <a:blip r:embed="rId6"/>
+          <a:stretch>
+            <a:fillRect/>
+          </a:stretch>
+        </p:blipFill>
+        <p:spPr>
+          <a:xfrm>
+            <a:off x="6535481" y="3170367"/>
+            <a:ext cx="5257572" cy="2982262"/>
+          </a:xfrm>
+          <a:prstGeom prst="rect">
+            <a:avLst/>
+          </a:prstGeom>
+        </p:spPr>
+      </p:pic>
+    </p:spTree>
+    <p:extLst>
+      <p:ext uri="{BB962C8B-B14F-4D97-AF65-F5344CB8AC3E}">
+        <p14:creationId xmlns:p14="http://schemas.microsoft.com/office/powerpoint/2010/main" val="2569336075"/>
+      </p:ext>
+    </p:extLst>
+  </p:cSld>
+  <p:clrMapOvr>
+    <a:masterClrMapping/>
+  </p:clrMapOvr>
+  <mc:AlternateContent xmlns:mc="http://schemas.openxmlformats.org/markup-compatibility/2006" xmlns:p159="http://schemas.microsoft.com/office/powerpoint/2015/09/main">
+    <mc:Choice Requires="p159">
+      <p:transition spd="slow">
+        <p159:morph option="byObject"/>
+      </p:transition>
+    </mc:Choice>
+    <mc:Fallback xmlns="">
+      <p:transition spd="slow">
+        <p:fade/>
+      </p:transition>
+    </mc:Fallback>
+  </mc:AlternateContent>
+</p:sld>
+</file>
+
+<file path=ppt/slides/slide33.xml><?xml version="1.0" encoding="utf-8"?>
+<p:sld xmlns:a="http://schemas.openxmlformats.org/drawingml/2006/main" xmlns:r="http://schemas.openxmlformats.org/officeDocument/2006/relationships" xmlns:p="http://schemas.openxmlformats.org/presentationml/2006/main">
+  <p:cSld>
     <p:bg>
       <p:bgPr>
         <a:solidFill>
@@ -14294,29 +15656,15 @@
 </p:sld>
 </file>
 
-<file path=ppt/slides/slide31.xml><?xml version="1.0" encoding="utf-8"?>
+<file path=ppt/slides/slide34.xml><?xml version="1.0" encoding="utf-8"?>
 <p:sld xmlns:a="http://schemas.openxmlformats.org/drawingml/2006/main" xmlns:r="http://schemas.openxmlformats.org/officeDocument/2006/relationships" xmlns:p="http://schemas.openxmlformats.org/presentationml/2006/main">
   <p:cSld>
-    <p:bg>
-      <p:bgPr>
-        <a:blipFill dpi="0" rotWithShape="1">
-          <a:blip r:embed="rId2">
-            <a:lum/>
-          </a:blip>
-          <a:srcRect/>
-          <a:stretch>
-            <a:fillRect/>
-          </a:stretch>
-        </a:blipFill>
-        <a:effectLst/>
-      </p:bgPr>
-    </p:bg>
     <p:spTree>
       <p:nvGrpSpPr>
         <p:cNvPr id="1" name="">
           <a:extLst>
             <a:ext uri="{FF2B5EF4-FFF2-40B4-BE49-F238E27FC236}">
-              <a16:creationId xmlns:a16="http://schemas.microsoft.com/office/drawing/2014/main" id="{371FA566-1471-93C6-8000-835353499C63}"/>
+              <a16:creationId xmlns:a16="http://schemas.microsoft.com/office/drawing/2014/main" id="{4AF684C0-CF9A-4E29-260F-57CFE56FFF51}"/>
             </a:ext>
           </a:extLst>
         </p:cNvPr>
@@ -14336,7 +15684,7 @@
           <p:cNvPr id="8" name="Picture 7" descr="A close up of a network&#10;&#10;AI-generated content may be incorrect.">
             <a:extLst>
               <a:ext uri="{FF2B5EF4-FFF2-40B4-BE49-F238E27FC236}">
-                <a16:creationId xmlns:a16="http://schemas.microsoft.com/office/drawing/2014/main" id="{DE7E5CDD-7EBB-471C-4C07-CB2A71B60ECE}"/>
+                <a16:creationId xmlns:a16="http://schemas.microsoft.com/office/drawing/2014/main" id="{DEBCD881-21C9-CB53-E1F4-3F16BC92CA9F}"/>
               </a:ext>
             </a:extLst>
           </p:cNvPr>
@@ -14346,11 +15694,11 @@
           <p:nvPr/>
         </p:nvPicPr>
         <p:blipFill rotWithShape="1">
-          <a:blip r:embed="rId3">
+          <a:blip r:embed="rId2">
             <a:extLst>
               <a:ext uri="{BEBA8EAE-BF5A-486C-A8C5-ECC9F3942E4B}">
                 <a14:imgProps xmlns:a14="http://schemas.microsoft.com/office/drawing/2010/main">
-                  <a14:imgLayer r:embed="rId4">
+                  <a14:imgLayer r:embed="rId3">
                     <a14:imgEffect>
                       <a14:brightnessContrast bright="-50000"/>
                     </a14:imgEffect>
@@ -14382,7 +15730,7 @@
           <p:cNvPr id="4" name="Oval 3">
             <a:extLst>
               <a:ext uri="{FF2B5EF4-FFF2-40B4-BE49-F238E27FC236}">
-                <a16:creationId xmlns:a16="http://schemas.microsoft.com/office/drawing/2014/main" id="{E401AD16-ECE3-559A-4DCB-589FF72B8BA1}"/>
+                <a16:creationId xmlns:a16="http://schemas.microsoft.com/office/drawing/2014/main" id="{59DDA077-1540-F861-5590-F07F7D662F14}"/>
               </a:ext>
             </a:extLst>
           </p:cNvPr>
@@ -14467,7 +15815,7 @@
           <p:cNvPr id="5" name="TextBox 4">
             <a:extLst>
               <a:ext uri="{FF2B5EF4-FFF2-40B4-BE49-F238E27FC236}">
-                <a16:creationId xmlns:a16="http://schemas.microsoft.com/office/drawing/2014/main" id="{37973CC9-CD97-C0C4-1E84-0D6E98BF83A3}"/>
+                <a16:creationId xmlns:a16="http://schemas.microsoft.com/office/drawing/2014/main" id="{21B76BD1-2B14-E7D0-4A3F-C95D8F572137}"/>
               </a:ext>
             </a:extLst>
           </p:cNvPr>
@@ -14539,7 +15887,7 @@
           <p:cNvPr id="6" name="TextBox 5">
             <a:extLst>
               <a:ext uri="{FF2B5EF4-FFF2-40B4-BE49-F238E27FC236}">
-                <a16:creationId xmlns:a16="http://schemas.microsoft.com/office/drawing/2014/main" id="{DC9B9FFE-29B9-9202-7B73-48870B420900}"/>
+                <a16:creationId xmlns:a16="http://schemas.microsoft.com/office/drawing/2014/main" id="{044F61F9-9931-F702-2814-3D7328303F51}"/>
               </a:ext>
             </a:extLst>
           </p:cNvPr>
@@ -14548,8 +15896,8 @@
         </p:nvSpPr>
         <p:spPr>
           <a:xfrm>
-            <a:off x="4216400" y="3213122"/>
-            <a:ext cx="7477760" cy="3376374"/>
+            <a:off x="4216400" y="3718961"/>
+            <a:ext cx="7477760" cy="2129878"/>
           </a:xfrm>
           <a:prstGeom prst="rect">
             <a:avLst/>
@@ -14592,7 +15940,7 @@
                 <a:ea typeface="+mn-ea"/>
                 <a:cs typeface="+mn-cs"/>
               </a:rPr>
-              <a:t>Potential Benefits &amp; Applications</a:t>
+              <a:t>Benefits of These Insights</a:t>
             </a:r>
             <a:r>
               <a:rPr kumimoji="0" lang="ar-OM" sz="1800" b="0" i="0" u="none" strike="noStrike" kern="1200" cap="none" spc="0" normalizeH="0" baseline="0" noProof="0" dirty="0">
@@ -14645,8 +15993,22 @@
                 <a:ea typeface="+mn-ea"/>
                 <a:cs typeface="+mn-cs"/>
               </a:rPr>
-              <a:t>The analysis of screen time and mental health data using Python reveals how digital behavior impacts well-being.</a:t>
-            </a:r>
+              <a:t>Identify users with high screen time or stress for early support.</a:t>
+            </a:r>
+            <a:endParaRPr kumimoji="0" lang="ar-OM" sz="1800" b="0" i="0" u="none" strike="noStrike" kern="1200" cap="none" spc="0" normalizeH="0" baseline="0" noProof="0" dirty="0">
+              <a:ln>
+                <a:noFill/>
+              </a:ln>
+              <a:solidFill>
+                <a:prstClr val="white"/>
+              </a:solidFill>
+              <a:effectLst/>
+              <a:uLnTx/>
+              <a:uFillTx/>
+              <a:latin typeface="Aptos" panose="02110004020202020204"/>
+              <a:ea typeface="+mn-ea"/>
+              <a:cs typeface="+mn-cs"/>
+            </a:endParaRPr>
           </a:p>
           <a:p>
             <a:pPr marL="285750" marR="0" lvl="0" indent="-285750" algn="just" defTabSz="914400" rtl="0" eaLnBrk="1" fontAlgn="auto" latinLnBrk="0" hangingPunct="1">
@@ -14681,8 +16043,22 @@
                 <a:ea typeface="+mn-ea"/>
                 <a:cs typeface="+mn-cs"/>
               </a:rPr>
-              <a:t>By applying thoughtful data analysis, we uncovered meaningful patterns linking screen use to stress, sleep, and mental health.</a:t>
-            </a:r>
+              <a:t>Provide personalized tips to improve digital balance.</a:t>
+            </a:r>
+            <a:endParaRPr kumimoji="0" lang="ar-OM" sz="1800" b="0" i="0" u="none" strike="noStrike" kern="1200" cap="none" spc="0" normalizeH="0" baseline="0" noProof="0" dirty="0">
+              <a:ln>
+                <a:noFill/>
+              </a:ln>
+              <a:solidFill>
+                <a:prstClr val="white"/>
+              </a:solidFill>
+              <a:effectLst/>
+              <a:uLnTx/>
+              <a:uFillTx/>
+              <a:latin typeface="Aptos" panose="02110004020202020204"/>
+              <a:ea typeface="+mn-ea"/>
+              <a:cs typeface="+mn-cs"/>
+            </a:endParaRPr>
           </a:p>
           <a:p>
             <a:pPr marL="285750" marR="0" lvl="0" indent="-285750" algn="just" defTabSz="914400" rtl="0" eaLnBrk="1" fontAlgn="auto" latinLnBrk="0" hangingPunct="1">
@@ -14717,204 +16093,9 @@
                 <a:ea typeface="+mn-ea"/>
                 <a:cs typeface="+mn-cs"/>
               </a:rPr>
-              <a:t>These insights highlight the importance of balanced digital habits and can guide healthier lifestyle choices, informed awareness, and more supportive digital environments.</a:t>
-            </a:r>
-          </a:p>
-        </p:txBody>
-      </p:sp>
-      <p:pic>
-        <p:nvPicPr>
-          <p:cNvPr id="10" name="Picture 9">
-            <a:extLst>
-              <a:ext uri="{FF2B5EF4-FFF2-40B4-BE49-F238E27FC236}">
-                <a16:creationId xmlns:a16="http://schemas.microsoft.com/office/drawing/2014/main" id="{FCB31733-9D7B-21DF-1923-06CCAED6CBEE}"/>
-              </a:ext>
-            </a:extLst>
-          </p:cNvPr>
-          <p:cNvPicPr>
-            <a:picLocks noChangeAspect="1"/>
-          </p:cNvPicPr>
-          <p:nvPr/>
-        </p:nvPicPr>
-        <p:blipFill>
-          <a:blip r:embed="rId5"/>
-          <a:stretch>
-            <a:fillRect/>
-          </a:stretch>
-        </p:blipFill>
-        <p:spPr>
-          <a:xfrm>
-            <a:off x="622300" y="3531395"/>
-            <a:ext cx="2971800" cy="2971800"/>
-          </a:xfrm>
-          <a:prstGeom prst="rect">
-            <a:avLst/>
-          </a:prstGeom>
-        </p:spPr>
-      </p:pic>
-    </p:spTree>
-    <p:extLst>
-      <p:ext uri="{BB962C8B-B14F-4D97-AF65-F5344CB8AC3E}">
-        <p14:creationId xmlns:p14="http://schemas.microsoft.com/office/powerpoint/2010/main" val="761237992"/>
-      </p:ext>
-    </p:extLst>
-  </p:cSld>
-  <p:clrMapOvr>
-    <a:masterClrMapping/>
-  </p:clrMapOvr>
-  <mc:AlternateContent xmlns:mc="http://schemas.openxmlformats.org/markup-compatibility/2006" xmlns:p159="http://schemas.microsoft.com/office/powerpoint/2015/09/main">
-    <mc:Choice Requires="p159">
-      <p:transition spd="slow">
-        <p159:morph option="byObject"/>
-      </p:transition>
-    </mc:Choice>
-    <mc:Fallback xmlns="">
-      <p:transition spd="slow">
-        <p:fade/>
-      </p:transition>
-    </mc:Fallback>
-  </mc:AlternateContent>
-</p:sld>
-</file>
-
-<file path=ppt/slides/slide32.xml><?xml version="1.0" encoding="utf-8"?>
-<p:sld xmlns:a="http://schemas.openxmlformats.org/drawingml/2006/main" xmlns:r="http://schemas.openxmlformats.org/officeDocument/2006/relationships" xmlns:p="http://schemas.openxmlformats.org/presentationml/2006/main">
-  <p:cSld>
-    <p:spTree>
-      <p:nvGrpSpPr>
-        <p:cNvPr id="1" name="">
-          <a:extLst>
-            <a:ext uri="{FF2B5EF4-FFF2-40B4-BE49-F238E27FC236}">
-              <a16:creationId xmlns:a16="http://schemas.microsoft.com/office/drawing/2014/main" id="{4AF684C0-CF9A-4E29-260F-57CFE56FFF51}"/>
-            </a:ext>
-          </a:extLst>
-        </p:cNvPr>
-        <p:cNvGrpSpPr/>
-        <p:nvPr/>
-      </p:nvGrpSpPr>
-      <p:grpSpPr>
-        <a:xfrm>
-          <a:off x="0" y="0"/>
-          <a:ext cx="0" cy="0"/>
-          <a:chOff x="0" y="0"/>
-          <a:chExt cx="0" cy="0"/>
-        </a:xfrm>
-      </p:grpSpPr>
-      <p:pic>
-        <p:nvPicPr>
-          <p:cNvPr id="8" name="Picture 7" descr="A close up of a network&#10;&#10;AI-generated content may be incorrect.">
-            <a:extLst>
-              <a:ext uri="{FF2B5EF4-FFF2-40B4-BE49-F238E27FC236}">
-                <a16:creationId xmlns:a16="http://schemas.microsoft.com/office/drawing/2014/main" id="{DEBCD881-21C9-CB53-E1F4-3F16BC92CA9F}"/>
-              </a:ext>
-            </a:extLst>
-          </p:cNvPr>
-          <p:cNvPicPr>
-            <a:picLocks noChangeAspect="1"/>
-          </p:cNvPicPr>
-          <p:nvPr/>
-        </p:nvPicPr>
-        <p:blipFill rotWithShape="1">
-          <a:blip r:embed="rId2">
-            <a:extLst>
-              <a:ext uri="{BEBA8EAE-BF5A-486C-A8C5-ECC9F3942E4B}">
-                <a14:imgProps xmlns:a14="http://schemas.microsoft.com/office/drawing/2010/main">
-                  <a14:imgLayer r:embed="rId3">
-                    <a14:imgEffect>
-                      <a14:brightnessContrast bright="-50000"/>
-                    </a14:imgEffect>
-                  </a14:imgLayer>
-                </a14:imgProps>
-              </a:ext>
-              <a:ext uri="{28A0092B-C50C-407E-A947-70E740481C1C}">
-                <a14:useLocalDpi xmlns:a14="http://schemas.microsoft.com/office/drawing/2010/main" val="0"/>
-              </a:ext>
-            </a:extLst>
-          </a:blip>
-          <a:srcRect l="18" r="18"/>
-          <a:stretch>
-            <a:fillRect/>
-          </a:stretch>
-        </p:blipFill>
-        <p:spPr>
-          <a:xfrm>
-            <a:off x="0" y="0"/>
-            <a:ext cx="12192000" cy="6858000"/>
-          </a:xfrm>
-          <a:prstGeom prst="rect">
-            <a:avLst/>
-          </a:prstGeom>
-        </p:spPr>
-      </p:pic>
-      <p:sp>
-        <p:nvSpPr>
-          <p:cNvPr id="4" name="Oval 3">
-            <a:extLst>
-              <a:ext uri="{FF2B5EF4-FFF2-40B4-BE49-F238E27FC236}">
-                <a16:creationId xmlns:a16="http://schemas.microsoft.com/office/drawing/2014/main" id="{59DDA077-1540-F861-5590-F07F7D662F14}"/>
-              </a:ext>
-            </a:extLst>
-          </p:cNvPr>
-          <p:cNvSpPr/>
-          <p:nvPr/>
-        </p:nvSpPr>
-        <p:spPr>
-          <a:xfrm>
-            <a:off x="-1859666" y="-3003630"/>
-            <a:ext cx="15911332" cy="12865260"/>
-          </a:xfrm>
-          <a:prstGeom prst="ellipse">
-            <a:avLst/>
-          </a:prstGeom>
-          <a:solidFill>
-            <a:srgbClr val="10425A">
-              <a:alpha val="40000"/>
-            </a:srgbClr>
-          </a:solidFill>
-          <a:ln w="127000">
-            <a:solidFill>
-              <a:schemeClr val="bg1"/>
-            </a:solidFill>
-          </a:ln>
-        </p:spPr>
-        <p:style>
-          <a:lnRef idx="2">
-            <a:schemeClr val="accent1">
-              <a:shade val="15000"/>
-            </a:schemeClr>
-          </a:lnRef>
-          <a:fillRef idx="1">
-            <a:schemeClr val="accent1"/>
-          </a:fillRef>
-          <a:effectRef idx="0">
-            <a:schemeClr val="accent1"/>
-          </a:effectRef>
-          <a:fontRef idx="minor">
-            <a:schemeClr val="lt1"/>
-          </a:fontRef>
-        </p:style>
-        <p:txBody>
-          <a:bodyPr rtlCol="0" anchor="ctr"/>
-          <a:lstStyle/>
-          <a:p>
-            <a:pPr marL="0" marR="0" lvl="0" indent="0" algn="ctr" defTabSz="914400" rtl="0" eaLnBrk="1" fontAlgn="auto" latinLnBrk="0" hangingPunct="1">
-              <a:lnSpc>
-                <a:spcPct val="100000"/>
-              </a:lnSpc>
-              <a:spcBef>
-                <a:spcPts val="0"/>
-              </a:spcBef>
-              <a:spcAft>
-                <a:spcPts val="0"/>
-              </a:spcAft>
-              <a:buClrTx/>
-              <a:buSzTx/>
-              <a:buFontTx/>
-              <a:buNone/>
-              <a:tabLst/>
-              <a:defRPr/>
-            </a:pPr>
-            <a:endParaRPr kumimoji="0" lang="en-US" sz="1800" b="0" i="0" u="none" strike="noStrike" kern="1200" cap="none" spc="0" normalizeH="0" baseline="0" noProof="0" dirty="0">
+              <a:t>Guide awareness programs on healthy screen use.</a:t>
+            </a:r>
+            <a:endParaRPr kumimoji="0" lang="ar-OM" sz="1800" b="0" i="0" u="none" strike="noStrike" kern="1200" cap="none" spc="0" normalizeH="0" baseline="0" noProof="0" dirty="0">
               <a:ln>
                 <a:noFill/>
               </a:ln>
@@ -14928,158 +16109,6 @@
               <a:ea typeface="+mn-ea"/>
               <a:cs typeface="+mn-cs"/>
             </a:endParaRPr>
-          </a:p>
-        </p:txBody>
-      </p:sp>
-      <p:sp>
-        <p:nvSpPr>
-          <p:cNvPr id="5" name="TextBox 4">
-            <a:extLst>
-              <a:ext uri="{FF2B5EF4-FFF2-40B4-BE49-F238E27FC236}">
-                <a16:creationId xmlns:a16="http://schemas.microsoft.com/office/drawing/2014/main" id="{21B76BD1-2B14-E7D0-4A3F-C95D8F572137}"/>
-              </a:ext>
-            </a:extLst>
-          </p:cNvPr>
-          <p:cNvSpPr txBox="1"/>
-          <p:nvPr/>
-        </p:nvSpPr>
-        <p:spPr>
-          <a:xfrm>
-            <a:off x="1430439" y="1846928"/>
-            <a:ext cx="9331123" cy="1323439"/>
-          </a:xfrm>
-          <a:prstGeom prst="rect">
-            <a:avLst/>
-          </a:prstGeom>
-          <a:noFill/>
-          <a:effectLst>
-            <a:outerShdw blurRad="50800" dist="38100" dir="2700000" algn="tl" rotWithShape="0">
-              <a:prstClr val="black">
-                <a:alpha val="40000"/>
-              </a:prstClr>
-            </a:outerShdw>
-          </a:effectLst>
-        </p:spPr>
-        <p:txBody>
-          <a:bodyPr wrap="square" rtlCol="0">
-            <a:spAutoFit/>
-          </a:bodyPr>
-          <a:lstStyle/>
-          <a:p>
-            <a:pPr marL="0" marR="0" lvl="0" indent="0" algn="ctr" defTabSz="914400" rtl="0" eaLnBrk="1" fontAlgn="auto" latinLnBrk="0" hangingPunct="1">
-              <a:lnSpc>
-                <a:spcPct val="100000"/>
-              </a:lnSpc>
-              <a:spcBef>
-                <a:spcPts val="0"/>
-              </a:spcBef>
-              <a:spcAft>
-                <a:spcPts val="0"/>
-              </a:spcAft>
-              <a:buClrTx/>
-              <a:buSzTx/>
-              <a:buFontTx/>
-              <a:buNone/>
-              <a:tabLst/>
-              <a:defRPr/>
-            </a:pPr>
-            <a:r>
-              <a:rPr kumimoji="0" lang="en-US" sz="8000" b="1" i="0" u="none" strike="noStrike" kern="1200" cap="none" spc="0" normalizeH="0" baseline="0" noProof="0" dirty="0">
-                <a:ln>
-                  <a:noFill/>
-                </a:ln>
-                <a:solidFill>
-                  <a:prstClr val="white"/>
-                </a:solidFill>
-                <a:effectLst/>
-                <a:uLnTx/>
-                <a:uFillTx/>
-                <a:latin typeface="Aharoni" panose="020F0502020204030204" pitchFamily="2" charset="-79"/>
-                <a:ea typeface="+mn-ea"/>
-                <a:cs typeface="Aharoni" panose="020F0502020204030204" pitchFamily="2" charset="-79"/>
-              </a:rPr>
-              <a:t>Summary</a:t>
-            </a:r>
-          </a:p>
-        </p:txBody>
-      </p:sp>
-      <p:sp>
-        <p:nvSpPr>
-          <p:cNvPr id="6" name="TextBox 5">
-            <a:extLst>
-              <a:ext uri="{FF2B5EF4-FFF2-40B4-BE49-F238E27FC236}">
-                <a16:creationId xmlns:a16="http://schemas.microsoft.com/office/drawing/2014/main" id="{044F61F9-9931-F702-2814-3D7328303F51}"/>
-              </a:ext>
-            </a:extLst>
-          </p:cNvPr>
-          <p:cNvSpPr txBox="1"/>
-          <p:nvPr/>
-        </p:nvSpPr>
-        <p:spPr>
-          <a:xfrm>
-            <a:off x="4216400" y="3213122"/>
-            <a:ext cx="7477760" cy="2960875"/>
-          </a:xfrm>
-          <a:prstGeom prst="rect">
-            <a:avLst/>
-          </a:prstGeom>
-          <a:noFill/>
-        </p:spPr>
-        <p:txBody>
-          <a:bodyPr wrap="square" rtlCol="0">
-            <a:spAutoFit/>
-          </a:bodyPr>
-          <a:lstStyle/>
-          <a:p>
-            <a:pPr marR="0" lvl="0" algn="just" defTabSz="914400" rtl="0" eaLnBrk="1" fontAlgn="auto" latinLnBrk="0" hangingPunct="1">
-              <a:lnSpc>
-                <a:spcPct val="150000"/>
-              </a:lnSpc>
-              <a:spcBef>
-                <a:spcPts val="0"/>
-              </a:spcBef>
-              <a:spcAft>
-                <a:spcPts val="0"/>
-              </a:spcAft>
-              <a:buClrTx/>
-              <a:buSzTx/>
-              <a:tabLst/>
-              <a:defRPr/>
-            </a:pPr>
-            <a:r>
-              <a:rPr kumimoji="0" lang="en-US" sz="1800" b="0" i="0" u="none" strike="noStrike" kern="1200" cap="none" spc="0" normalizeH="0" baseline="0" noProof="0" dirty="0">
-                <a:ln>
-                  <a:noFill/>
-                </a:ln>
-                <a:solidFill>
-                  <a:prstClr val="white"/>
-                </a:solidFill>
-                <a:effectLst/>
-                <a:uLnTx/>
-                <a:uFillTx/>
-                <a:latin typeface="Aptos" panose="02110004020202020204"/>
-                <a:ea typeface="+mn-ea"/>
-                <a:cs typeface="+mn-cs"/>
-              </a:rPr>
-              <a:t>Benefits of These Insights</a:t>
-            </a:r>
-            <a:r>
-              <a:rPr kumimoji="0" lang="ar-OM" sz="1800" b="0" i="0" u="none" strike="noStrike" kern="1200" cap="none" spc="0" normalizeH="0" baseline="0" noProof="0" dirty="0">
-                <a:ln>
-                  <a:noFill/>
-                </a:ln>
-                <a:solidFill>
-                  <a:prstClr val="white"/>
-                </a:solidFill>
-                <a:effectLst/>
-                <a:uLnTx/>
-                <a:uFillTx/>
-                <a:latin typeface="Aptos" panose="02110004020202020204"/>
-                <a:ea typeface="+mn-ea"/>
-                <a:cs typeface="+mn-cs"/>
-              </a:rPr>
-              <a:t>:</a:t>
-            </a:r>
           </a:p>
           <a:p>
             <a:pPr marL="285750" marR="0" lvl="0" indent="-285750" algn="just" defTabSz="914400" rtl="0" eaLnBrk="1" fontAlgn="auto" latinLnBrk="0" hangingPunct="1">
@@ -15114,117 +16143,17 @@
                 <a:ea typeface="+mn-ea"/>
                 <a:cs typeface="+mn-cs"/>
               </a:rPr>
-              <a:t>Help people understand how screen and social media habits affect their stress and sleep.</a:t>
-            </a:r>
-            <a:endParaRPr kumimoji="0" lang="ar-OM" sz="1800" b="0" i="0" u="none" strike="noStrike" kern="1200" cap="none" spc="0" normalizeH="0" baseline="0" noProof="0" dirty="0">
-              <a:ln>
-                <a:noFill/>
-              </a:ln>
-              <a:solidFill>
-                <a:prstClr val="white"/>
-              </a:solidFill>
-              <a:effectLst/>
-              <a:uLnTx/>
-              <a:uFillTx/>
-              <a:latin typeface="Aptos" panose="02110004020202020204"/>
-              <a:ea typeface="+mn-ea"/>
-              <a:cs typeface="+mn-cs"/>
-            </a:endParaRPr>
-          </a:p>
-          <a:p>
-            <a:pPr marL="285750" marR="0" lvl="0" indent="-285750" algn="just" defTabSz="914400" rtl="0" eaLnBrk="1" fontAlgn="auto" latinLnBrk="0" hangingPunct="1">
-              <a:lnSpc>
-                <a:spcPct val="150000"/>
-              </a:lnSpc>
-              <a:spcBef>
-                <a:spcPts val="0"/>
-              </a:spcBef>
-              <a:spcAft>
-                <a:spcPts val="0"/>
-              </a:spcAft>
-              <a:buClrTx/>
-              <a:buSzTx/>
-              <a:buFont typeface="Arial" panose="020B0604020202020204" pitchFamily="34" charset="0"/>
-              <a:buChar char="•"/>
-              <a:tabLst/>
-              <a:defRPr/>
-            </a:pPr>
-            <a:r>
-              <a:rPr kumimoji="0" lang="en-US" sz="1800" b="0" i="0" u="none" strike="noStrike" kern="1200" cap="none" spc="0" normalizeH="0" baseline="0" noProof="0" dirty="0">
-                <a:ln>
-                  <a:noFill/>
-                </a:ln>
-                <a:solidFill>
-                  <a:prstClr val="white"/>
-                </a:solidFill>
-                <a:effectLst/>
-                <a:uLnTx/>
-                <a:uFillTx/>
-                <a:latin typeface="Aptos" panose="02110004020202020204"/>
-                <a:ea typeface="+mn-ea"/>
-                <a:cs typeface="+mn-cs"/>
-              </a:rPr>
-              <a:t>Encourage healthier daily routines, like reducing screen time before bed.</a:t>
-            </a:r>
-            <a:endParaRPr kumimoji="0" lang="ar-OM" sz="1800" b="0" i="0" u="none" strike="noStrike" kern="1200" cap="none" spc="0" normalizeH="0" baseline="0" noProof="0" dirty="0">
-              <a:ln>
-                <a:noFill/>
-              </a:ln>
-              <a:solidFill>
-                <a:prstClr val="white"/>
-              </a:solidFill>
-              <a:effectLst/>
-              <a:uLnTx/>
-              <a:uFillTx/>
-              <a:latin typeface="Aptos" panose="02110004020202020204"/>
-              <a:ea typeface="+mn-ea"/>
-              <a:cs typeface="+mn-cs"/>
-            </a:endParaRPr>
-          </a:p>
-          <a:p>
-            <a:pPr marL="285750" marR="0" lvl="0" indent="-285750" algn="just" defTabSz="914400" rtl="0" eaLnBrk="1" fontAlgn="auto" latinLnBrk="0" hangingPunct="1">
-              <a:lnSpc>
-                <a:spcPct val="150000"/>
-              </a:lnSpc>
-              <a:spcBef>
-                <a:spcPts val="0"/>
-              </a:spcBef>
-              <a:spcAft>
-                <a:spcPts val="0"/>
-              </a:spcAft>
-              <a:buClrTx/>
-              <a:buSzTx/>
-              <a:buFont typeface="Arial" panose="020B0604020202020204" pitchFamily="34" charset="0"/>
-              <a:buChar char="•"/>
-              <a:tabLst/>
-              <a:defRPr/>
-            </a:pPr>
-            <a:r>
-              <a:rPr kumimoji="0" lang="en-US" sz="1800" b="0" i="0" u="none" strike="noStrike" kern="1200" cap="none" spc="0" normalizeH="0" baseline="0" noProof="0" dirty="0">
-                <a:ln>
-                  <a:noFill/>
-                </a:ln>
-                <a:solidFill>
-                  <a:prstClr val="white"/>
-                </a:solidFill>
-                <a:effectLst/>
-                <a:uLnTx/>
-                <a:uFillTx/>
-                <a:latin typeface="Aptos" panose="02110004020202020204"/>
-                <a:ea typeface="+mn-ea"/>
-                <a:cs typeface="+mn-cs"/>
-              </a:rPr>
-              <a:t>Support better decisions in education, health, and digital policy planning.</a:t>
+              <a:t>Help set realistic goals for better mental well-being.</a:t>
             </a:r>
           </a:p>
         </p:txBody>
       </p:sp>
       <p:pic>
         <p:nvPicPr>
-          <p:cNvPr id="7" name="Picture 6">
-            <a:extLst>
-              <a:ext uri="{FF2B5EF4-FFF2-40B4-BE49-F238E27FC236}">
-                <a16:creationId xmlns:a16="http://schemas.microsoft.com/office/drawing/2014/main" id="{F1FE47E2-1033-D000-8FAE-223FA5432711}"/>
+          <p:cNvPr id="2" name="Picture 1">
+            <a:extLst>
+              <a:ext uri="{FF2B5EF4-FFF2-40B4-BE49-F238E27FC236}">
+                <a16:creationId xmlns:a16="http://schemas.microsoft.com/office/drawing/2014/main" id="{F39228E6-B5B7-0E97-DD9B-C0445214F449}"/>
               </a:ext>
             </a:extLst>
           </p:cNvPr>
@@ -15241,7 +16170,7 @@
         </p:blipFill>
         <p:spPr>
           <a:xfrm>
-            <a:off x="870834" y="3213122"/>
+            <a:off x="622300" y="3531395"/>
             <a:ext cx="2971800" cy="2971800"/>
           </a:xfrm>
           <a:prstGeom prst="rect">
@@ -15766,7 +16695,7 @@
         <p:spPr>
           <a:xfrm>
             <a:off x="586961" y="3441412"/>
-            <a:ext cx="5602824" cy="3139321"/>
+            <a:ext cx="5602824" cy="2862322"/>
           </a:xfrm>
           <a:prstGeom prst="rect">
             <a:avLst/>
@@ -15789,37 +16718,35 @@
                   <a:schemeClr val="bg1"/>
                 </a:solidFill>
               </a:rPr>
-              <a:t>Two datasets were obtained for this study:</a:t>
-            </a:r>
-            <a:br>
+              <a:t>Two datasets were used:</a:t>
+            </a:r>
+          </a:p>
+          <a:p>
+            <a:pPr marL="742950" lvl="1" indent="-285750" algn="just">
+              <a:buFont typeface="Courier New" panose="02070309020205020404" pitchFamily="49" charset="0"/>
+              <a:buChar char="o"/>
+            </a:pPr>
+            <a:r>
               <a:rPr lang="en-US" dirty="0">
                 <a:solidFill>
                   <a:schemeClr val="bg1"/>
                 </a:solidFill>
               </a:rPr>
-            </a:br>
+              <a:t> Mental Health &amp; Technology Usage 2024</a:t>
+            </a:r>
+          </a:p>
+          <a:p>
+            <a:pPr marL="742950" lvl="1" indent="-285750" algn="just">
+              <a:buFont typeface="Courier New" panose="02070309020205020404" pitchFamily="49" charset="0"/>
+              <a:buChar char="o"/>
+            </a:pPr>
             <a:r>
               <a:rPr lang="en-US" dirty="0">
                 <a:solidFill>
                   <a:schemeClr val="bg1"/>
                 </a:solidFill>
               </a:rPr>
-              <a:t>▫ Mental Health &amp; Technology Usage 2024</a:t>
-            </a:r>
-            <a:br>
-              <a:rPr lang="en-US" dirty="0">
-                <a:solidFill>
-                  <a:schemeClr val="bg1"/>
-                </a:solidFill>
-              </a:rPr>
-            </a:br>
-            <a:r>
-              <a:rPr lang="en-US" dirty="0">
-                <a:solidFill>
-                  <a:schemeClr val="bg1"/>
-                </a:solidFill>
-              </a:rPr>
-              <a:t>▫ Screen Time &amp; App Usage Data</a:t>
+              <a:t>Screen Time &amp; App Usage Data</a:t>
             </a:r>
           </a:p>
           <a:p>
@@ -15827,14 +16754,11 @@
               <a:buFont typeface="Arial" panose="020B0604020202020204" pitchFamily="34" charset="0"/>
               <a:buChar char="•"/>
             </a:pPr>
-            <a:r>
-              <a:rPr lang="en-US" dirty="0">
-                <a:solidFill>
-                  <a:schemeClr val="bg1"/>
-                </a:solidFill>
-              </a:rPr>
-              <a:t>The mental health dataset includes stress levels, sleep, and tech habits.</a:t>
-            </a:r>
+            <a:endParaRPr lang="en-US" dirty="0">
+              <a:solidFill>
+                <a:schemeClr val="bg1"/>
+              </a:solidFill>
+            </a:endParaRPr>
           </a:p>
           <a:p>
             <a:pPr marL="285750" indent="-285750" algn="just">
@@ -15847,7 +16771,7 @@
                   <a:schemeClr val="bg1"/>
                 </a:solidFill>
               </a:rPr>
-              <a:t>The screen time dataset tracks daily app usage across categories.</a:t>
+              <a:t>The first covers stress, sleep, and tech habits.</a:t>
             </a:r>
           </a:p>
           <a:p>
@@ -15855,14 +16779,11 @@
               <a:buFont typeface="Arial" panose="020B0604020202020204" pitchFamily="34" charset="0"/>
               <a:buChar char="•"/>
             </a:pPr>
-            <a:r>
-              <a:rPr lang="en-US" dirty="0">
-                <a:solidFill>
-                  <a:schemeClr val="bg1"/>
-                </a:solidFill>
-              </a:rPr>
-              <a:t>Both datasets were merged using screen time as a common key.</a:t>
-            </a:r>
+            <a:endParaRPr lang="en-US" dirty="0">
+              <a:solidFill>
+                <a:schemeClr val="bg1"/>
+              </a:solidFill>
+            </a:endParaRPr>
           </a:p>
           <a:p>
             <a:pPr marL="285750" indent="-285750" algn="just">
@@ -15875,7 +16796,32 @@
                   <a:schemeClr val="bg1"/>
                 </a:solidFill>
               </a:rPr>
-              <a:t>This integration provided a complete view of users' digital behavior and mental health.</a:t>
+              <a:t>The second tracks daily app use by category.</a:t>
+            </a:r>
+          </a:p>
+          <a:p>
+            <a:pPr marL="285750" indent="-285750" algn="just">
+              <a:buFont typeface="Arial" panose="020B0604020202020204" pitchFamily="34" charset="0"/>
+              <a:buChar char="•"/>
+            </a:pPr>
+            <a:endParaRPr lang="en-US" dirty="0">
+              <a:solidFill>
+                <a:schemeClr val="bg1"/>
+              </a:solidFill>
+            </a:endParaRPr>
+          </a:p>
+          <a:p>
+            <a:pPr marL="285750" indent="-285750" algn="just">
+              <a:buFont typeface="Arial" panose="020B0604020202020204" pitchFamily="34" charset="0"/>
+              <a:buChar char="•"/>
+            </a:pPr>
+            <a:r>
+              <a:rPr lang="en-US" dirty="0">
+                <a:solidFill>
+                  <a:schemeClr val="bg1"/>
+                </a:solidFill>
+              </a:rPr>
+              <a:t>Merging them gave a full view of why people spend so much time on their screens.</a:t>
             </a:r>
           </a:p>
         </p:txBody>

--- a/Project1/Presentation1.pptx
+++ b/Project1/Presentation1.pptx
@@ -33,12 +33,10 @@
     <p:sldId id="296" r:id="rId27"/>
     <p:sldId id="272" r:id="rId28"/>
     <p:sldId id="292" r:id="rId29"/>
-    <p:sldId id="297" r:id="rId30"/>
-    <p:sldId id="274" r:id="rId31"/>
-    <p:sldId id="271" r:id="rId32"/>
-    <p:sldId id="290" r:id="rId33"/>
-    <p:sldId id="275" r:id="rId34"/>
-    <p:sldId id="278" r:id="rId35"/>
+    <p:sldId id="274" r:id="rId30"/>
+    <p:sldId id="290" r:id="rId31"/>
+    <p:sldId id="275" r:id="rId32"/>
+    <p:sldId id="278" r:id="rId33"/>
   </p:sldIdLst>
   <p:sldSz cx="12192000" cy="6858000"/>
   <p:notesSz cx="6858000" cy="9144000"/>
@@ -190,9 +188,7 @@
             <p14:sldId id="296"/>
             <p14:sldId id="272"/>
             <p14:sldId id="292"/>
-            <p14:sldId id="297"/>
             <p14:sldId id="274"/>
-            <p14:sldId id="271"/>
             <p14:sldId id="290"/>
           </p14:sldIdLst>
         </p14:section>
@@ -366,7 +362,7 @@
           <a:p>
             <a:fld id="{5DC5528E-2842-4867-9C93-41C9BBDFC53C}" type="datetimeFigureOut">
               <a:rPr lang="en-US" smtClean="0"/>
-              <a:t>11/3/2025</a:t>
+              <a:t>11/4/2025</a:t>
             </a:fld>
             <a:endParaRPr lang="en-US"/>
           </a:p>
@@ -564,7 +560,7 @@
           <a:p>
             <a:fld id="{5DC5528E-2842-4867-9C93-41C9BBDFC53C}" type="datetimeFigureOut">
               <a:rPr lang="en-US" smtClean="0"/>
-              <a:t>11/3/2025</a:t>
+              <a:t>11/4/2025</a:t>
             </a:fld>
             <a:endParaRPr lang="en-US"/>
           </a:p>
@@ -772,7 +768,7 @@
           <a:p>
             <a:fld id="{5DC5528E-2842-4867-9C93-41C9BBDFC53C}" type="datetimeFigureOut">
               <a:rPr lang="en-US" smtClean="0"/>
-              <a:t>11/3/2025</a:t>
+              <a:t>11/4/2025</a:t>
             </a:fld>
             <a:endParaRPr lang="en-US"/>
           </a:p>
@@ -970,7 +966,7 @@
           <a:p>
             <a:fld id="{5DC5528E-2842-4867-9C93-41C9BBDFC53C}" type="datetimeFigureOut">
               <a:rPr lang="en-US" smtClean="0"/>
-              <a:t>11/3/2025</a:t>
+              <a:t>11/4/2025</a:t>
             </a:fld>
             <a:endParaRPr lang="en-US"/>
           </a:p>
@@ -1245,7 +1241,7 @@
           <a:p>
             <a:fld id="{5DC5528E-2842-4867-9C93-41C9BBDFC53C}" type="datetimeFigureOut">
               <a:rPr lang="en-US" smtClean="0"/>
-              <a:t>11/3/2025</a:t>
+              <a:t>11/4/2025</a:t>
             </a:fld>
             <a:endParaRPr lang="en-US"/>
           </a:p>
@@ -1510,7 +1506,7 @@
           <a:p>
             <a:fld id="{5DC5528E-2842-4867-9C93-41C9BBDFC53C}" type="datetimeFigureOut">
               <a:rPr lang="en-US" smtClean="0"/>
-              <a:t>11/3/2025</a:t>
+              <a:t>11/4/2025</a:t>
             </a:fld>
             <a:endParaRPr lang="en-US"/>
           </a:p>
@@ -1922,7 +1918,7 @@
           <a:p>
             <a:fld id="{5DC5528E-2842-4867-9C93-41C9BBDFC53C}" type="datetimeFigureOut">
               <a:rPr lang="en-US" smtClean="0"/>
-              <a:t>11/3/2025</a:t>
+              <a:t>11/4/2025</a:t>
             </a:fld>
             <a:endParaRPr lang="en-US"/>
           </a:p>
@@ -2063,7 +2059,7 @@
           <a:p>
             <a:fld id="{5DC5528E-2842-4867-9C93-41C9BBDFC53C}" type="datetimeFigureOut">
               <a:rPr lang="en-US" smtClean="0"/>
-              <a:t>11/3/2025</a:t>
+              <a:t>11/4/2025</a:t>
             </a:fld>
             <a:endParaRPr lang="en-US"/>
           </a:p>
@@ -2176,7 +2172,7 @@
           <a:p>
             <a:fld id="{5DC5528E-2842-4867-9C93-41C9BBDFC53C}" type="datetimeFigureOut">
               <a:rPr lang="en-US" smtClean="0"/>
-              <a:t>11/3/2025</a:t>
+              <a:t>11/4/2025</a:t>
             </a:fld>
             <a:endParaRPr lang="en-US"/>
           </a:p>
@@ -2487,7 +2483,7 @@
           <a:p>
             <a:fld id="{5DC5528E-2842-4867-9C93-41C9BBDFC53C}" type="datetimeFigureOut">
               <a:rPr lang="en-US" smtClean="0"/>
-              <a:t>11/3/2025</a:t>
+              <a:t>11/4/2025</a:t>
             </a:fld>
             <a:endParaRPr lang="en-US"/>
           </a:p>
@@ -2775,7 +2771,7 @@
           <a:p>
             <a:fld id="{5DC5528E-2842-4867-9C93-41C9BBDFC53C}" type="datetimeFigureOut">
               <a:rPr lang="en-US" smtClean="0"/>
-              <a:t>11/3/2025</a:t>
+              <a:t>11/4/2025</a:t>
             </a:fld>
             <a:endParaRPr lang="en-US"/>
           </a:p>
@@ -3016,7 +3012,7 @@
           <a:p>
             <a:fld id="{5DC5528E-2842-4867-9C93-41C9BBDFC53C}" type="datetimeFigureOut">
               <a:rPr lang="en-US" smtClean="0"/>
-              <a:t>11/3/2025</a:t>
+              <a:t>11/4/2025</a:t>
             </a:fld>
             <a:endParaRPr lang="en-US"/>
           </a:p>
@@ -12623,7 +12619,7 @@
         <p:cNvPr id="1" name="">
           <a:extLst>
             <a:ext uri="{FF2B5EF4-FFF2-40B4-BE49-F238E27FC236}">
-              <a16:creationId xmlns:a16="http://schemas.microsoft.com/office/drawing/2014/main" id="{5F25715C-33D3-877F-944A-D09652E30A4C}"/>
+              <a16:creationId xmlns:a16="http://schemas.microsoft.com/office/drawing/2014/main" id="{6FCE7C54-82D1-E762-96D0-A64BCC6C7257}"/>
             </a:ext>
           </a:extLst>
         </p:cNvPr>
@@ -12643,7 +12639,7 @@
           <p:cNvPr id="8" name="Picture 7" descr="A close up of a network&#10;&#10;AI-generated content may be incorrect.">
             <a:extLst>
               <a:ext uri="{FF2B5EF4-FFF2-40B4-BE49-F238E27FC236}">
-                <a16:creationId xmlns:a16="http://schemas.microsoft.com/office/drawing/2014/main" id="{806D10A4-B844-8C72-8AE5-2981914D559C}"/>
+                <a16:creationId xmlns:a16="http://schemas.microsoft.com/office/drawing/2014/main" id="{868535A6-D3C9-50A4-D1B5-010D72438D9F}"/>
               </a:ext>
             </a:extLst>
           </p:cNvPr>
@@ -12689,7 +12685,7 @@
           <p:cNvPr id="4" name="Oval 3">
             <a:extLst>
               <a:ext uri="{FF2B5EF4-FFF2-40B4-BE49-F238E27FC236}">
-                <a16:creationId xmlns:a16="http://schemas.microsoft.com/office/drawing/2014/main" id="{B6B10246-6162-8B8F-B18F-2EDF47FC80EE}"/>
+                <a16:creationId xmlns:a16="http://schemas.microsoft.com/office/drawing/2014/main" id="{8063D96F-0726-8DCB-0318-516E5A22C208}"/>
               </a:ext>
             </a:extLst>
           </p:cNvPr>
@@ -12774,7 +12770,7 @@
           <p:cNvPr id="5" name="TextBox 4">
             <a:extLst>
               <a:ext uri="{FF2B5EF4-FFF2-40B4-BE49-F238E27FC236}">
-                <a16:creationId xmlns:a16="http://schemas.microsoft.com/office/drawing/2014/main" id="{A9BAFE52-22CB-03D1-B7B6-F49768454BEE}"/>
+                <a16:creationId xmlns:a16="http://schemas.microsoft.com/office/drawing/2014/main" id="{05DD3448-8B33-8E2E-A29E-5EFB8E58BD30}"/>
               </a:ext>
             </a:extLst>
           </p:cNvPr>
@@ -12880,7 +12876,7 @@
           <p:cNvPr id="6" name="TextBox 5">
             <a:extLst>
               <a:ext uri="{FF2B5EF4-FFF2-40B4-BE49-F238E27FC236}">
-                <a16:creationId xmlns:a16="http://schemas.microsoft.com/office/drawing/2014/main" id="{DFFFCC8D-953D-1250-D8BD-DA51DDF33A3B}"/>
+                <a16:creationId xmlns:a16="http://schemas.microsoft.com/office/drawing/2014/main" id="{DD1181C0-A6F6-A6FC-BB41-290CEC938E6D}"/>
               </a:ext>
             </a:extLst>
           </p:cNvPr>
@@ -12889,8 +12885,8 @@
         </p:nvSpPr>
         <p:spPr>
           <a:xfrm>
-            <a:off x="6720304" y="3364839"/>
-            <a:ext cx="5089076" cy="2862322"/>
+            <a:off x="5974080" y="3287017"/>
+            <a:ext cx="5963920" cy="3376374"/>
           </a:xfrm>
           <a:prstGeom prst="rect">
             <a:avLst/>
@@ -12903,112 +12899,147 @@
           </a:bodyPr>
           <a:lstStyle/>
           <a:p>
-            <a:pPr algn="ctr"/>
-            <a:r>
-              <a:rPr lang="en-US" dirty="0">
-                <a:solidFill>
-                  <a:schemeClr val="bg1"/>
-                </a:solidFill>
-              </a:rPr>
-              <a:t>Histogram</a:t>
-            </a:r>
-            <a:r>
-              <a:rPr lang="ar-OM" dirty="0">
-                <a:solidFill>
-                  <a:schemeClr val="bg1"/>
-                </a:solidFill>
-              </a:rPr>
-              <a:t>:</a:t>
-            </a:r>
-            <a:br>
-              <a:rPr lang="en-US" dirty="0">
-                <a:solidFill>
-                  <a:schemeClr val="bg1"/>
-                </a:solidFill>
-              </a:rPr>
-            </a:br>
-            <a:endParaRPr lang="en-US" dirty="0">
-              <a:solidFill>
-                <a:schemeClr val="bg1"/>
-              </a:solidFill>
-            </a:endParaRPr>
-          </a:p>
-          <a:p>
-            <a:pPr marL="285750" indent="-285750">
+            <a:pPr marL="285750" marR="0" lvl="0" indent="-285750" algn="just" defTabSz="914400" rtl="0" eaLnBrk="1" fontAlgn="auto" latinLnBrk="0" hangingPunct="1">
+              <a:lnSpc>
+                <a:spcPct val="150000"/>
+              </a:lnSpc>
+              <a:spcBef>
+                <a:spcPts val="0"/>
+              </a:spcBef>
+              <a:spcAft>
+                <a:spcPts val="0"/>
+              </a:spcAft>
+              <a:buClrTx/>
+              <a:buSzTx/>
               <a:buFont typeface="Arial" panose="020B0604020202020204" pitchFamily="34" charset="0"/>
               <a:buChar char="•"/>
+              <a:tabLst/>
+              <a:defRPr/>
             </a:pPr>
             <a:r>
-              <a:rPr lang="en-US" dirty="0">
-                <a:solidFill>
-                  <a:schemeClr val="bg1"/>
-                </a:solidFill>
+              <a:rPr kumimoji="0" lang="en-US" sz="1800" b="0" i="0" u="none" strike="noStrike" kern="1200" cap="none" spc="0" normalizeH="0" baseline="0" noProof="0" dirty="0">
+                <a:ln>
+                  <a:noFill/>
+                </a:ln>
+                <a:solidFill>
+                  <a:prstClr val="white"/>
+                </a:solidFill>
+                <a:effectLst/>
+                <a:uLnTx/>
+                <a:uFillTx/>
+                <a:latin typeface="Aptos" panose="02110004020202020204"/>
+                <a:ea typeface="+mn-ea"/>
+                <a:cs typeface="+mn-cs"/>
               </a:rPr>
-              <a:t>Younger people (&lt;30) are generally more physically active.</a:t>
-            </a:r>
-            <a:endParaRPr lang="ar-OM" dirty="0">
-              <a:solidFill>
-                <a:schemeClr val="bg1"/>
-              </a:solidFill>
-            </a:endParaRPr>
-          </a:p>
-          <a:p>
-            <a:pPr marL="285750" indent="-285750">
+              <a:t> The data shows that older adults (50–60) tend to spend more time on screens than younger users.</a:t>
+            </a:r>
+          </a:p>
+          <a:p>
+            <a:pPr marL="285750" marR="0" lvl="0" indent="-285750" algn="just" defTabSz="914400" rtl="0" eaLnBrk="1" fontAlgn="auto" latinLnBrk="0" hangingPunct="1">
+              <a:lnSpc>
+                <a:spcPct val="150000"/>
+              </a:lnSpc>
+              <a:spcBef>
+                <a:spcPts val="0"/>
+              </a:spcBef>
+              <a:spcAft>
+                <a:spcPts val="0"/>
+              </a:spcAft>
+              <a:buClrTx/>
+              <a:buSzTx/>
               <a:buFont typeface="Arial" panose="020B0604020202020204" pitchFamily="34" charset="0"/>
               <a:buChar char="•"/>
+              <a:tabLst/>
+              <a:defRPr/>
             </a:pPr>
             <a:r>
-              <a:rPr lang="en-US" dirty="0">
-                <a:solidFill>
-                  <a:schemeClr val="bg1"/>
-                </a:solidFill>
+              <a:rPr kumimoji="0" lang="en-US" sz="1800" b="0" i="0" u="none" strike="noStrike" kern="1200" cap="none" spc="0" normalizeH="0" baseline="0" noProof="0" dirty="0">
+                <a:ln>
+                  <a:noFill/>
+                </a:ln>
+                <a:solidFill>
+                  <a:prstClr val="white"/>
+                </a:solidFill>
+                <a:effectLst/>
+                <a:uLnTx/>
+                <a:uFillTx/>
+                <a:latin typeface="Aptos" panose="02110004020202020204"/>
+                <a:ea typeface="+mn-ea"/>
+                <a:cs typeface="+mn-cs"/>
               </a:rPr>
-              <a:t>Middle-aged adults (30–49) show lower activity levels.</a:t>
-            </a:r>
-            <a:endParaRPr lang="ar-OM" dirty="0">
-              <a:solidFill>
-                <a:schemeClr val="bg1"/>
-              </a:solidFill>
-            </a:endParaRPr>
-          </a:p>
-          <a:p>
-            <a:pPr marL="285750" indent="-285750">
+              <a:t>There is still a clear negative relationship between sleep hours and screen time.</a:t>
+            </a:r>
+          </a:p>
+          <a:p>
+            <a:pPr marL="285750" marR="0" lvl="0" indent="-285750" algn="just" defTabSz="914400" rtl="0" eaLnBrk="1" fontAlgn="auto" latinLnBrk="0" hangingPunct="1">
+              <a:lnSpc>
+                <a:spcPct val="150000"/>
+              </a:lnSpc>
+              <a:spcBef>
+                <a:spcPts val="0"/>
+              </a:spcBef>
+              <a:spcAft>
+                <a:spcPts val="0"/>
+              </a:spcAft>
+              <a:buClrTx/>
+              <a:buSzTx/>
               <a:buFont typeface="Arial" panose="020B0604020202020204" pitchFamily="34" charset="0"/>
               <a:buChar char="•"/>
+              <a:tabLst/>
+              <a:defRPr/>
             </a:pPr>
             <a:r>
-              <a:rPr lang="en-US" dirty="0">
-                <a:solidFill>
-                  <a:schemeClr val="bg1"/>
-                </a:solidFill>
+              <a:rPr kumimoji="0" lang="en-US" sz="1800" b="0" i="0" u="none" strike="noStrike" kern="1200" cap="none" spc="0" normalizeH="0" baseline="0" noProof="0" dirty="0">
+                <a:ln>
+                  <a:noFill/>
+                </a:ln>
+                <a:solidFill>
+                  <a:prstClr val="white"/>
+                </a:solidFill>
+                <a:effectLst/>
+                <a:uLnTx/>
+                <a:uFillTx/>
+                <a:latin typeface="Aptos" panose="02110004020202020204"/>
+                <a:ea typeface="+mn-ea"/>
+                <a:cs typeface="+mn-cs"/>
               </a:rPr>
-              <a:t>Older adults (50+) have mixed activity patterns.</a:t>
-            </a:r>
-            <a:endParaRPr lang="ar-OM" dirty="0">
-              <a:solidFill>
-                <a:schemeClr val="bg1"/>
-              </a:solidFill>
-            </a:endParaRPr>
-          </a:p>
-          <a:p>
-            <a:pPr marL="285750" indent="-285750">
+              <a:t>Interestingly, people with good or excellent mental health show slightly higher screen time,</a:t>
+            </a:r>
+          </a:p>
+          <a:p>
+            <a:pPr marL="285750" marR="0" lvl="0" indent="-285750" algn="just" defTabSz="914400" rtl="0" eaLnBrk="1" fontAlgn="auto" latinLnBrk="0" hangingPunct="1">
+              <a:lnSpc>
+                <a:spcPct val="150000"/>
+              </a:lnSpc>
+              <a:spcBef>
+                <a:spcPts val="0"/>
+              </a:spcBef>
+              <a:spcAft>
+                <a:spcPts val="0"/>
+              </a:spcAft>
+              <a:buClrTx/>
+              <a:buSzTx/>
               <a:buFont typeface="Arial" panose="020B0604020202020204" pitchFamily="34" charset="0"/>
               <a:buChar char="•"/>
+              <a:tabLst/>
+              <a:defRPr/>
             </a:pPr>
-            <a:endParaRPr lang="en-US" dirty="0">
-              <a:solidFill>
-                <a:schemeClr val="bg1"/>
-              </a:solidFill>
-            </a:endParaRPr>
-          </a:p>
-          <a:p>
-            <a:r>
-              <a:rPr lang="en-US" dirty="0">
-                <a:solidFill>
-                  <a:schemeClr val="bg1"/>
-                </a:solidFill>
+            <a:r>
+              <a:rPr kumimoji="0" lang="en-US" sz="1800" b="0" i="0" u="none" strike="noStrike" kern="1200" cap="none" spc="0" normalizeH="0" baseline="0" noProof="0" dirty="0">
+                <a:ln>
+                  <a:noFill/>
+                </a:ln>
+                <a:solidFill>
+                  <a:prstClr val="white"/>
+                </a:solidFill>
+                <a:effectLst/>
+                <a:uLnTx/>
+                <a:uFillTx/>
+                <a:latin typeface="Aptos" panose="02110004020202020204"/>
+                <a:ea typeface="+mn-ea"/>
+                <a:cs typeface="+mn-cs"/>
               </a:rPr>
-              <a:t>This shows that physical activity decreases with age for most people.</a:t>
+              <a:t>which might indicate productive or balanced digital use rather than stress-related behavior.</a:t>
             </a:r>
           </a:p>
         </p:txBody>
@@ -13018,7 +13049,7 @@
           <p:cNvPr id="2" name="Picture 1">
             <a:extLst>
               <a:ext uri="{FF2B5EF4-FFF2-40B4-BE49-F238E27FC236}">
-                <a16:creationId xmlns:a16="http://schemas.microsoft.com/office/drawing/2014/main" id="{68346741-5434-6084-EEB2-ACD0CBDC4491}"/>
+                <a16:creationId xmlns:a16="http://schemas.microsoft.com/office/drawing/2014/main" id="{76C0C999-49A1-135C-DB57-71C4079FFC83}"/>
               </a:ext>
             </a:extLst>
           </p:cNvPr>
@@ -13045,10 +13076,10 @@
       </p:pic>
       <p:pic>
         <p:nvPicPr>
-          <p:cNvPr id="7" name="Picture 6">
-            <a:extLst>
-              <a:ext uri="{FF2B5EF4-FFF2-40B4-BE49-F238E27FC236}">
-                <a16:creationId xmlns:a16="http://schemas.microsoft.com/office/drawing/2014/main" id="{69B5D2B8-56AE-9309-CDE5-BD2BA9D80574}"/>
+          <p:cNvPr id="9" name="Picture 8">
+            <a:extLst>
+              <a:ext uri="{FF2B5EF4-FFF2-40B4-BE49-F238E27FC236}">
+                <a16:creationId xmlns:a16="http://schemas.microsoft.com/office/drawing/2014/main" id="{EA7D2337-B0D4-F294-0A2E-1A4C8950F987}"/>
               </a:ext>
             </a:extLst>
           </p:cNvPr>
@@ -13065,8 +13096,8 @@
         </p:blipFill>
         <p:spPr>
           <a:xfrm>
-            <a:off x="536620" y="3117480"/>
-            <a:ext cx="5971183" cy="3623733"/>
+            <a:off x="145915" y="3170366"/>
+            <a:ext cx="5828165" cy="3376374"/>
           </a:xfrm>
           <a:prstGeom prst="rect">
             <a:avLst/>
@@ -13076,7 +13107,7 @@
     </p:spTree>
     <p:extLst>
       <p:ext uri="{BB962C8B-B14F-4D97-AF65-F5344CB8AC3E}">
-        <p14:creationId xmlns:p14="http://schemas.microsoft.com/office/powerpoint/2010/main" val="769220750"/>
+        <p14:creationId xmlns:p14="http://schemas.microsoft.com/office/powerpoint/2010/main" val="1464116873"/>
       </p:ext>
     </p:extLst>
   </p:cSld>
@@ -13953,7 +13984,7 @@
         <p:cNvPr id="1" name="">
           <a:extLst>
             <a:ext uri="{FF2B5EF4-FFF2-40B4-BE49-F238E27FC236}">
-              <a16:creationId xmlns:a16="http://schemas.microsoft.com/office/drawing/2014/main" id="{6FCE7C54-82D1-E762-96D0-A64BCC6C7257}"/>
+              <a16:creationId xmlns:a16="http://schemas.microsoft.com/office/drawing/2014/main" id="{9CBB9263-025E-4498-E269-7282F20D5B4A}"/>
             </a:ext>
           </a:extLst>
         </p:cNvPr>
@@ -13973,7 +14004,7 @@
           <p:cNvPr id="8" name="Picture 7" descr="A close up of a network&#10;&#10;AI-generated content may be incorrect.">
             <a:extLst>
               <a:ext uri="{FF2B5EF4-FFF2-40B4-BE49-F238E27FC236}">
-                <a16:creationId xmlns:a16="http://schemas.microsoft.com/office/drawing/2014/main" id="{868535A6-D3C9-50A4-D1B5-010D72438D9F}"/>
+                <a16:creationId xmlns:a16="http://schemas.microsoft.com/office/drawing/2014/main" id="{FEF14F2A-D499-B335-4342-B33E8EA86BD0}"/>
               </a:ext>
             </a:extLst>
           </p:cNvPr>
@@ -14019,7 +14050,7 @@
           <p:cNvPr id="4" name="Oval 3">
             <a:extLst>
               <a:ext uri="{FF2B5EF4-FFF2-40B4-BE49-F238E27FC236}">
-                <a16:creationId xmlns:a16="http://schemas.microsoft.com/office/drawing/2014/main" id="{8063D96F-0726-8DCB-0318-516E5A22C208}"/>
+                <a16:creationId xmlns:a16="http://schemas.microsoft.com/office/drawing/2014/main" id="{A1261796-5942-5546-5F7F-871DEB9B6690}"/>
               </a:ext>
             </a:extLst>
           </p:cNvPr>
@@ -14104,1060 +14135,6 @@
           <p:cNvPr id="5" name="TextBox 4">
             <a:extLst>
               <a:ext uri="{FF2B5EF4-FFF2-40B4-BE49-F238E27FC236}">
-                <a16:creationId xmlns:a16="http://schemas.microsoft.com/office/drawing/2014/main" id="{05DD3448-8B33-8E2E-A29E-5EFB8E58BD30}"/>
-              </a:ext>
-            </a:extLst>
-          </p:cNvPr>
-          <p:cNvSpPr txBox="1"/>
-          <p:nvPr/>
-        </p:nvSpPr>
-        <p:spPr>
-          <a:xfrm>
-            <a:off x="2192439" y="1846928"/>
-            <a:ext cx="9331123" cy="1323439"/>
-          </a:xfrm>
-          <a:prstGeom prst="rect">
-            <a:avLst/>
-          </a:prstGeom>
-          <a:noFill/>
-          <a:effectLst>
-            <a:outerShdw blurRad="50800" dist="38100" dir="2700000" algn="tl" rotWithShape="0">
-              <a:prstClr val="black">
-                <a:alpha val="40000"/>
-              </a:prstClr>
-            </a:outerShdw>
-          </a:effectLst>
-        </p:spPr>
-        <p:txBody>
-          <a:bodyPr wrap="square" rtlCol="0">
-            <a:spAutoFit/>
-          </a:bodyPr>
-          <a:lstStyle/>
-          <a:p>
-            <a:pPr marL="0" marR="0" lvl="0" indent="0" algn="l" defTabSz="914400" rtl="0" eaLnBrk="1" fontAlgn="auto" latinLnBrk="0" hangingPunct="1">
-              <a:lnSpc>
-                <a:spcPct val="100000"/>
-              </a:lnSpc>
-              <a:spcBef>
-                <a:spcPts val="0"/>
-              </a:spcBef>
-              <a:spcAft>
-                <a:spcPts val="0"/>
-              </a:spcAft>
-              <a:buClrTx/>
-              <a:buSzTx/>
-              <a:buFontTx/>
-              <a:buNone/>
-              <a:tabLst/>
-              <a:defRPr/>
-            </a:pPr>
-            <a:r>
-              <a:rPr kumimoji="0" lang="en-US" sz="8000" b="1" i="0" u="none" strike="noStrike" kern="1200" cap="none" spc="0" normalizeH="0" baseline="0" noProof="0" dirty="0">
-                <a:ln>
-                  <a:noFill/>
-                </a:ln>
-                <a:solidFill>
-                  <a:prstClr val="white"/>
-                </a:solidFill>
-                <a:effectLst/>
-                <a:uLnTx/>
-                <a:uFillTx/>
-                <a:latin typeface="Aharoni" panose="020F0502020204030204" pitchFamily="2" charset="-79"/>
-                <a:ea typeface="+mn-ea"/>
-                <a:cs typeface="Aharoni" panose="020F0502020204030204" pitchFamily="2" charset="-79"/>
-              </a:rPr>
-              <a:t>Data</a:t>
-            </a:r>
-            <a:r>
-              <a:rPr kumimoji="0" lang="ar-OM" sz="8000" b="1" i="0" u="none" strike="noStrike" kern="1200" cap="none" spc="0" normalizeH="0" baseline="0" noProof="0" dirty="0">
-                <a:ln>
-                  <a:noFill/>
-                </a:ln>
-                <a:solidFill>
-                  <a:prstClr val="white"/>
-                </a:solidFill>
-                <a:effectLst/>
-                <a:uLnTx/>
-                <a:uFillTx/>
-                <a:latin typeface="Aharoni" panose="020F0502020204030204" pitchFamily="2" charset="-79"/>
-                <a:ea typeface="+mn-ea"/>
-                <a:cs typeface="Aharoni" panose="020F0502020204030204" pitchFamily="2" charset="-79"/>
-              </a:rPr>
-              <a:t> </a:t>
-            </a:r>
-            <a:r>
-              <a:rPr kumimoji="0" lang="en-US" sz="8000" b="1" i="0" u="none" strike="noStrike" kern="1200" cap="none" spc="0" normalizeH="0" baseline="0" noProof="0" dirty="0">
-                <a:ln>
-                  <a:noFill/>
-                </a:ln>
-                <a:solidFill>
-                  <a:prstClr val="white"/>
-                </a:solidFill>
-                <a:effectLst/>
-                <a:uLnTx/>
-                <a:uFillTx/>
-                <a:latin typeface="Aharoni" panose="020F0502020204030204" pitchFamily="2" charset="-79"/>
-                <a:ea typeface="+mn-ea"/>
-                <a:cs typeface="Aharoni" panose="020F0502020204030204" pitchFamily="2" charset="-79"/>
-              </a:rPr>
-              <a:t>visualization</a:t>
-            </a:r>
-          </a:p>
-        </p:txBody>
-      </p:sp>
-      <p:sp>
-        <p:nvSpPr>
-          <p:cNvPr id="6" name="TextBox 5">
-            <a:extLst>
-              <a:ext uri="{FF2B5EF4-FFF2-40B4-BE49-F238E27FC236}">
-                <a16:creationId xmlns:a16="http://schemas.microsoft.com/office/drawing/2014/main" id="{DD1181C0-A6F6-A6FC-BB41-290CEC938E6D}"/>
-              </a:ext>
-            </a:extLst>
-          </p:cNvPr>
-          <p:cNvSpPr txBox="1"/>
-          <p:nvPr/>
-        </p:nvSpPr>
-        <p:spPr>
-          <a:xfrm>
-            <a:off x="5974080" y="3287017"/>
-            <a:ext cx="5963920" cy="3376374"/>
-          </a:xfrm>
-          <a:prstGeom prst="rect">
-            <a:avLst/>
-          </a:prstGeom>
-          <a:noFill/>
-        </p:spPr>
-        <p:txBody>
-          <a:bodyPr wrap="square" rtlCol="0">
-            <a:spAutoFit/>
-          </a:bodyPr>
-          <a:lstStyle/>
-          <a:p>
-            <a:pPr marL="285750" marR="0" lvl="0" indent="-285750" algn="just" defTabSz="914400" rtl="0" eaLnBrk="1" fontAlgn="auto" latinLnBrk="0" hangingPunct="1">
-              <a:lnSpc>
-                <a:spcPct val="150000"/>
-              </a:lnSpc>
-              <a:spcBef>
-                <a:spcPts val="0"/>
-              </a:spcBef>
-              <a:spcAft>
-                <a:spcPts val="0"/>
-              </a:spcAft>
-              <a:buClrTx/>
-              <a:buSzTx/>
-              <a:buFont typeface="Arial" panose="020B0604020202020204" pitchFamily="34" charset="0"/>
-              <a:buChar char="•"/>
-              <a:tabLst/>
-              <a:defRPr/>
-            </a:pPr>
-            <a:r>
-              <a:rPr kumimoji="0" lang="en-US" sz="1800" b="0" i="0" u="none" strike="noStrike" kern="1200" cap="none" spc="0" normalizeH="0" baseline="0" noProof="0" dirty="0">
-                <a:ln>
-                  <a:noFill/>
-                </a:ln>
-                <a:solidFill>
-                  <a:prstClr val="white"/>
-                </a:solidFill>
-                <a:effectLst/>
-                <a:uLnTx/>
-                <a:uFillTx/>
-                <a:latin typeface="Aptos" panose="02110004020202020204"/>
-                <a:ea typeface="+mn-ea"/>
-                <a:cs typeface="+mn-cs"/>
-              </a:rPr>
-              <a:t> The data shows that older adults (50–60) tend to spend more time on screens than younger users.</a:t>
-            </a:r>
-          </a:p>
-          <a:p>
-            <a:pPr marL="285750" marR="0" lvl="0" indent="-285750" algn="just" defTabSz="914400" rtl="0" eaLnBrk="1" fontAlgn="auto" latinLnBrk="0" hangingPunct="1">
-              <a:lnSpc>
-                <a:spcPct val="150000"/>
-              </a:lnSpc>
-              <a:spcBef>
-                <a:spcPts val="0"/>
-              </a:spcBef>
-              <a:spcAft>
-                <a:spcPts val="0"/>
-              </a:spcAft>
-              <a:buClrTx/>
-              <a:buSzTx/>
-              <a:buFont typeface="Arial" panose="020B0604020202020204" pitchFamily="34" charset="0"/>
-              <a:buChar char="•"/>
-              <a:tabLst/>
-              <a:defRPr/>
-            </a:pPr>
-            <a:r>
-              <a:rPr kumimoji="0" lang="en-US" sz="1800" b="0" i="0" u="none" strike="noStrike" kern="1200" cap="none" spc="0" normalizeH="0" baseline="0" noProof="0" dirty="0">
-                <a:ln>
-                  <a:noFill/>
-                </a:ln>
-                <a:solidFill>
-                  <a:prstClr val="white"/>
-                </a:solidFill>
-                <a:effectLst/>
-                <a:uLnTx/>
-                <a:uFillTx/>
-                <a:latin typeface="Aptos" panose="02110004020202020204"/>
-                <a:ea typeface="+mn-ea"/>
-                <a:cs typeface="+mn-cs"/>
-              </a:rPr>
-              <a:t>There is still a clear negative relationship between sleep hours and screen time.</a:t>
-            </a:r>
-          </a:p>
-          <a:p>
-            <a:pPr marL="285750" marR="0" lvl="0" indent="-285750" algn="just" defTabSz="914400" rtl="0" eaLnBrk="1" fontAlgn="auto" latinLnBrk="0" hangingPunct="1">
-              <a:lnSpc>
-                <a:spcPct val="150000"/>
-              </a:lnSpc>
-              <a:spcBef>
-                <a:spcPts val="0"/>
-              </a:spcBef>
-              <a:spcAft>
-                <a:spcPts val="0"/>
-              </a:spcAft>
-              <a:buClrTx/>
-              <a:buSzTx/>
-              <a:buFont typeface="Arial" panose="020B0604020202020204" pitchFamily="34" charset="0"/>
-              <a:buChar char="•"/>
-              <a:tabLst/>
-              <a:defRPr/>
-            </a:pPr>
-            <a:r>
-              <a:rPr kumimoji="0" lang="en-US" sz="1800" b="0" i="0" u="none" strike="noStrike" kern="1200" cap="none" spc="0" normalizeH="0" baseline="0" noProof="0" dirty="0">
-                <a:ln>
-                  <a:noFill/>
-                </a:ln>
-                <a:solidFill>
-                  <a:prstClr val="white"/>
-                </a:solidFill>
-                <a:effectLst/>
-                <a:uLnTx/>
-                <a:uFillTx/>
-                <a:latin typeface="Aptos" panose="02110004020202020204"/>
-                <a:ea typeface="+mn-ea"/>
-                <a:cs typeface="+mn-cs"/>
-              </a:rPr>
-              <a:t>Interestingly, people with good or excellent mental health show slightly higher screen time,</a:t>
-            </a:r>
-          </a:p>
-          <a:p>
-            <a:pPr marL="285750" marR="0" lvl="0" indent="-285750" algn="just" defTabSz="914400" rtl="0" eaLnBrk="1" fontAlgn="auto" latinLnBrk="0" hangingPunct="1">
-              <a:lnSpc>
-                <a:spcPct val="150000"/>
-              </a:lnSpc>
-              <a:spcBef>
-                <a:spcPts val="0"/>
-              </a:spcBef>
-              <a:spcAft>
-                <a:spcPts val="0"/>
-              </a:spcAft>
-              <a:buClrTx/>
-              <a:buSzTx/>
-              <a:buFont typeface="Arial" panose="020B0604020202020204" pitchFamily="34" charset="0"/>
-              <a:buChar char="•"/>
-              <a:tabLst/>
-              <a:defRPr/>
-            </a:pPr>
-            <a:r>
-              <a:rPr kumimoji="0" lang="en-US" sz="1800" b="0" i="0" u="none" strike="noStrike" kern="1200" cap="none" spc="0" normalizeH="0" baseline="0" noProof="0" dirty="0">
-                <a:ln>
-                  <a:noFill/>
-                </a:ln>
-                <a:solidFill>
-                  <a:prstClr val="white"/>
-                </a:solidFill>
-                <a:effectLst/>
-                <a:uLnTx/>
-                <a:uFillTx/>
-                <a:latin typeface="Aptos" panose="02110004020202020204"/>
-                <a:ea typeface="+mn-ea"/>
-                <a:cs typeface="+mn-cs"/>
-              </a:rPr>
-              <a:t>which might indicate productive or balanced digital use rather than stress-related behavior.</a:t>
-            </a:r>
-          </a:p>
-        </p:txBody>
-      </p:sp>
-      <p:pic>
-        <p:nvPicPr>
-          <p:cNvPr id="2" name="Picture 1">
-            <a:extLst>
-              <a:ext uri="{FF2B5EF4-FFF2-40B4-BE49-F238E27FC236}">
-                <a16:creationId xmlns:a16="http://schemas.microsoft.com/office/drawing/2014/main" id="{76C0C999-49A1-135C-DB57-71C4079FFC83}"/>
-              </a:ext>
-            </a:extLst>
-          </p:cNvPr>
-          <p:cNvPicPr>
-            <a:picLocks noChangeAspect="1"/>
-          </p:cNvPicPr>
-          <p:nvPr/>
-        </p:nvPicPr>
-        <p:blipFill>
-          <a:blip r:embed="rId4"/>
-          <a:stretch>
-            <a:fillRect/>
-          </a:stretch>
-        </p:blipFill>
-        <p:spPr>
-          <a:xfrm>
-            <a:off x="5265064" y="476860"/>
-            <a:ext cx="1700784" cy="1700784"/>
-          </a:xfrm>
-          <a:prstGeom prst="rect">
-            <a:avLst/>
-          </a:prstGeom>
-        </p:spPr>
-      </p:pic>
-      <p:pic>
-        <p:nvPicPr>
-          <p:cNvPr id="9" name="Picture 8">
-            <a:extLst>
-              <a:ext uri="{FF2B5EF4-FFF2-40B4-BE49-F238E27FC236}">
-                <a16:creationId xmlns:a16="http://schemas.microsoft.com/office/drawing/2014/main" id="{EA7D2337-B0D4-F294-0A2E-1A4C8950F987}"/>
-              </a:ext>
-            </a:extLst>
-          </p:cNvPr>
-          <p:cNvPicPr>
-            <a:picLocks noChangeAspect="1"/>
-          </p:cNvPicPr>
-          <p:nvPr/>
-        </p:nvPicPr>
-        <p:blipFill>
-          <a:blip r:embed="rId5"/>
-          <a:stretch>
-            <a:fillRect/>
-          </a:stretch>
-        </p:blipFill>
-        <p:spPr>
-          <a:xfrm>
-            <a:off x="145915" y="3170366"/>
-            <a:ext cx="5828165" cy="3376374"/>
-          </a:xfrm>
-          <a:prstGeom prst="rect">
-            <a:avLst/>
-          </a:prstGeom>
-        </p:spPr>
-      </p:pic>
-    </p:spTree>
-    <p:extLst>
-      <p:ext uri="{BB962C8B-B14F-4D97-AF65-F5344CB8AC3E}">
-        <p14:creationId xmlns:p14="http://schemas.microsoft.com/office/powerpoint/2010/main" val="1464116873"/>
-      </p:ext>
-    </p:extLst>
-  </p:cSld>
-  <p:clrMapOvr>
-    <a:masterClrMapping/>
-  </p:clrMapOvr>
-  <mc:AlternateContent xmlns:mc="http://schemas.openxmlformats.org/markup-compatibility/2006" xmlns:p159="http://schemas.microsoft.com/office/powerpoint/2015/09/main">
-    <mc:Choice Requires="p159">
-      <p:transition spd="slow">
-        <p159:morph option="byObject"/>
-      </p:transition>
-    </mc:Choice>
-    <mc:Fallback xmlns="">
-      <p:transition spd="slow">
-        <p:fade/>
-      </p:transition>
-    </mc:Fallback>
-  </mc:AlternateContent>
-</p:sld>
-</file>
-
-<file path=ppt/slides/slide31.xml><?xml version="1.0" encoding="utf-8"?>
-<p:sld xmlns:a="http://schemas.openxmlformats.org/drawingml/2006/main" xmlns:r="http://schemas.openxmlformats.org/officeDocument/2006/relationships" xmlns:p="http://schemas.openxmlformats.org/presentationml/2006/main">
-  <p:cSld>
-    <p:spTree>
-      <p:nvGrpSpPr>
-        <p:cNvPr id="1" name="">
-          <a:extLst>
-            <a:ext uri="{FF2B5EF4-FFF2-40B4-BE49-F238E27FC236}">
-              <a16:creationId xmlns:a16="http://schemas.microsoft.com/office/drawing/2014/main" id="{7E847AAE-97CF-FE28-185F-F29D1CF5B6E0}"/>
-            </a:ext>
-          </a:extLst>
-        </p:cNvPr>
-        <p:cNvGrpSpPr/>
-        <p:nvPr/>
-      </p:nvGrpSpPr>
-      <p:grpSpPr>
-        <a:xfrm>
-          <a:off x="0" y="0"/>
-          <a:ext cx="0" cy="0"/>
-          <a:chOff x="0" y="0"/>
-          <a:chExt cx="0" cy="0"/>
-        </a:xfrm>
-      </p:grpSpPr>
-      <p:pic>
-        <p:nvPicPr>
-          <p:cNvPr id="8" name="Picture 7" descr="A close up of a network&#10;&#10;AI-generated content may be incorrect.">
-            <a:extLst>
-              <a:ext uri="{FF2B5EF4-FFF2-40B4-BE49-F238E27FC236}">
-                <a16:creationId xmlns:a16="http://schemas.microsoft.com/office/drawing/2014/main" id="{022FAAA6-4035-1832-2F02-172E8642B944}"/>
-              </a:ext>
-            </a:extLst>
-          </p:cNvPr>
-          <p:cNvPicPr>
-            <a:picLocks noChangeAspect="1"/>
-          </p:cNvPicPr>
-          <p:nvPr/>
-        </p:nvPicPr>
-        <p:blipFill rotWithShape="1">
-          <a:blip r:embed="rId2">
-            <a:extLst>
-              <a:ext uri="{BEBA8EAE-BF5A-486C-A8C5-ECC9F3942E4B}">
-                <a14:imgProps xmlns:a14="http://schemas.microsoft.com/office/drawing/2010/main">
-                  <a14:imgLayer r:embed="rId3">
-                    <a14:imgEffect>
-                      <a14:brightnessContrast bright="-50000"/>
-                    </a14:imgEffect>
-                  </a14:imgLayer>
-                </a14:imgProps>
-              </a:ext>
-              <a:ext uri="{28A0092B-C50C-407E-A947-70E740481C1C}">
-                <a14:useLocalDpi xmlns:a14="http://schemas.microsoft.com/office/drawing/2010/main" val="0"/>
-              </a:ext>
-            </a:extLst>
-          </a:blip>
-          <a:srcRect l="18" r="18"/>
-          <a:stretch>
-            <a:fillRect/>
-          </a:stretch>
-        </p:blipFill>
-        <p:spPr>
-          <a:xfrm>
-            <a:off x="0" y="0"/>
-            <a:ext cx="12192000" cy="6858000"/>
-          </a:xfrm>
-          <a:prstGeom prst="rect">
-            <a:avLst/>
-          </a:prstGeom>
-        </p:spPr>
-      </p:pic>
-      <p:sp>
-        <p:nvSpPr>
-          <p:cNvPr id="4" name="Oval 3">
-            <a:extLst>
-              <a:ext uri="{FF2B5EF4-FFF2-40B4-BE49-F238E27FC236}">
-                <a16:creationId xmlns:a16="http://schemas.microsoft.com/office/drawing/2014/main" id="{8D65B2D0-FDFB-1CCA-B6C7-6FB8204D9D35}"/>
-              </a:ext>
-            </a:extLst>
-          </p:cNvPr>
-          <p:cNvSpPr/>
-          <p:nvPr/>
-        </p:nvSpPr>
-        <p:spPr>
-          <a:xfrm>
-            <a:off x="-1859666" y="-3003630"/>
-            <a:ext cx="15911332" cy="12865260"/>
-          </a:xfrm>
-          <a:prstGeom prst="ellipse">
-            <a:avLst/>
-          </a:prstGeom>
-          <a:solidFill>
-            <a:srgbClr val="10425A">
-              <a:alpha val="40000"/>
-            </a:srgbClr>
-          </a:solidFill>
-          <a:ln w="127000">
-            <a:solidFill>
-              <a:schemeClr val="bg1"/>
-            </a:solidFill>
-          </a:ln>
-        </p:spPr>
-        <p:style>
-          <a:lnRef idx="2">
-            <a:schemeClr val="accent1">
-              <a:shade val="15000"/>
-            </a:schemeClr>
-          </a:lnRef>
-          <a:fillRef idx="1">
-            <a:schemeClr val="accent1"/>
-          </a:fillRef>
-          <a:effectRef idx="0">
-            <a:schemeClr val="accent1"/>
-          </a:effectRef>
-          <a:fontRef idx="minor">
-            <a:schemeClr val="lt1"/>
-          </a:fontRef>
-        </p:style>
-        <p:txBody>
-          <a:bodyPr rtlCol="0" anchor="ctr"/>
-          <a:lstStyle/>
-          <a:p>
-            <a:pPr marL="0" marR="0" lvl="0" indent="0" algn="ctr" defTabSz="914400" rtl="0" eaLnBrk="1" fontAlgn="auto" latinLnBrk="0" hangingPunct="1">
-              <a:lnSpc>
-                <a:spcPct val="100000"/>
-              </a:lnSpc>
-              <a:spcBef>
-                <a:spcPts val="0"/>
-              </a:spcBef>
-              <a:spcAft>
-                <a:spcPts val="0"/>
-              </a:spcAft>
-              <a:buClrTx/>
-              <a:buSzTx/>
-              <a:buFontTx/>
-              <a:buNone/>
-              <a:tabLst/>
-              <a:defRPr/>
-            </a:pPr>
-            <a:endParaRPr kumimoji="0" lang="en-US" sz="1800" b="0" i="0" u="none" strike="noStrike" kern="1200" cap="none" spc="0" normalizeH="0" baseline="0" noProof="0" dirty="0">
-              <a:ln>
-                <a:noFill/>
-              </a:ln>
-              <a:solidFill>
-                <a:prstClr val="white"/>
-              </a:solidFill>
-              <a:effectLst/>
-              <a:uLnTx/>
-              <a:uFillTx/>
-              <a:latin typeface="Aptos" panose="02110004020202020204"/>
-              <a:ea typeface="+mn-ea"/>
-              <a:cs typeface="+mn-cs"/>
-            </a:endParaRPr>
-          </a:p>
-        </p:txBody>
-      </p:sp>
-      <p:sp>
-        <p:nvSpPr>
-          <p:cNvPr id="5" name="TextBox 4">
-            <a:extLst>
-              <a:ext uri="{FF2B5EF4-FFF2-40B4-BE49-F238E27FC236}">
-                <a16:creationId xmlns:a16="http://schemas.microsoft.com/office/drawing/2014/main" id="{8FEA1FF8-EA62-EBAC-C872-196FF94AC732}"/>
-              </a:ext>
-            </a:extLst>
-          </p:cNvPr>
-          <p:cNvSpPr txBox="1"/>
-          <p:nvPr/>
-        </p:nvSpPr>
-        <p:spPr>
-          <a:xfrm>
-            <a:off x="2192439" y="1846928"/>
-            <a:ext cx="9331123" cy="1323439"/>
-          </a:xfrm>
-          <a:prstGeom prst="rect">
-            <a:avLst/>
-          </a:prstGeom>
-          <a:noFill/>
-          <a:effectLst>
-            <a:outerShdw blurRad="50800" dist="38100" dir="2700000" algn="tl" rotWithShape="0">
-              <a:prstClr val="black">
-                <a:alpha val="40000"/>
-              </a:prstClr>
-            </a:outerShdw>
-          </a:effectLst>
-        </p:spPr>
-        <p:txBody>
-          <a:bodyPr wrap="square" rtlCol="0">
-            <a:spAutoFit/>
-          </a:bodyPr>
-          <a:lstStyle/>
-          <a:p>
-            <a:pPr marL="0" marR="0" lvl="0" indent="0" algn="l" defTabSz="914400" rtl="0" eaLnBrk="1" fontAlgn="auto" latinLnBrk="0" hangingPunct="1">
-              <a:lnSpc>
-                <a:spcPct val="100000"/>
-              </a:lnSpc>
-              <a:spcBef>
-                <a:spcPts val="0"/>
-              </a:spcBef>
-              <a:spcAft>
-                <a:spcPts val="0"/>
-              </a:spcAft>
-              <a:buClrTx/>
-              <a:buSzTx/>
-              <a:buFontTx/>
-              <a:buNone/>
-              <a:tabLst/>
-              <a:defRPr/>
-            </a:pPr>
-            <a:r>
-              <a:rPr kumimoji="0" lang="en-US" sz="8000" b="1" i="0" u="none" strike="noStrike" kern="1200" cap="none" spc="0" normalizeH="0" baseline="0" noProof="0" dirty="0">
-                <a:ln>
-                  <a:noFill/>
-                </a:ln>
-                <a:solidFill>
-                  <a:prstClr val="white"/>
-                </a:solidFill>
-                <a:effectLst/>
-                <a:uLnTx/>
-                <a:uFillTx/>
-                <a:latin typeface="Aharoni" panose="020F0502020204030204" pitchFamily="2" charset="-79"/>
-                <a:ea typeface="+mn-ea"/>
-                <a:cs typeface="Aharoni" panose="020F0502020204030204" pitchFamily="2" charset="-79"/>
-              </a:rPr>
-              <a:t>Data</a:t>
-            </a:r>
-            <a:r>
-              <a:rPr kumimoji="0" lang="ar-OM" sz="8000" b="1" i="0" u="none" strike="noStrike" kern="1200" cap="none" spc="0" normalizeH="0" baseline="0" noProof="0" dirty="0">
-                <a:ln>
-                  <a:noFill/>
-                </a:ln>
-                <a:solidFill>
-                  <a:prstClr val="white"/>
-                </a:solidFill>
-                <a:effectLst/>
-                <a:uLnTx/>
-                <a:uFillTx/>
-                <a:latin typeface="Aharoni" panose="020F0502020204030204" pitchFamily="2" charset="-79"/>
-                <a:ea typeface="+mn-ea"/>
-                <a:cs typeface="Aharoni" panose="020F0502020204030204" pitchFamily="2" charset="-79"/>
-              </a:rPr>
-              <a:t> </a:t>
-            </a:r>
-            <a:r>
-              <a:rPr kumimoji="0" lang="en-US" sz="8000" b="1" i="0" u="none" strike="noStrike" kern="1200" cap="none" spc="0" normalizeH="0" baseline="0" noProof="0" dirty="0">
-                <a:ln>
-                  <a:noFill/>
-                </a:ln>
-                <a:solidFill>
-                  <a:prstClr val="white"/>
-                </a:solidFill>
-                <a:effectLst/>
-                <a:uLnTx/>
-                <a:uFillTx/>
-                <a:latin typeface="Aharoni" panose="020F0502020204030204" pitchFamily="2" charset="-79"/>
-                <a:ea typeface="+mn-ea"/>
-                <a:cs typeface="Aharoni" panose="020F0502020204030204" pitchFamily="2" charset="-79"/>
-              </a:rPr>
-              <a:t>visualization</a:t>
-            </a:r>
-          </a:p>
-        </p:txBody>
-      </p:sp>
-      <p:sp>
-        <p:nvSpPr>
-          <p:cNvPr id="6" name="TextBox 5">
-            <a:extLst>
-              <a:ext uri="{FF2B5EF4-FFF2-40B4-BE49-F238E27FC236}">
-                <a16:creationId xmlns:a16="http://schemas.microsoft.com/office/drawing/2014/main" id="{623C1858-92E3-F87C-C1DA-9037715946A7}"/>
-              </a:ext>
-            </a:extLst>
-          </p:cNvPr>
-          <p:cNvSpPr txBox="1"/>
-          <p:nvPr/>
-        </p:nvSpPr>
-        <p:spPr>
-          <a:xfrm>
-            <a:off x="6611523" y="3191735"/>
-            <a:ext cx="5059680" cy="2545377"/>
-          </a:xfrm>
-          <a:prstGeom prst="rect">
-            <a:avLst/>
-          </a:prstGeom>
-          <a:noFill/>
-        </p:spPr>
-        <p:txBody>
-          <a:bodyPr wrap="square" rtlCol="0">
-            <a:spAutoFit/>
-          </a:bodyPr>
-          <a:lstStyle/>
-          <a:p>
-            <a:pPr marL="285750" marR="0" lvl="0" indent="-285750" algn="just" defTabSz="914400" rtl="0" eaLnBrk="1" fontAlgn="auto" latinLnBrk="0" hangingPunct="1">
-              <a:lnSpc>
-                <a:spcPct val="150000"/>
-              </a:lnSpc>
-              <a:spcBef>
-                <a:spcPts val="0"/>
-              </a:spcBef>
-              <a:spcAft>
-                <a:spcPts val="0"/>
-              </a:spcAft>
-              <a:buClrTx/>
-              <a:buSzTx/>
-              <a:buFont typeface="Arial" panose="020B0604020202020204" pitchFamily="34" charset="0"/>
-              <a:buChar char="•"/>
-              <a:tabLst/>
-              <a:defRPr/>
-            </a:pPr>
-            <a:r>
-              <a:rPr kumimoji="0" lang="en-US" sz="1800" b="0" i="0" u="none" strike="noStrike" kern="1200" cap="none" spc="0" normalizeH="0" baseline="0" noProof="0" dirty="0">
-                <a:ln>
-                  <a:noFill/>
-                </a:ln>
-                <a:solidFill>
-                  <a:prstClr val="white"/>
-                </a:solidFill>
-                <a:effectLst/>
-                <a:uLnTx/>
-                <a:uFillTx/>
-                <a:latin typeface="Aptos" panose="02110004020202020204"/>
-                <a:ea typeface="+mn-ea"/>
-                <a:cs typeface="+mn-cs"/>
-              </a:rPr>
-              <a:t>Males show the highest app usage, especially on YouTube.</a:t>
-            </a:r>
-            <a:endParaRPr kumimoji="0" lang="ar-OM" sz="1800" b="0" i="0" u="none" strike="noStrike" kern="1200" cap="none" spc="0" normalizeH="0" baseline="0" noProof="0" dirty="0">
-              <a:ln>
-                <a:noFill/>
-              </a:ln>
-              <a:solidFill>
-                <a:prstClr val="white"/>
-              </a:solidFill>
-              <a:effectLst/>
-              <a:uLnTx/>
-              <a:uFillTx/>
-              <a:latin typeface="Aptos" panose="02110004020202020204"/>
-              <a:ea typeface="+mn-ea"/>
-              <a:cs typeface="+mn-cs"/>
-            </a:endParaRPr>
-          </a:p>
-          <a:p>
-            <a:pPr marL="285750" marR="0" lvl="0" indent="-285750" algn="just" defTabSz="914400" rtl="0" eaLnBrk="1" fontAlgn="auto" latinLnBrk="0" hangingPunct="1">
-              <a:lnSpc>
-                <a:spcPct val="150000"/>
-              </a:lnSpc>
-              <a:spcBef>
-                <a:spcPts val="0"/>
-              </a:spcBef>
-              <a:spcAft>
-                <a:spcPts val="0"/>
-              </a:spcAft>
-              <a:buClrTx/>
-              <a:buSzTx/>
-              <a:buFont typeface="Arial" panose="020B0604020202020204" pitchFamily="34" charset="0"/>
-              <a:buChar char="•"/>
-              <a:tabLst/>
-              <a:defRPr/>
-            </a:pPr>
-            <a:r>
-              <a:rPr kumimoji="0" lang="en-US" sz="1800" b="0" i="0" u="none" strike="noStrike" kern="1200" cap="none" spc="0" normalizeH="0" baseline="0" noProof="0" dirty="0">
-                <a:ln>
-                  <a:noFill/>
-                </a:ln>
-                <a:solidFill>
-                  <a:prstClr val="white"/>
-                </a:solidFill>
-                <a:effectLst/>
-                <a:uLnTx/>
-                <a:uFillTx/>
-                <a:latin typeface="Aptos" panose="02110004020202020204"/>
-                <a:ea typeface="+mn-ea"/>
-                <a:cs typeface="+mn-cs"/>
-              </a:rPr>
-              <a:t>Females have lower usage overall but are more active on WhatsApp</a:t>
-            </a:r>
-            <a:r>
-              <a:rPr lang="ar-OM" dirty="0">
-                <a:solidFill>
-                  <a:prstClr val="white"/>
-                </a:solidFill>
-                <a:latin typeface="Aptos" panose="02110004020202020204"/>
-              </a:rPr>
-              <a:t>.</a:t>
-            </a:r>
-            <a:endParaRPr kumimoji="0" lang="ar-OM" sz="1800" b="0" i="0" u="none" strike="noStrike" kern="1200" cap="none" spc="0" normalizeH="0" baseline="0" noProof="0" dirty="0">
-              <a:ln>
-                <a:noFill/>
-              </a:ln>
-              <a:solidFill>
-                <a:prstClr val="white"/>
-              </a:solidFill>
-              <a:effectLst/>
-              <a:uLnTx/>
-              <a:uFillTx/>
-              <a:latin typeface="Aptos" panose="02110004020202020204"/>
-              <a:ea typeface="+mn-ea"/>
-              <a:cs typeface="+mn-cs"/>
-            </a:endParaRPr>
-          </a:p>
-          <a:p>
-            <a:pPr marL="285750" marR="0" lvl="0" indent="-285750" algn="just" defTabSz="914400" rtl="0" eaLnBrk="1" fontAlgn="auto" latinLnBrk="0" hangingPunct="1">
-              <a:lnSpc>
-                <a:spcPct val="150000"/>
-              </a:lnSpc>
-              <a:spcBef>
-                <a:spcPts val="0"/>
-              </a:spcBef>
-              <a:spcAft>
-                <a:spcPts val="0"/>
-              </a:spcAft>
-              <a:buClrTx/>
-              <a:buSzTx/>
-              <a:buFont typeface="Arial" panose="020B0604020202020204" pitchFamily="34" charset="0"/>
-              <a:buChar char="•"/>
-              <a:tabLst/>
-              <a:defRPr/>
-            </a:pPr>
-            <a:r>
-              <a:rPr kumimoji="0" lang="ar-OM" sz="1800" b="0" i="0" u="none" strike="noStrike" kern="1200" cap="none" spc="0" normalizeH="0" baseline="0" noProof="0" dirty="0">
-                <a:ln>
-                  <a:noFill/>
-                </a:ln>
-                <a:solidFill>
-                  <a:prstClr val="white"/>
-                </a:solidFill>
-                <a:effectLst/>
-                <a:uLnTx/>
-                <a:uFillTx/>
-                <a:latin typeface="Aptos" panose="02110004020202020204"/>
-                <a:ea typeface="+mn-ea"/>
-                <a:cs typeface="+mn-cs"/>
-              </a:rPr>
-              <a:t> </a:t>
-            </a:r>
-            <a:r>
-              <a:rPr kumimoji="0" lang="en-US" sz="1800" b="0" i="0" u="none" strike="noStrike" kern="1200" cap="none" spc="0" normalizeH="0" baseline="0" noProof="0" dirty="0">
-                <a:ln>
-                  <a:noFill/>
-                </a:ln>
-                <a:solidFill>
-                  <a:prstClr val="white"/>
-                </a:solidFill>
-                <a:effectLst/>
-                <a:uLnTx/>
-                <a:uFillTx/>
-                <a:latin typeface="Aptos" panose="02110004020202020204"/>
-                <a:ea typeface="+mn-ea"/>
-                <a:cs typeface="+mn-cs"/>
-              </a:rPr>
-              <a:t>Other users show moderate and balanced usage across all apps.</a:t>
-            </a:r>
-          </a:p>
-        </p:txBody>
-      </p:sp>
-      <p:pic>
-        <p:nvPicPr>
-          <p:cNvPr id="2" name="Picture 1">
-            <a:extLst>
-              <a:ext uri="{FF2B5EF4-FFF2-40B4-BE49-F238E27FC236}">
-                <a16:creationId xmlns:a16="http://schemas.microsoft.com/office/drawing/2014/main" id="{E689BF68-C8C1-7A48-4F8D-F0A5C7EC80D0}"/>
-              </a:ext>
-            </a:extLst>
-          </p:cNvPr>
-          <p:cNvPicPr>
-            <a:picLocks noChangeAspect="1"/>
-          </p:cNvPicPr>
-          <p:nvPr/>
-        </p:nvPicPr>
-        <p:blipFill>
-          <a:blip r:embed="rId4"/>
-          <a:stretch>
-            <a:fillRect/>
-          </a:stretch>
-        </p:blipFill>
-        <p:spPr>
-          <a:xfrm>
-            <a:off x="5265064" y="476860"/>
-            <a:ext cx="1700784" cy="1700784"/>
-          </a:xfrm>
-          <a:prstGeom prst="rect">
-            <a:avLst/>
-          </a:prstGeom>
-        </p:spPr>
-      </p:pic>
-      <p:pic>
-        <p:nvPicPr>
-          <p:cNvPr id="9" name="Picture 8">
-            <a:extLst>
-              <a:ext uri="{FF2B5EF4-FFF2-40B4-BE49-F238E27FC236}">
-                <a16:creationId xmlns:a16="http://schemas.microsoft.com/office/drawing/2014/main" id="{9DC32954-0D3A-C507-9286-6DF4CA618CB3}"/>
-              </a:ext>
-            </a:extLst>
-          </p:cNvPr>
-          <p:cNvPicPr>
-            <a:picLocks noChangeAspect="1"/>
-          </p:cNvPicPr>
-          <p:nvPr/>
-        </p:nvPicPr>
-        <p:blipFill>
-          <a:blip r:embed="rId5"/>
-          <a:stretch>
-            <a:fillRect/>
-          </a:stretch>
-        </p:blipFill>
-        <p:spPr>
-          <a:xfrm>
-            <a:off x="842379" y="3191735"/>
-            <a:ext cx="5248348" cy="2841508"/>
-          </a:xfrm>
-          <a:prstGeom prst="rect">
-            <a:avLst/>
-          </a:prstGeom>
-        </p:spPr>
-      </p:pic>
-    </p:spTree>
-    <p:extLst>
-      <p:ext uri="{BB962C8B-B14F-4D97-AF65-F5344CB8AC3E}">
-        <p14:creationId xmlns:p14="http://schemas.microsoft.com/office/powerpoint/2010/main" val="3968279188"/>
-      </p:ext>
-    </p:extLst>
-  </p:cSld>
-  <p:clrMapOvr>
-    <a:masterClrMapping/>
-  </p:clrMapOvr>
-  <mc:AlternateContent xmlns:mc="http://schemas.openxmlformats.org/markup-compatibility/2006" xmlns:p159="http://schemas.microsoft.com/office/powerpoint/2015/09/main">
-    <mc:Choice Requires="p159">
-      <p:transition spd="slow">
-        <p159:morph option="byObject"/>
-      </p:transition>
-    </mc:Choice>
-    <mc:Fallback xmlns="">
-      <p:transition spd="slow">
-        <p:fade/>
-      </p:transition>
-    </mc:Fallback>
-  </mc:AlternateContent>
-</p:sld>
-</file>
-
-<file path=ppt/slides/slide32.xml><?xml version="1.0" encoding="utf-8"?>
-<p:sld xmlns:a="http://schemas.openxmlformats.org/drawingml/2006/main" xmlns:r="http://schemas.openxmlformats.org/officeDocument/2006/relationships" xmlns:p="http://schemas.openxmlformats.org/presentationml/2006/main">
-  <p:cSld>
-    <p:spTree>
-      <p:nvGrpSpPr>
-        <p:cNvPr id="1" name="">
-          <a:extLst>
-            <a:ext uri="{FF2B5EF4-FFF2-40B4-BE49-F238E27FC236}">
-              <a16:creationId xmlns:a16="http://schemas.microsoft.com/office/drawing/2014/main" id="{9CBB9263-025E-4498-E269-7282F20D5B4A}"/>
-            </a:ext>
-          </a:extLst>
-        </p:cNvPr>
-        <p:cNvGrpSpPr/>
-        <p:nvPr/>
-      </p:nvGrpSpPr>
-      <p:grpSpPr>
-        <a:xfrm>
-          <a:off x="0" y="0"/>
-          <a:ext cx="0" cy="0"/>
-          <a:chOff x="0" y="0"/>
-          <a:chExt cx="0" cy="0"/>
-        </a:xfrm>
-      </p:grpSpPr>
-      <p:pic>
-        <p:nvPicPr>
-          <p:cNvPr id="8" name="Picture 7" descr="A close up of a network&#10;&#10;AI-generated content may be incorrect.">
-            <a:extLst>
-              <a:ext uri="{FF2B5EF4-FFF2-40B4-BE49-F238E27FC236}">
-                <a16:creationId xmlns:a16="http://schemas.microsoft.com/office/drawing/2014/main" id="{FEF14F2A-D499-B335-4342-B33E8EA86BD0}"/>
-              </a:ext>
-            </a:extLst>
-          </p:cNvPr>
-          <p:cNvPicPr>
-            <a:picLocks noChangeAspect="1"/>
-          </p:cNvPicPr>
-          <p:nvPr/>
-        </p:nvPicPr>
-        <p:blipFill rotWithShape="1">
-          <a:blip r:embed="rId2">
-            <a:extLst>
-              <a:ext uri="{BEBA8EAE-BF5A-486C-A8C5-ECC9F3942E4B}">
-                <a14:imgProps xmlns:a14="http://schemas.microsoft.com/office/drawing/2010/main">
-                  <a14:imgLayer r:embed="rId3">
-                    <a14:imgEffect>
-                      <a14:brightnessContrast bright="-50000"/>
-                    </a14:imgEffect>
-                  </a14:imgLayer>
-                </a14:imgProps>
-              </a:ext>
-              <a:ext uri="{28A0092B-C50C-407E-A947-70E740481C1C}">
-                <a14:useLocalDpi xmlns:a14="http://schemas.microsoft.com/office/drawing/2010/main" val="0"/>
-              </a:ext>
-            </a:extLst>
-          </a:blip>
-          <a:srcRect l="18" r="18"/>
-          <a:stretch>
-            <a:fillRect/>
-          </a:stretch>
-        </p:blipFill>
-        <p:spPr>
-          <a:xfrm>
-            <a:off x="0" y="0"/>
-            <a:ext cx="12192000" cy="6858000"/>
-          </a:xfrm>
-          <a:prstGeom prst="rect">
-            <a:avLst/>
-          </a:prstGeom>
-        </p:spPr>
-      </p:pic>
-      <p:sp>
-        <p:nvSpPr>
-          <p:cNvPr id="4" name="Oval 3">
-            <a:extLst>
-              <a:ext uri="{FF2B5EF4-FFF2-40B4-BE49-F238E27FC236}">
-                <a16:creationId xmlns:a16="http://schemas.microsoft.com/office/drawing/2014/main" id="{A1261796-5942-5546-5F7F-871DEB9B6690}"/>
-              </a:ext>
-            </a:extLst>
-          </p:cNvPr>
-          <p:cNvSpPr/>
-          <p:nvPr/>
-        </p:nvSpPr>
-        <p:spPr>
-          <a:xfrm>
-            <a:off x="-1859666" y="-3003630"/>
-            <a:ext cx="15911332" cy="12865260"/>
-          </a:xfrm>
-          <a:prstGeom prst="ellipse">
-            <a:avLst/>
-          </a:prstGeom>
-          <a:solidFill>
-            <a:srgbClr val="10425A">
-              <a:alpha val="40000"/>
-            </a:srgbClr>
-          </a:solidFill>
-          <a:ln w="127000">
-            <a:solidFill>
-              <a:schemeClr val="bg1"/>
-            </a:solidFill>
-          </a:ln>
-        </p:spPr>
-        <p:style>
-          <a:lnRef idx="2">
-            <a:schemeClr val="accent1">
-              <a:shade val="15000"/>
-            </a:schemeClr>
-          </a:lnRef>
-          <a:fillRef idx="1">
-            <a:schemeClr val="accent1"/>
-          </a:fillRef>
-          <a:effectRef idx="0">
-            <a:schemeClr val="accent1"/>
-          </a:effectRef>
-          <a:fontRef idx="minor">
-            <a:schemeClr val="lt1"/>
-          </a:fontRef>
-        </p:style>
-        <p:txBody>
-          <a:bodyPr rtlCol="0" anchor="ctr"/>
-          <a:lstStyle/>
-          <a:p>
-            <a:pPr marL="0" marR="0" lvl="0" indent="0" algn="ctr" defTabSz="914400" rtl="0" eaLnBrk="1" fontAlgn="auto" latinLnBrk="0" hangingPunct="1">
-              <a:lnSpc>
-                <a:spcPct val="100000"/>
-              </a:lnSpc>
-              <a:spcBef>
-                <a:spcPts val="0"/>
-              </a:spcBef>
-              <a:spcAft>
-                <a:spcPts val="0"/>
-              </a:spcAft>
-              <a:buClrTx/>
-              <a:buSzTx/>
-              <a:buFontTx/>
-              <a:buNone/>
-              <a:tabLst/>
-              <a:defRPr/>
-            </a:pPr>
-            <a:endParaRPr kumimoji="0" lang="en-US" sz="1800" b="0" i="0" u="none" strike="noStrike" kern="1200" cap="none" spc="0" normalizeH="0" baseline="0" noProof="0" dirty="0">
-              <a:ln>
-                <a:noFill/>
-              </a:ln>
-              <a:solidFill>
-                <a:prstClr val="white"/>
-              </a:solidFill>
-              <a:effectLst/>
-              <a:uLnTx/>
-              <a:uFillTx/>
-              <a:latin typeface="Aptos" panose="02110004020202020204"/>
-              <a:ea typeface="+mn-ea"/>
-              <a:cs typeface="+mn-cs"/>
-            </a:endParaRPr>
-          </a:p>
-        </p:txBody>
-      </p:sp>
-      <p:sp>
-        <p:nvSpPr>
-          <p:cNvPr id="5" name="TextBox 4">
-            <a:extLst>
-              <a:ext uri="{FF2B5EF4-FFF2-40B4-BE49-F238E27FC236}">
                 <a16:creationId xmlns:a16="http://schemas.microsoft.com/office/drawing/2014/main" id="{7F37247C-D56A-D02B-3C28-D384C9479FB0}"/>
               </a:ext>
             </a:extLst>
@@ -15414,7 +14391,7 @@
 </p:sld>
 </file>
 
-<file path=ppt/slides/slide33.xml><?xml version="1.0" encoding="utf-8"?>
+<file path=ppt/slides/slide31.xml><?xml version="1.0" encoding="utf-8"?>
 <p:sld xmlns:a="http://schemas.openxmlformats.org/drawingml/2006/main" xmlns:r="http://schemas.openxmlformats.org/officeDocument/2006/relationships" xmlns:p="http://schemas.openxmlformats.org/presentationml/2006/main">
   <p:cSld>
     <p:bg>
@@ -15656,7 +14633,7 @@
 </p:sld>
 </file>
 
-<file path=ppt/slides/slide34.xml><?xml version="1.0" encoding="utf-8"?>
+<file path=ppt/slides/slide32.xml><?xml version="1.0" encoding="utf-8"?>
 <p:sld xmlns:a="http://schemas.openxmlformats.org/drawingml/2006/main" xmlns:r="http://schemas.openxmlformats.org/officeDocument/2006/relationships" xmlns:p="http://schemas.openxmlformats.org/presentationml/2006/main">
   <p:cSld>
     <p:spTree>
